--- a/containerization.pptx
+++ b/containerization.pptx
@@ -5,10 +5,10 @@
     <p:sldMasterId id="2147483648" r:id="rId4"/>
   </p:sldMasterIdLst>
   <p:notesMasterIdLst>
-    <p:notesMasterId r:id="rId40"/>
+    <p:notesMasterId r:id="rId37"/>
   </p:notesMasterIdLst>
   <p:handoutMasterIdLst>
-    <p:handoutMasterId r:id="rId41"/>
+    <p:handoutMasterId r:id="rId38"/>
   </p:handoutMasterIdLst>
   <p:sldIdLst>
     <p:sldId id="518" r:id="rId5"/>
@@ -28,29 +28,26 @@
     <p:sldId id="528" r:id="rId19"/>
     <p:sldId id="535" r:id="rId20"/>
     <p:sldId id="536" r:id="rId21"/>
-    <p:sldId id="537" r:id="rId22"/>
-    <p:sldId id="599" r:id="rId23"/>
-    <p:sldId id="600" r:id="rId24"/>
-    <p:sldId id="601" r:id="rId25"/>
-    <p:sldId id="603" r:id="rId26"/>
-    <p:sldId id="602" r:id="rId27"/>
-    <p:sldId id="539" r:id="rId28"/>
-    <p:sldId id="587" r:id="rId29"/>
-    <p:sldId id="538" r:id="rId30"/>
-    <p:sldId id="541" r:id="rId31"/>
-    <p:sldId id="542" r:id="rId32"/>
-    <p:sldId id="540" r:id="rId33"/>
-    <p:sldId id="593" r:id="rId34"/>
-    <p:sldId id="604" r:id="rId35"/>
-    <p:sldId id="605" r:id="rId36"/>
-    <p:sldId id="544" r:id="rId37"/>
-    <p:sldId id="545" r:id="rId38"/>
-    <p:sldId id="543" r:id="rId39"/>
+    <p:sldId id="599" r:id="rId22"/>
+    <p:sldId id="600" r:id="rId23"/>
+    <p:sldId id="601" r:id="rId24"/>
+    <p:sldId id="603" r:id="rId25"/>
+    <p:sldId id="602" r:id="rId26"/>
+    <p:sldId id="539" r:id="rId27"/>
+    <p:sldId id="541" r:id="rId28"/>
+    <p:sldId id="542" r:id="rId29"/>
+    <p:sldId id="540" r:id="rId30"/>
+    <p:sldId id="593" r:id="rId31"/>
+    <p:sldId id="604" r:id="rId32"/>
+    <p:sldId id="605" r:id="rId33"/>
+    <p:sldId id="544" r:id="rId34"/>
+    <p:sldId id="545" r:id="rId35"/>
+    <p:sldId id="543" r:id="rId36"/>
   </p:sldIdLst>
   <p:sldSz cx="12192000" cy="6858000"/>
   <p:notesSz cx="6858000" cy="9144000"/>
   <p:custDataLst>
-    <p:tags r:id="rId42"/>
+    <p:tags r:id="rId39"/>
   </p:custDataLst>
   <p:defaultTextStyle>
     <a:defPPr>
@@ -188,6 +185,3112 @@
 </p:cmAuthorLst>
 </file>
 
+<file path=ppt/diagrams/colors1.xml><?xml version="1.0" encoding="utf-8"?>
+<dgm:colorsDef xmlns:dgm="http://schemas.openxmlformats.org/drawingml/2006/diagram" xmlns:a="http://schemas.openxmlformats.org/drawingml/2006/main" uniqueId="urn:microsoft.com/office/officeart/2005/8/colors/accent2_2">
+  <dgm:title val=""/>
+  <dgm:desc val=""/>
+  <dgm:catLst>
+    <dgm:cat type="accent2" pri="11200"/>
+  </dgm:catLst>
+  <dgm:styleLbl name="node0">
+    <dgm:fillClrLst meth="repeat">
+      <a:schemeClr val="accent2"/>
+    </dgm:fillClrLst>
+    <dgm:linClrLst meth="repeat">
+      <a:schemeClr val="lt1"/>
+    </dgm:linClrLst>
+    <dgm:effectClrLst/>
+    <dgm:txLinClrLst/>
+    <dgm:txFillClrLst/>
+    <dgm:txEffectClrLst/>
+  </dgm:styleLbl>
+  <dgm:styleLbl name="node1">
+    <dgm:fillClrLst meth="repeat">
+      <a:schemeClr val="accent2"/>
+    </dgm:fillClrLst>
+    <dgm:linClrLst meth="repeat">
+      <a:schemeClr val="lt1"/>
+    </dgm:linClrLst>
+    <dgm:effectClrLst/>
+    <dgm:txLinClrLst/>
+    <dgm:txFillClrLst/>
+    <dgm:txEffectClrLst/>
+  </dgm:styleLbl>
+  <dgm:styleLbl name="alignNode1">
+    <dgm:fillClrLst meth="repeat">
+      <a:schemeClr val="accent2"/>
+    </dgm:fillClrLst>
+    <dgm:linClrLst meth="repeat">
+      <a:schemeClr val="accent2"/>
+    </dgm:linClrLst>
+    <dgm:effectClrLst/>
+    <dgm:txLinClrLst/>
+    <dgm:txFillClrLst/>
+    <dgm:txEffectClrLst/>
+  </dgm:styleLbl>
+  <dgm:styleLbl name="lnNode1">
+    <dgm:fillClrLst meth="repeat">
+      <a:schemeClr val="accent2"/>
+    </dgm:fillClrLst>
+    <dgm:linClrLst meth="repeat">
+      <a:schemeClr val="lt1"/>
+    </dgm:linClrLst>
+    <dgm:effectClrLst/>
+    <dgm:txLinClrLst/>
+    <dgm:txFillClrLst/>
+    <dgm:txEffectClrLst/>
+  </dgm:styleLbl>
+  <dgm:styleLbl name="vennNode1">
+    <dgm:fillClrLst meth="repeat">
+      <a:schemeClr val="accent2">
+        <a:alpha val="50000"/>
+      </a:schemeClr>
+    </dgm:fillClrLst>
+    <dgm:linClrLst meth="repeat">
+      <a:schemeClr val="lt1"/>
+    </dgm:linClrLst>
+    <dgm:effectClrLst/>
+    <dgm:txLinClrLst/>
+    <dgm:txFillClrLst/>
+    <dgm:txEffectClrLst/>
+  </dgm:styleLbl>
+  <dgm:styleLbl name="node2">
+    <dgm:fillClrLst meth="repeat">
+      <a:schemeClr val="accent2"/>
+    </dgm:fillClrLst>
+    <dgm:linClrLst meth="repeat">
+      <a:schemeClr val="lt1"/>
+    </dgm:linClrLst>
+    <dgm:effectClrLst/>
+    <dgm:txLinClrLst/>
+    <dgm:txFillClrLst/>
+    <dgm:txEffectClrLst/>
+  </dgm:styleLbl>
+  <dgm:styleLbl name="node3">
+    <dgm:fillClrLst meth="repeat">
+      <a:schemeClr val="accent2"/>
+    </dgm:fillClrLst>
+    <dgm:linClrLst meth="repeat">
+      <a:schemeClr val="lt1"/>
+    </dgm:linClrLst>
+    <dgm:effectClrLst/>
+    <dgm:txLinClrLst/>
+    <dgm:txFillClrLst/>
+    <dgm:txEffectClrLst/>
+  </dgm:styleLbl>
+  <dgm:styleLbl name="node4">
+    <dgm:fillClrLst meth="repeat">
+      <a:schemeClr val="accent2"/>
+    </dgm:fillClrLst>
+    <dgm:linClrLst meth="repeat">
+      <a:schemeClr val="lt1"/>
+    </dgm:linClrLst>
+    <dgm:effectClrLst/>
+    <dgm:txLinClrLst/>
+    <dgm:txFillClrLst/>
+    <dgm:txEffectClrLst/>
+  </dgm:styleLbl>
+  <dgm:styleLbl name="fgImgPlace1">
+    <dgm:fillClrLst meth="repeat">
+      <a:schemeClr val="accent2">
+        <a:tint val="50000"/>
+      </a:schemeClr>
+    </dgm:fillClrLst>
+    <dgm:linClrLst meth="repeat">
+      <a:schemeClr val="lt1"/>
+    </dgm:linClrLst>
+    <dgm:effectClrLst/>
+    <dgm:txLinClrLst/>
+    <dgm:txFillClrLst meth="repeat">
+      <a:schemeClr val="lt1"/>
+    </dgm:txFillClrLst>
+    <dgm:txEffectClrLst/>
+  </dgm:styleLbl>
+  <dgm:styleLbl name="alignImgPlace1">
+    <dgm:fillClrLst meth="repeat">
+      <a:schemeClr val="accent2">
+        <a:tint val="50000"/>
+      </a:schemeClr>
+    </dgm:fillClrLst>
+    <dgm:linClrLst meth="repeat">
+      <a:schemeClr val="lt1"/>
+    </dgm:linClrLst>
+    <dgm:effectClrLst/>
+    <dgm:txLinClrLst/>
+    <dgm:txFillClrLst meth="repeat">
+      <a:schemeClr val="lt1"/>
+    </dgm:txFillClrLst>
+    <dgm:txEffectClrLst/>
+  </dgm:styleLbl>
+  <dgm:styleLbl name="bgImgPlace1">
+    <dgm:fillClrLst meth="repeat">
+      <a:schemeClr val="accent2">
+        <a:tint val="50000"/>
+      </a:schemeClr>
+    </dgm:fillClrLst>
+    <dgm:linClrLst meth="repeat">
+      <a:schemeClr val="lt1"/>
+    </dgm:linClrLst>
+    <dgm:effectClrLst/>
+    <dgm:txLinClrLst/>
+    <dgm:txFillClrLst meth="repeat">
+      <a:schemeClr val="lt1"/>
+    </dgm:txFillClrLst>
+    <dgm:txEffectClrLst/>
+  </dgm:styleLbl>
+  <dgm:styleLbl name="sibTrans2D1">
+    <dgm:fillClrLst meth="repeat">
+      <a:schemeClr val="accent2">
+        <a:tint val="60000"/>
+      </a:schemeClr>
+    </dgm:fillClrLst>
+    <dgm:linClrLst meth="repeat">
+      <a:schemeClr val="accent2">
+        <a:tint val="60000"/>
+      </a:schemeClr>
+    </dgm:linClrLst>
+    <dgm:effectClrLst/>
+    <dgm:txLinClrLst/>
+    <dgm:txFillClrLst/>
+    <dgm:txEffectClrLst/>
+  </dgm:styleLbl>
+  <dgm:styleLbl name="fgSibTrans2D1">
+    <dgm:fillClrLst meth="repeat">
+      <a:schemeClr val="accent2">
+        <a:tint val="60000"/>
+      </a:schemeClr>
+    </dgm:fillClrLst>
+    <dgm:linClrLst meth="repeat">
+      <a:schemeClr val="accent2">
+        <a:tint val="60000"/>
+      </a:schemeClr>
+    </dgm:linClrLst>
+    <dgm:effectClrLst/>
+    <dgm:txLinClrLst/>
+    <dgm:txFillClrLst/>
+    <dgm:txEffectClrLst/>
+  </dgm:styleLbl>
+  <dgm:styleLbl name="bgSibTrans2D1">
+    <dgm:fillClrLst meth="repeat">
+      <a:schemeClr val="accent2">
+        <a:tint val="60000"/>
+      </a:schemeClr>
+    </dgm:fillClrLst>
+    <dgm:linClrLst meth="repeat">
+      <a:schemeClr val="accent2">
+        <a:tint val="60000"/>
+      </a:schemeClr>
+    </dgm:linClrLst>
+    <dgm:effectClrLst/>
+    <dgm:txLinClrLst/>
+    <dgm:txFillClrLst/>
+    <dgm:txEffectClrLst/>
+  </dgm:styleLbl>
+  <dgm:styleLbl name="sibTrans1D1">
+    <dgm:fillClrLst meth="repeat">
+      <a:schemeClr val="accent2"/>
+    </dgm:fillClrLst>
+    <dgm:linClrLst meth="repeat">
+      <a:schemeClr val="accent2"/>
+    </dgm:linClrLst>
+    <dgm:effectClrLst/>
+    <dgm:txLinClrLst/>
+    <dgm:txFillClrLst meth="repeat">
+      <a:schemeClr val="tx1"/>
+    </dgm:txFillClrLst>
+    <dgm:txEffectClrLst/>
+  </dgm:styleLbl>
+  <dgm:styleLbl name="callout">
+    <dgm:fillClrLst meth="repeat">
+      <a:schemeClr val="accent2"/>
+    </dgm:fillClrLst>
+    <dgm:linClrLst meth="repeat">
+      <a:schemeClr val="accent2">
+        <a:tint val="50000"/>
+      </a:schemeClr>
+    </dgm:linClrLst>
+    <dgm:effectClrLst/>
+    <dgm:txLinClrLst/>
+    <dgm:txFillClrLst meth="repeat">
+      <a:schemeClr val="tx1"/>
+    </dgm:txFillClrLst>
+    <dgm:txEffectClrLst/>
+  </dgm:styleLbl>
+  <dgm:styleLbl name="asst0">
+    <dgm:fillClrLst meth="repeat">
+      <a:schemeClr val="accent2"/>
+    </dgm:fillClrLst>
+    <dgm:linClrLst meth="repeat">
+      <a:schemeClr val="lt1"/>
+    </dgm:linClrLst>
+    <dgm:effectClrLst/>
+    <dgm:txLinClrLst/>
+    <dgm:txFillClrLst/>
+    <dgm:txEffectClrLst/>
+  </dgm:styleLbl>
+  <dgm:styleLbl name="asst1">
+    <dgm:fillClrLst meth="repeat">
+      <a:schemeClr val="accent2"/>
+    </dgm:fillClrLst>
+    <dgm:linClrLst meth="repeat">
+      <a:schemeClr val="lt1"/>
+    </dgm:linClrLst>
+    <dgm:effectClrLst/>
+    <dgm:txLinClrLst/>
+    <dgm:txFillClrLst/>
+    <dgm:txEffectClrLst/>
+  </dgm:styleLbl>
+  <dgm:styleLbl name="asst2">
+    <dgm:fillClrLst meth="repeat">
+      <a:schemeClr val="accent2"/>
+    </dgm:fillClrLst>
+    <dgm:linClrLst meth="repeat">
+      <a:schemeClr val="lt1"/>
+    </dgm:linClrLst>
+    <dgm:effectClrLst/>
+    <dgm:txLinClrLst/>
+    <dgm:txFillClrLst/>
+    <dgm:txEffectClrLst/>
+  </dgm:styleLbl>
+  <dgm:styleLbl name="asst3">
+    <dgm:fillClrLst meth="repeat">
+      <a:schemeClr val="accent2"/>
+    </dgm:fillClrLst>
+    <dgm:linClrLst meth="repeat">
+      <a:schemeClr val="lt1"/>
+    </dgm:linClrLst>
+    <dgm:effectClrLst/>
+    <dgm:txLinClrLst/>
+    <dgm:txFillClrLst/>
+    <dgm:txEffectClrLst/>
+  </dgm:styleLbl>
+  <dgm:styleLbl name="asst4">
+    <dgm:fillClrLst meth="repeat">
+      <a:schemeClr val="accent2"/>
+    </dgm:fillClrLst>
+    <dgm:linClrLst meth="repeat">
+      <a:schemeClr val="lt1"/>
+    </dgm:linClrLst>
+    <dgm:effectClrLst/>
+    <dgm:txLinClrLst/>
+    <dgm:txFillClrLst/>
+    <dgm:txEffectClrLst/>
+  </dgm:styleLbl>
+  <dgm:styleLbl name="parChTrans2D1">
+    <dgm:fillClrLst meth="repeat">
+      <a:schemeClr val="accent2">
+        <a:tint val="60000"/>
+      </a:schemeClr>
+    </dgm:fillClrLst>
+    <dgm:linClrLst meth="repeat">
+      <a:schemeClr val="accent2">
+        <a:tint val="60000"/>
+      </a:schemeClr>
+    </dgm:linClrLst>
+    <dgm:effectClrLst/>
+    <dgm:txLinClrLst/>
+    <dgm:txFillClrLst meth="repeat">
+      <a:schemeClr val="lt1"/>
+    </dgm:txFillClrLst>
+    <dgm:txEffectClrLst/>
+  </dgm:styleLbl>
+  <dgm:styleLbl name="parChTrans2D2">
+    <dgm:fillClrLst meth="repeat">
+      <a:schemeClr val="accent2"/>
+    </dgm:fillClrLst>
+    <dgm:linClrLst meth="repeat">
+      <a:schemeClr val="accent2"/>
+    </dgm:linClrLst>
+    <dgm:effectClrLst/>
+    <dgm:txLinClrLst/>
+    <dgm:txFillClrLst meth="repeat">
+      <a:schemeClr val="lt1"/>
+    </dgm:txFillClrLst>
+    <dgm:txEffectClrLst/>
+  </dgm:styleLbl>
+  <dgm:styleLbl name="parChTrans2D3">
+    <dgm:fillClrLst meth="repeat">
+      <a:schemeClr val="accent2"/>
+    </dgm:fillClrLst>
+    <dgm:linClrLst meth="repeat">
+      <a:schemeClr val="accent2"/>
+    </dgm:linClrLst>
+    <dgm:effectClrLst/>
+    <dgm:txLinClrLst/>
+    <dgm:txFillClrLst meth="repeat">
+      <a:schemeClr val="lt1"/>
+    </dgm:txFillClrLst>
+    <dgm:txEffectClrLst/>
+  </dgm:styleLbl>
+  <dgm:styleLbl name="parChTrans2D4">
+    <dgm:fillClrLst meth="repeat">
+      <a:schemeClr val="accent2"/>
+    </dgm:fillClrLst>
+    <dgm:linClrLst meth="repeat">
+      <a:schemeClr val="accent2"/>
+    </dgm:linClrLst>
+    <dgm:effectClrLst/>
+    <dgm:txLinClrLst/>
+    <dgm:txFillClrLst meth="repeat">
+      <a:schemeClr val="lt1"/>
+    </dgm:txFillClrLst>
+    <dgm:txEffectClrLst/>
+  </dgm:styleLbl>
+  <dgm:styleLbl name="parChTrans1D1">
+    <dgm:fillClrLst meth="repeat">
+      <a:schemeClr val="accent2"/>
+    </dgm:fillClrLst>
+    <dgm:linClrLst meth="repeat">
+      <a:schemeClr val="accent2">
+        <a:shade val="60000"/>
+      </a:schemeClr>
+    </dgm:linClrLst>
+    <dgm:effectClrLst/>
+    <dgm:txLinClrLst/>
+    <dgm:txFillClrLst meth="repeat">
+      <a:schemeClr val="tx1"/>
+    </dgm:txFillClrLst>
+    <dgm:txEffectClrLst/>
+  </dgm:styleLbl>
+  <dgm:styleLbl name="parChTrans1D2">
+    <dgm:fillClrLst meth="repeat">
+      <a:schemeClr val="accent2"/>
+    </dgm:fillClrLst>
+    <dgm:linClrLst meth="repeat">
+      <a:schemeClr val="accent2">
+        <a:shade val="60000"/>
+      </a:schemeClr>
+    </dgm:linClrLst>
+    <dgm:effectClrLst/>
+    <dgm:txLinClrLst/>
+    <dgm:txFillClrLst meth="repeat">
+      <a:schemeClr val="tx1"/>
+    </dgm:txFillClrLst>
+    <dgm:txEffectClrLst/>
+  </dgm:styleLbl>
+  <dgm:styleLbl name="parChTrans1D3">
+    <dgm:fillClrLst meth="repeat">
+      <a:schemeClr val="accent2"/>
+    </dgm:fillClrLst>
+    <dgm:linClrLst meth="repeat">
+      <a:schemeClr val="accent2">
+        <a:shade val="80000"/>
+      </a:schemeClr>
+    </dgm:linClrLst>
+    <dgm:effectClrLst/>
+    <dgm:txLinClrLst/>
+    <dgm:txFillClrLst meth="repeat">
+      <a:schemeClr val="tx1"/>
+    </dgm:txFillClrLst>
+    <dgm:txEffectClrLst/>
+  </dgm:styleLbl>
+  <dgm:styleLbl name="parChTrans1D4">
+    <dgm:fillClrLst meth="repeat">
+      <a:schemeClr val="accent2"/>
+    </dgm:fillClrLst>
+    <dgm:linClrLst meth="repeat">
+      <a:schemeClr val="accent2">
+        <a:shade val="80000"/>
+      </a:schemeClr>
+    </dgm:linClrLst>
+    <dgm:effectClrLst/>
+    <dgm:txLinClrLst/>
+    <dgm:txFillClrLst meth="repeat">
+      <a:schemeClr val="tx1"/>
+    </dgm:txFillClrLst>
+    <dgm:txEffectClrLst/>
+  </dgm:styleLbl>
+  <dgm:styleLbl name="fgAcc1">
+    <dgm:fillClrLst meth="repeat">
+      <a:schemeClr val="lt1">
+        <a:alpha val="90000"/>
+      </a:schemeClr>
+    </dgm:fillClrLst>
+    <dgm:linClrLst meth="repeat">
+      <a:schemeClr val="accent2"/>
+    </dgm:linClrLst>
+    <dgm:effectClrLst/>
+    <dgm:txLinClrLst/>
+    <dgm:txFillClrLst meth="repeat">
+      <a:schemeClr val="dk1"/>
+    </dgm:txFillClrLst>
+    <dgm:txEffectClrLst/>
+  </dgm:styleLbl>
+  <dgm:styleLbl name="conFgAcc1">
+    <dgm:fillClrLst meth="repeat">
+      <a:schemeClr val="lt1">
+        <a:alpha val="90000"/>
+      </a:schemeClr>
+    </dgm:fillClrLst>
+    <dgm:linClrLst meth="repeat">
+      <a:schemeClr val="accent2"/>
+    </dgm:linClrLst>
+    <dgm:effectClrLst/>
+    <dgm:txLinClrLst/>
+    <dgm:txFillClrLst meth="repeat">
+      <a:schemeClr val="dk1"/>
+    </dgm:txFillClrLst>
+    <dgm:txEffectClrLst/>
+  </dgm:styleLbl>
+  <dgm:styleLbl name="alignAcc1">
+    <dgm:fillClrLst meth="repeat">
+      <a:schemeClr val="lt1">
+        <a:alpha val="90000"/>
+      </a:schemeClr>
+    </dgm:fillClrLst>
+    <dgm:linClrLst meth="repeat">
+      <a:schemeClr val="accent2"/>
+    </dgm:linClrLst>
+    <dgm:effectClrLst/>
+    <dgm:txLinClrLst/>
+    <dgm:txFillClrLst meth="repeat">
+      <a:schemeClr val="dk1"/>
+    </dgm:txFillClrLst>
+    <dgm:txEffectClrLst/>
+  </dgm:styleLbl>
+  <dgm:styleLbl name="trAlignAcc1">
+    <dgm:fillClrLst meth="repeat">
+      <a:schemeClr val="lt1">
+        <a:alpha val="40000"/>
+      </a:schemeClr>
+    </dgm:fillClrLst>
+    <dgm:linClrLst meth="repeat">
+      <a:schemeClr val="accent2"/>
+    </dgm:linClrLst>
+    <dgm:effectClrLst/>
+    <dgm:txLinClrLst/>
+    <dgm:txFillClrLst meth="repeat">
+      <a:schemeClr val="dk1"/>
+    </dgm:txFillClrLst>
+    <dgm:txEffectClrLst/>
+  </dgm:styleLbl>
+  <dgm:styleLbl name="bgAcc1">
+    <dgm:fillClrLst meth="repeat">
+      <a:schemeClr val="lt1">
+        <a:alpha val="90000"/>
+      </a:schemeClr>
+    </dgm:fillClrLst>
+    <dgm:linClrLst meth="repeat">
+      <a:schemeClr val="accent2"/>
+    </dgm:linClrLst>
+    <dgm:effectClrLst/>
+    <dgm:txLinClrLst/>
+    <dgm:txFillClrLst meth="repeat">
+      <a:schemeClr val="dk1"/>
+    </dgm:txFillClrLst>
+    <dgm:txEffectClrLst/>
+  </dgm:styleLbl>
+  <dgm:styleLbl name="solidFgAcc1">
+    <dgm:fillClrLst meth="repeat">
+      <a:schemeClr val="lt1"/>
+    </dgm:fillClrLst>
+    <dgm:linClrLst meth="repeat">
+      <a:schemeClr val="accent2"/>
+    </dgm:linClrLst>
+    <dgm:effectClrLst/>
+    <dgm:txLinClrLst/>
+    <dgm:txFillClrLst meth="repeat">
+      <a:schemeClr val="dk1"/>
+    </dgm:txFillClrLst>
+    <dgm:txEffectClrLst/>
+  </dgm:styleLbl>
+  <dgm:styleLbl name="solidAlignAcc1">
+    <dgm:fillClrLst meth="repeat">
+      <a:schemeClr val="lt1"/>
+    </dgm:fillClrLst>
+    <dgm:linClrLst meth="repeat">
+      <a:schemeClr val="accent2"/>
+    </dgm:linClrLst>
+    <dgm:effectClrLst/>
+    <dgm:txLinClrLst/>
+    <dgm:txFillClrLst meth="repeat">
+      <a:schemeClr val="dk1"/>
+    </dgm:txFillClrLst>
+    <dgm:txEffectClrLst/>
+  </dgm:styleLbl>
+  <dgm:styleLbl name="solidBgAcc1">
+    <dgm:fillClrLst meth="repeat">
+      <a:schemeClr val="lt1"/>
+    </dgm:fillClrLst>
+    <dgm:linClrLst meth="repeat">
+      <a:schemeClr val="accent2"/>
+    </dgm:linClrLst>
+    <dgm:effectClrLst/>
+    <dgm:txLinClrLst/>
+    <dgm:txFillClrLst meth="repeat">
+      <a:schemeClr val="dk1"/>
+    </dgm:txFillClrLst>
+    <dgm:txEffectClrLst/>
+  </dgm:styleLbl>
+  <dgm:styleLbl name="fgAccFollowNode1">
+    <dgm:fillClrLst meth="repeat">
+      <a:schemeClr val="accent2">
+        <a:alpha val="90000"/>
+        <a:tint val="40000"/>
+      </a:schemeClr>
+    </dgm:fillClrLst>
+    <dgm:linClrLst meth="repeat">
+      <a:schemeClr val="accent2">
+        <a:alpha val="90000"/>
+        <a:tint val="40000"/>
+      </a:schemeClr>
+    </dgm:linClrLst>
+    <dgm:effectClrLst/>
+    <dgm:txLinClrLst/>
+    <dgm:txFillClrLst meth="repeat">
+      <a:schemeClr val="dk1"/>
+    </dgm:txFillClrLst>
+    <dgm:txEffectClrLst/>
+  </dgm:styleLbl>
+  <dgm:styleLbl name="alignAccFollowNode1">
+    <dgm:fillClrLst meth="repeat">
+      <a:schemeClr val="accent2">
+        <a:alpha val="90000"/>
+        <a:tint val="40000"/>
+      </a:schemeClr>
+    </dgm:fillClrLst>
+    <dgm:linClrLst meth="repeat">
+      <a:schemeClr val="accent2">
+        <a:alpha val="90000"/>
+        <a:tint val="40000"/>
+      </a:schemeClr>
+    </dgm:linClrLst>
+    <dgm:effectClrLst/>
+    <dgm:txLinClrLst/>
+    <dgm:txFillClrLst meth="repeat">
+      <a:schemeClr val="dk1"/>
+    </dgm:txFillClrLst>
+    <dgm:txEffectClrLst/>
+  </dgm:styleLbl>
+  <dgm:styleLbl name="bgAccFollowNode1">
+    <dgm:fillClrLst meth="repeat">
+      <a:schemeClr val="accent2">
+        <a:alpha val="90000"/>
+        <a:tint val="40000"/>
+      </a:schemeClr>
+    </dgm:fillClrLst>
+    <dgm:linClrLst meth="repeat">
+      <a:schemeClr val="accent2">
+        <a:alpha val="90000"/>
+        <a:tint val="40000"/>
+      </a:schemeClr>
+    </dgm:linClrLst>
+    <dgm:effectClrLst/>
+    <dgm:txLinClrLst/>
+    <dgm:txFillClrLst meth="repeat">
+      <a:schemeClr val="dk1"/>
+    </dgm:txFillClrLst>
+    <dgm:txEffectClrLst/>
+  </dgm:styleLbl>
+  <dgm:styleLbl name="fgAcc0">
+    <dgm:fillClrLst meth="repeat">
+      <a:schemeClr val="lt1">
+        <a:alpha val="90000"/>
+      </a:schemeClr>
+    </dgm:fillClrLst>
+    <dgm:linClrLst meth="repeat">
+      <a:schemeClr val="accent2"/>
+    </dgm:linClrLst>
+    <dgm:effectClrLst/>
+    <dgm:txLinClrLst/>
+    <dgm:txFillClrLst meth="repeat">
+      <a:schemeClr val="dk1"/>
+    </dgm:txFillClrLst>
+    <dgm:txEffectClrLst/>
+  </dgm:styleLbl>
+  <dgm:styleLbl name="fgAcc2">
+    <dgm:fillClrLst meth="repeat">
+      <a:schemeClr val="lt1">
+        <a:alpha val="90000"/>
+      </a:schemeClr>
+    </dgm:fillClrLst>
+    <dgm:linClrLst meth="repeat">
+      <a:schemeClr val="accent2"/>
+    </dgm:linClrLst>
+    <dgm:effectClrLst/>
+    <dgm:txLinClrLst/>
+    <dgm:txFillClrLst meth="repeat">
+      <a:schemeClr val="dk1"/>
+    </dgm:txFillClrLst>
+    <dgm:txEffectClrLst/>
+  </dgm:styleLbl>
+  <dgm:styleLbl name="fgAcc3">
+    <dgm:fillClrLst meth="repeat">
+      <a:schemeClr val="lt1">
+        <a:alpha val="90000"/>
+      </a:schemeClr>
+    </dgm:fillClrLst>
+    <dgm:linClrLst meth="repeat">
+      <a:schemeClr val="accent2"/>
+    </dgm:linClrLst>
+    <dgm:effectClrLst/>
+    <dgm:txLinClrLst/>
+    <dgm:txFillClrLst meth="repeat">
+      <a:schemeClr val="dk1"/>
+    </dgm:txFillClrLst>
+    <dgm:txEffectClrLst/>
+  </dgm:styleLbl>
+  <dgm:styleLbl name="fgAcc4">
+    <dgm:fillClrLst meth="repeat">
+      <a:schemeClr val="lt1">
+        <a:alpha val="90000"/>
+      </a:schemeClr>
+    </dgm:fillClrLst>
+    <dgm:linClrLst meth="repeat">
+      <a:schemeClr val="accent2"/>
+    </dgm:linClrLst>
+    <dgm:effectClrLst/>
+    <dgm:txLinClrLst/>
+    <dgm:txFillClrLst meth="repeat">
+      <a:schemeClr val="dk1"/>
+    </dgm:txFillClrLst>
+    <dgm:txEffectClrLst/>
+  </dgm:styleLbl>
+  <dgm:styleLbl name="bgShp">
+    <dgm:fillClrLst meth="repeat">
+      <a:schemeClr val="accent2">
+        <a:tint val="40000"/>
+      </a:schemeClr>
+    </dgm:fillClrLst>
+    <dgm:linClrLst meth="repeat">
+      <a:schemeClr val="accent2"/>
+    </dgm:linClrLst>
+    <dgm:effectClrLst/>
+    <dgm:txLinClrLst/>
+    <dgm:txFillClrLst meth="repeat">
+      <a:schemeClr val="dk1"/>
+    </dgm:txFillClrLst>
+    <dgm:txEffectClrLst/>
+  </dgm:styleLbl>
+  <dgm:styleLbl name="dkBgShp">
+    <dgm:fillClrLst meth="repeat">
+      <a:schemeClr val="accent2">
+        <a:shade val="80000"/>
+      </a:schemeClr>
+    </dgm:fillClrLst>
+    <dgm:linClrLst meth="repeat">
+      <a:schemeClr val="accent2"/>
+    </dgm:linClrLst>
+    <dgm:effectClrLst/>
+    <dgm:txLinClrLst/>
+    <dgm:txFillClrLst meth="repeat">
+      <a:schemeClr val="lt1"/>
+    </dgm:txFillClrLst>
+    <dgm:txEffectClrLst/>
+  </dgm:styleLbl>
+  <dgm:styleLbl name="trBgShp">
+    <dgm:fillClrLst meth="repeat">
+      <a:schemeClr val="accent2">
+        <a:tint val="50000"/>
+        <a:alpha val="40000"/>
+      </a:schemeClr>
+    </dgm:fillClrLst>
+    <dgm:linClrLst meth="repeat">
+      <a:schemeClr val="accent2"/>
+    </dgm:linClrLst>
+    <dgm:effectClrLst/>
+    <dgm:txLinClrLst/>
+    <dgm:txFillClrLst meth="repeat">
+      <a:schemeClr val="lt1"/>
+    </dgm:txFillClrLst>
+    <dgm:txEffectClrLst/>
+  </dgm:styleLbl>
+  <dgm:styleLbl name="fgShp">
+    <dgm:fillClrLst meth="repeat">
+      <a:schemeClr val="accent2">
+        <a:tint val="60000"/>
+      </a:schemeClr>
+    </dgm:fillClrLst>
+    <dgm:linClrLst meth="repeat">
+      <a:schemeClr val="lt1"/>
+    </dgm:linClrLst>
+    <dgm:effectClrLst/>
+    <dgm:txLinClrLst/>
+    <dgm:txFillClrLst meth="repeat">
+      <a:schemeClr val="dk1"/>
+    </dgm:txFillClrLst>
+    <dgm:txEffectClrLst/>
+  </dgm:styleLbl>
+  <dgm:styleLbl name="revTx">
+    <dgm:fillClrLst meth="repeat">
+      <a:schemeClr val="lt1">
+        <a:alpha val="0"/>
+      </a:schemeClr>
+    </dgm:fillClrLst>
+    <dgm:linClrLst meth="repeat">
+      <a:schemeClr val="dk1">
+        <a:alpha val="0"/>
+      </a:schemeClr>
+    </dgm:linClrLst>
+    <dgm:effectClrLst/>
+    <dgm:txLinClrLst/>
+    <dgm:txFillClrLst meth="repeat">
+      <a:schemeClr val="tx1"/>
+    </dgm:txFillClrLst>
+    <dgm:txEffectClrLst/>
+  </dgm:styleLbl>
+</dgm:colorsDef>
+</file>
+
+<file path=ppt/diagrams/data1.xml><?xml version="1.0" encoding="utf-8"?>
+<dgm:dataModel xmlns:dgm="http://schemas.openxmlformats.org/drawingml/2006/diagram" xmlns:a="http://schemas.openxmlformats.org/drawingml/2006/main">
+  <dgm:ptLst>
+    <dgm:pt modelId="{7D4109B0-3A93-4CE1-B378-61EB69CD738A}" type="doc">
+      <dgm:prSet loTypeId="urn:microsoft.com/office/officeart/2018/2/layout/IconCircleList" loCatId="icon" qsTypeId="urn:microsoft.com/office/officeart/2005/8/quickstyle/simple1" qsCatId="simple" csTypeId="urn:microsoft.com/office/officeart/2005/8/colors/accent2_2" csCatId="accent2" phldr="1"/>
+      <dgm:spPr/>
+      <dgm:t>
+        <a:bodyPr/>
+        <a:lstStyle/>
+        <a:p>
+          <a:endParaRPr lang="en-US"/>
+        </a:p>
+      </dgm:t>
+    </dgm:pt>
+    <dgm:pt modelId="{D4C00CD7-B22A-4E45-8B09-4D97E42839D5}">
+      <dgm:prSet/>
+      <dgm:spPr/>
+      <dgm:t>
+        <a:bodyPr/>
+        <a:lstStyle/>
+        <a:p>
+          <a:r>
+            <a:rPr lang="nl-NL"/>
+            <a:t>A standardized, running unit of software</a:t>
+          </a:r>
+          <a:endParaRPr lang="en-US"/>
+        </a:p>
+      </dgm:t>
+    </dgm:pt>
+    <dgm:pt modelId="{98DFC476-E163-4DAE-8717-9B63AD12AFBF}" type="parTrans" cxnId="{14BF4CDE-3B15-4E98-B393-6FB98790D418}">
+      <dgm:prSet/>
+      <dgm:spPr/>
+      <dgm:t>
+        <a:bodyPr/>
+        <a:lstStyle/>
+        <a:p>
+          <a:endParaRPr lang="en-US"/>
+        </a:p>
+      </dgm:t>
+    </dgm:pt>
+    <dgm:pt modelId="{9E27881A-0FF4-42B4-BC56-40AD23CB8F73}" type="sibTrans" cxnId="{14BF4CDE-3B15-4E98-B393-6FB98790D418}">
+      <dgm:prSet/>
+      <dgm:spPr/>
+      <dgm:t>
+        <a:bodyPr/>
+        <a:lstStyle/>
+        <a:p>
+          <a:endParaRPr lang="en-US"/>
+        </a:p>
+      </dgm:t>
+    </dgm:pt>
+    <dgm:pt modelId="{3A992BE2-8DD6-4EBD-977F-3C2EC58B7229}">
+      <dgm:prSet/>
+      <dgm:spPr/>
+      <dgm:t>
+        <a:bodyPr/>
+        <a:lstStyle/>
+        <a:p>
+          <a:r>
+            <a:rPr lang="nl-NL" b="1"/>
+            <a:t>Image: </a:t>
+          </a:r>
+          <a:r>
+            <a:rPr lang="nl-NL"/>
+            <a:t>An executable package that contains everything needed to run the application (a blueprint, or recipe)</a:t>
+          </a:r>
+          <a:endParaRPr lang="en-US"/>
+        </a:p>
+      </dgm:t>
+    </dgm:pt>
+    <dgm:pt modelId="{01685F73-A3FA-47C3-BC44-6C96C3A73D36}" type="parTrans" cxnId="{97F092F0-2451-448B-B0E9-A1C6A6A5EDC1}">
+      <dgm:prSet/>
+      <dgm:spPr/>
+      <dgm:t>
+        <a:bodyPr/>
+        <a:lstStyle/>
+        <a:p>
+          <a:endParaRPr lang="en-US"/>
+        </a:p>
+      </dgm:t>
+    </dgm:pt>
+    <dgm:pt modelId="{D8862D2E-D16C-4D91-8E04-8C189397BC8A}" type="sibTrans" cxnId="{97F092F0-2451-448B-B0E9-A1C6A6A5EDC1}">
+      <dgm:prSet/>
+      <dgm:spPr/>
+      <dgm:t>
+        <a:bodyPr/>
+        <a:lstStyle/>
+        <a:p>
+          <a:endParaRPr lang="en-US"/>
+        </a:p>
+      </dgm:t>
+    </dgm:pt>
+    <dgm:pt modelId="{159DF53A-4A8F-45C2-9308-FE35ABFD009F}">
+      <dgm:prSet/>
+      <dgm:spPr/>
+      <dgm:t>
+        <a:bodyPr/>
+        <a:lstStyle/>
+        <a:p>
+          <a:r>
+            <a:rPr lang="nl-NL" b="1"/>
+            <a:t>Container: </a:t>
+          </a:r>
+          <a:r>
+            <a:rPr lang="nl-NL"/>
+            <a:t>A running instance of an </a:t>
+          </a:r>
+          <a:r>
+            <a:rPr lang="nl-NL" b="1"/>
+            <a:t>image</a:t>
+          </a:r>
+          <a:r>
+            <a:rPr lang="nl-NL"/>
+            <a:t>.</a:t>
+          </a:r>
+          <a:endParaRPr lang="en-US"/>
+        </a:p>
+      </dgm:t>
+    </dgm:pt>
+    <dgm:pt modelId="{F13F9851-CA7F-4013-AA08-00C44936364D}" type="parTrans" cxnId="{89F8044D-0CC2-4CD0-B6DA-C083A081723D}">
+      <dgm:prSet/>
+      <dgm:spPr/>
+      <dgm:t>
+        <a:bodyPr/>
+        <a:lstStyle/>
+        <a:p>
+          <a:endParaRPr lang="en-US"/>
+        </a:p>
+      </dgm:t>
+    </dgm:pt>
+    <dgm:pt modelId="{4F9D69D1-A383-421F-B924-1BD7B7A309AE}" type="sibTrans" cxnId="{89F8044D-0CC2-4CD0-B6DA-C083A081723D}">
+      <dgm:prSet/>
+      <dgm:spPr/>
+      <dgm:t>
+        <a:bodyPr/>
+        <a:lstStyle/>
+        <a:p>
+          <a:endParaRPr lang="en-US"/>
+        </a:p>
+      </dgm:t>
+    </dgm:pt>
+    <dgm:pt modelId="{D8831B35-3250-4DBC-9142-7BC12609CE6B}">
+      <dgm:prSet/>
+      <dgm:spPr/>
+      <dgm:t>
+        <a:bodyPr/>
+        <a:lstStyle/>
+        <a:p>
+          <a:r>
+            <a:rPr lang="nl-NL"/>
+            <a:t>In OOP terms: An </a:t>
+          </a:r>
+          <a:r>
+            <a:rPr lang="nl-NL" b="1"/>
+            <a:t>image </a:t>
+          </a:r>
+          <a:r>
+            <a:rPr lang="nl-NL"/>
+            <a:t>is a class, and a </a:t>
+          </a:r>
+          <a:r>
+            <a:rPr lang="nl-NL" b="1"/>
+            <a:t>container </a:t>
+          </a:r>
+          <a:r>
+            <a:rPr lang="nl-NL"/>
+            <a:t>is the instantiation of that class.</a:t>
+          </a:r>
+          <a:endParaRPr lang="en-US"/>
+        </a:p>
+      </dgm:t>
+    </dgm:pt>
+    <dgm:pt modelId="{42D744F3-4755-4672-BBC2-B9F78A8981CD}" type="parTrans" cxnId="{D251ACD1-9575-45FD-A694-2FB87404D4D8}">
+      <dgm:prSet/>
+      <dgm:spPr/>
+      <dgm:t>
+        <a:bodyPr/>
+        <a:lstStyle/>
+        <a:p>
+          <a:endParaRPr lang="en-US"/>
+        </a:p>
+      </dgm:t>
+    </dgm:pt>
+    <dgm:pt modelId="{0BDF45A9-47D6-47D1-A730-F720287AE2B6}" type="sibTrans" cxnId="{D251ACD1-9575-45FD-A694-2FB87404D4D8}">
+      <dgm:prSet/>
+      <dgm:spPr/>
+      <dgm:t>
+        <a:bodyPr/>
+        <a:lstStyle/>
+        <a:p>
+          <a:endParaRPr lang="en-US"/>
+        </a:p>
+      </dgm:t>
+    </dgm:pt>
+    <dgm:pt modelId="{7F0CDB2B-F1E8-490C-8969-E7E7D2862CB9}" type="pres">
+      <dgm:prSet presAssocID="{7D4109B0-3A93-4CE1-B378-61EB69CD738A}" presName="root" presStyleCnt="0">
+        <dgm:presLayoutVars>
+          <dgm:dir/>
+          <dgm:resizeHandles val="exact"/>
+        </dgm:presLayoutVars>
+      </dgm:prSet>
+      <dgm:spPr/>
+    </dgm:pt>
+    <dgm:pt modelId="{9B40076F-5D69-47AB-B3E7-CD5962A9A92B}" type="pres">
+      <dgm:prSet presAssocID="{7D4109B0-3A93-4CE1-B378-61EB69CD738A}" presName="container" presStyleCnt="0">
+        <dgm:presLayoutVars>
+          <dgm:dir/>
+          <dgm:resizeHandles val="exact"/>
+        </dgm:presLayoutVars>
+      </dgm:prSet>
+      <dgm:spPr/>
+    </dgm:pt>
+    <dgm:pt modelId="{CEAA4C19-CEC5-4195-A5D9-43CCFC8A9BB6}" type="pres">
+      <dgm:prSet presAssocID="{D4C00CD7-B22A-4E45-8B09-4D97E42839D5}" presName="compNode" presStyleCnt="0"/>
+      <dgm:spPr/>
+    </dgm:pt>
+    <dgm:pt modelId="{0656C620-7550-4A9F-881D-0273ACB3770B}" type="pres">
+      <dgm:prSet presAssocID="{D4C00CD7-B22A-4E45-8B09-4D97E42839D5}" presName="iconBgRect" presStyleLbl="bgShp" presStyleIdx="0" presStyleCnt="4"/>
+      <dgm:spPr/>
+    </dgm:pt>
+    <dgm:pt modelId="{CF1A416E-FE3A-42DD-8817-C38157B66BCC}" type="pres">
+      <dgm:prSet presAssocID="{D4C00CD7-B22A-4E45-8B09-4D97E42839D5}" presName="iconRect" presStyleLbl="node1" presStyleIdx="0" presStyleCnt="4"/>
+      <dgm:spPr>
+        <a:blipFill>
+          <a:blip xmlns:r="http://schemas.openxmlformats.org/officeDocument/2006/relationships" r:embed="rId1">
+            <a:extLst>
+              <a:ext uri="{28A0092B-C50C-407E-A947-70E740481C1C}">
+                <a14:useLocalDpi xmlns:a14="http://schemas.microsoft.com/office/drawing/2010/main" val="0"/>
+              </a:ext>
+              <a:ext uri="{96DAC541-7B7A-43D3-8B79-37D633B846F1}">
+                <asvg:svgBlip xmlns:asvg="http://schemas.microsoft.com/office/drawing/2016/SVG/main" r:embed="rId2"/>
+              </a:ext>
+            </a:extLst>
+          </a:blip>
+          <a:stretch>
+            <a:fillRect/>
+          </a:stretch>
+        </a:blipFill>
+        <a:ln>
+          <a:noFill/>
+        </a:ln>
+      </dgm:spPr>
+      <dgm:extLst>
+        <a:ext uri="{E40237B7-FDA0-4F09-8148-C483321AD2D9}">
+          <dgm14:cNvPr xmlns:dgm14="http://schemas.microsoft.com/office/drawing/2010/diagram" id="0" name="" descr="Tick"/>
+        </a:ext>
+      </dgm:extLst>
+    </dgm:pt>
+    <dgm:pt modelId="{6B477E82-8164-44A8-9953-1E86565644ED}" type="pres">
+      <dgm:prSet presAssocID="{D4C00CD7-B22A-4E45-8B09-4D97E42839D5}" presName="spaceRect" presStyleCnt="0"/>
+      <dgm:spPr/>
+    </dgm:pt>
+    <dgm:pt modelId="{F172EA02-7E1B-4571-B717-923AA743919F}" type="pres">
+      <dgm:prSet presAssocID="{D4C00CD7-B22A-4E45-8B09-4D97E42839D5}" presName="textRect" presStyleLbl="revTx" presStyleIdx="0" presStyleCnt="4">
+        <dgm:presLayoutVars>
+          <dgm:chMax val="1"/>
+          <dgm:chPref val="1"/>
+        </dgm:presLayoutVars>
+      </dgm:prSet>
+      <dgm:spPr/>
+    </dgm:pt>
+    <dgm:pt modelId="{B903E92A-6D62-43CC-91DD-71BC2DCFD754}" type="pres">
+      <dgm:prSet presAssocID="{9E27881A-0FF4-42B4-BC56-40AD23CB8F73}" presName="sibTrans" presStyleLbl="sibTrans2D1" presStyleIdx="0" presStyleCnt="0"/>
+      <dgm:spPr/>
+    </dgm:pt>
+    <dgm:pt modelId="{0630263A-5FA7-458C-B633-598151828B10}" type="pres">
+      <dgm:prSet presAssocID="{3A992BE2-8DD6-4EBD-977F-3C2EC58B7229}" presName="compNode" presStyleCnt="0"/>
+      <dgm:spPr/>
+    </dgm:pt>
+    <dgm:pt modelId="{140077DF-6E25-4850-8AC3-46BAD6253131}" type="pres">
+      <dgm:prSet presAssocID="{3A992BE2-8DD6-4EBD-977F-3C2EC58B7229}" presName="iconBgRect" presStyleLbl="bgShp" presStyleIdx="1" presStyleCnt="4"/>
+      <dgm:spPr/>
+    </dgm:pt>
+    <dgm:pt modelId="{E3A3AB92-AFEB-4C22-A009-5324C8F05418}" type="pres">
+      <dgm:prSet presAssocID="{3A992BE2-8DD6-4EBD-977F-3C2EC58B7229}" presName="iconRect" presStyleLbl="node1" presStyleIdx="1" presStyleCnt="4"/>
+      <dgm:spPr>
+        <a:blipFill>
+          <a:blip xmlns:r="http://schemas.openxmlformats.org/officeDocument/2006/relationships" r:embed="rId3">
+            <a:extLst>
+              <a:ext uri="{28A0092B-C50C-407E-A947-70E740481C1C}">
+                <a14:useLocalDpi xmlns:a14="http://schemas.microsoft.com/office/drawing/2010/main" val="0"/>
+              </a:ext>
+              <a:ext uri="{96DAC541-7B7A-43D3-8B79-37D633B846F1}">
+                <asvg:svgBlip xmlns:asvg="http://schemas.microsoft.com/office/drawing/2016/SVG/main" r:embed="rId4"/>
+              </a:ext>
+            </a:extLst>
+          </a:blip>
+          <a:stretch>
+            <a:fillRect/>
+          </a:stretch>
+        </a:blipFill>
+        <a:ln>
+          <a:noFill/>
+        </a:ln>
+      </dgm:spPr>
+      <dgm:extLst>
+        <a:ext uri="{E40237B7-FDA0-4F09-8148-C483321AD2D9}">
+          <dgm14:cNvPr xmlns:dgm14="http://schemas.microsoft.com/office/drawing/2010/diagram" id="0" name="" descr="Flowchart"/>
+        </a:ext>
+      </dgm:extLst>
+    </dgm:pt>
+    <dgm:pt modelId="{9EA44F8A-DE4A-42B3-9CF9-D0EF560E0333}" type="pres">
+      <dgm:prSet presAssocID="{3A992BE2-8DD6-4EBD-977F-3C2EC58B7229}" presName="spaceRect" presStyleCnt="0"/>
+      <dgm:spPr/>
+    </dgm:pt>
+    <dgm:pt modelId="{90FAD4B2-DFB9-4A64-9B9A-4F457019A8C3}" type="pres">
+      <dgm:prSet presAssocID="{3A992BE2-8DD6-4EBD-977F-3C2EC58B7229}" presName="textRect" presStyleLbl="revTx" presStyleIdx="1" presStyleCnt="4">
+        <dgm:presLayoutVars>
+          <dgm:chMax val="1"/>
+          <dgm:chPref val="1"/>
+        </dgm:presLayoutVars>
+      </dgm:prSet>
+      <dgm:spPr/>
+    </dgm:pt>
+    <dgm:pt modelId="{E499F44C-D188-4EFF-AF8F-DF8D3AAF3350}" type="pres">
+      <dgm:prSet presAssocID="{D8862D2E-D16C-4D91-8E04-8C189397BC8A}" presName="sibTrans" presStyleLbl="sibTrans2D1" presStyleIdx="0" presStyleCnt="0"/>
+      <dgm:spPr/>
+    </dgm:pt>
+    <dgm:pt modelId="{63760B90-FA20-4A7F-885F-EC2E8DFCB850}" type="pres">
+      <dgm:prSet presAssocID="{159DF53A-4A8F-45C2-9308-FE35ABFD009F}" presName="compNode" presStyleCnt="0"/>
+      <dgm:spPr/>
+    </dgm:pt>
+    <dgm:pt modelId="{B13B309A-4575-4C60-9962-A6742EDBC1BD}" type="pres">
+      <dgm:prSet presAssocID="{159DF53A-4A8F-45C2-9308-FE35ABFD009F}" presName="iconBgRect" presStyleLbl="bgShp" presStyleIdx="2" presStyleCnt="4"/>
+      <dgm:spPr/>
+    </dgm:pt>
+    <dgm:pt modelId="{45CB3A97-822E-40AC-891C-0D1ECA9600D2}" type="pres">
+      <dgm:prSet presAssocID="{159DF53A-4A8F-45C2-9308-FE35ABFD009F}" presName="iconRect" presStyleLbl="node1" presStyleIdx="2" presStyleCnt="4"/>
+      <dgm:spPr>
+        <a:blipFill>
+          <a:blip xmlns:r="http://schemas.openxmlformats.org/officeDocument/2006/relationships" r:embed="rId5">
+            <a:extLst>
+              <a:ext uri="{28A0092B-C50C-407E-A947-70E740481C1C}">
+                <a14:useLocalDpi xmlns:a14="http://schemas.microsoft.com/office/drawing/2010/main" val="0"/>
+              </a:ext>
+              <a:ext uri="{96DAC541-7B7A-43D3-8B79-37D633B846F1}">
+                <asvg:svgBlip xmlns:asvg="http://schemas.microsoft.com/office/drawing/2016/SVG/main" r:embed="rId6"/>
+              </a:ext>
+            </a:extLst>
+          </a:blip>
+          <a:stretch>
+            <a:fillRect/>
+          </a:stretch>
+        </a:blipFill>
+        <a:ln>
+          <a:noFill/>
+        </a:ln>
+      </dgm:spPr>
+      <dgm:extLst>
+        <a:ext uri="{E40237B7-FDA0-4F09-8148-C483321AD2D9}">
+          <dgm14:cNvPr xmlns:dgm14="http://schemas.microsoft.com/office/drawing/2010/diagram" id="0" name="" descr="Box"/>
+        </a:ext>
+      </dgm:extLst>
+    </dgm:pt>
+    <dgm:pt modelId="{83839B71-838A-4E42-B5BB-C1B9AABA9892}" type="pres">
+      <dgm:prSet presAssocID="{159DF53A-4A8F-45C2-9308-FE35ABFD009F}" presName="spaceRect" presStyleCnt="0"/>
+      <dgm:spPr/>
+    </dgm:pt>
+    <dgm:pt modelId="{6CED870B-31CC-425F-8AC5-29386A2B5111}" type="pres">
+      <dgm:prSet presAssocID="{159DF53A-4A8F-45C2-9308-FE35ABFD009F}" presName="textRect" presStyleLbl="revTx" presStyleIdx="2" presStyleCnt="4">
+        <dgm:presLayoutVars>
+          <dgm:chMax val="1"/>
+          <dgm:chPref val="1"/>
+        </dgm:presLayoutVars>
+      </dgm:prSet>
+      <dgm:spPr/>
+    </dgm:pt>
+    <dgm:pt modelId="{7FFDB3B4-3733-4BBC-B4D6-4A7FFF05F7CA}" type="pres">
+      <dgm:prSet presAssocID="{4F9D69D1-A383-421F-B924-1BD7B7A309AE}" presName="sibTrans" presStyleLbl="sibTrans2D1" presStyleIdx="0" presStyleCnt="0"/>
+      <dgm:spPr/>
+    </dgm:pt>
+    <dgm:pt modelId="{B271F642-37D5-477E-B5E8-FF065C03294E}" type="pres">
+      <dgm:prSet presAssocID="{D8831B35-3250-4DBC-9142-7BC12609CE6B}" presName="compNode" presStyleCnt="0"/>
+      <dgm:spPr/>
+    </dgm:pt>
+    <dgm:pt modelId="{9052E674-3581-4A9E-9476-49FA200C631D}" type="pres">
+      <dgm:prSet presAssocID="{D8831B35-3250-4DBC-9142-7BC12609CE6B}" presName="iconBgRect" presStyleLbl="bgShp" presStyleIdx="3" presStyleCnt="4"/>
+      <dgm:spPr/>
+    </dgm:pt>
+    <dgm:pt modelId="{9604AF15-2659-465F-8EFC-A287A2C1CF36}" type="pres">
+      <dgm:prSet presAssocID="{D8831B35-3250-4DBC-9142-7BC12609CE6B}" presName="iconRect" presStyleLbl="node1" presStyleIdx="3" presStyleCnt="4"/>
+      <dgm:spPr>
+        <a:blipFill>
+          <a:blip xmlns:r="http://schemas.openxmlformats.org/officeDocument/2006/relationships" r:embed="rId7">
+            <a:extLst>
+              <a:ext uri="{28A0092B-C50C-407E-A947-70E740481C1C}">
+                <a14:useLocalDpi xmlns:a14="http://schemas.microsoft.com/office/drawing/2010/main" val="0"/>
+              </a:ext>
+              <a:ext uri="{96DAC541-7B7A-43D3-8B79-37D633B846F1}">
+                <asvg:svgBlip xmlns:asvg="http://schemas.microsoft.com/office/drawing/2016/SVG/main" r:embed="rId8"/>
+              </a:ext>
+            </a:extLst>
+          </a:blip>
+          <a:stretch>
+            <a:fillRect/>
+          </a:stretch>
+        </a:blipFill>
+        <a:ln>
+          <a:noFill/>
+        </a:ln>
+      </dgm:spPr>
+      <dgm:extLst>
+        <a:ext uri="{E40237B7-FDA0-4F09-8148-C483321AD2D9}">
+          <dgm14:cNvPr xmlns:dgm14="http://schemas.microsoft.com/office/drawing/2010/diagram" id="0" name="" descr="Beaker"/>
+        </a:ext>
+      </dgm:extLst>
+    </dgm:pt>
+    <dgm:pt modelId="{990E0FBB-2C03-4CFE-9318-169EC9988EB1}" type="pres">
+      <dgm:prSet presAssocID="{D8831B35-3250-4DBC-9142-7BC12609CE6B}" presName="spaceRect" presStyleCnt="0"/>
+      <dgm:spPr/>
+    </dgm:pt>
+    <dgm:pt modelId="{E83937F9-C5A2-4C51-A5E6-D6AA6E7E1471}" type="pres">
+      <dgm:prSet presAssocID="{D8831B35-3250-4DBC-9142-7BC12609CE6B}" presName="textRect" presStyleLbl="revTx" presStyleIdx="3" presStyleCnt="4">
+        <dgm:presLayoutVars>
+          <dgm:chMax val="1"/>
+          <dgm:chPref val="1"/>
+        </dgm:presLayoutVars>
+      </dgm:prSet>
+      <dgm:spPr/>
+    </dgm:pt>
+  </dgm:ptLst>
+  <dgm:cxnLst>
+    <dgm:cxn modelId="{5E668705-BD79-432A-BEE3-0F7A48ADCC78}" type="presOf" srcId="{9E27881A-0FF4-42B4-BC56-40AD23CB8F73}" destId="{B903E92A-6D62-43CC-91DD-71BC2DCFD754}" srcOrd="0" destOrd="0" presId="urn:microsoft.com/office/officeart/2018/2/layout/IconCircleList"/>
+    <dgm:cxn modelId="{91F02D0B-AC8E-48FD-8595-536399E6054D}" type="presOf" srcId="{D4C00CD7-B22A-4E45-8B09-4D97E42839D5}" destId="{F172EA02-7E1B-4571-B717-923AA743919F}" srcOrd="0" destOrd="0" presId="urn:microsoft.com/office/officeart/2018/2/layout/IconCircleList"/>
+    <dgm:cxn modelId="{C6622F1B-A0F5-491D-9523-9C5732D0E157}" type="presOf" srcId="{D8862D2E-D16C-4D91-8E04-8C189397BC8A}" destId="{E499F44C-D188-4EFF-AF8F-DF8D3AAF3350}" srcOrd="0" destOrd="0" presId="urn:microsoft.com/office/officeart/2018/2/layout/IconCircleList"/>
+    <dgm:cxn modelId="{89F8044D-0CC2-4CD0-B6DA-C083A081723D}" srcId="{7D4109B0-3A93-4CE1-B378-61EB69CD738A}" destId="{159DF53A-4A8F-45C2-9308-FE35ABFD009F}" srcOrd="2" destOrd="0" parTransId="{F13F9851-CA7F-4013-AA08-00C44936364D}" sibTransId="{4F9D69D1-A383-421F-B924-1BD7B7A309AE}"/>
+    <dgm:cxn modelId="{E7395B5E-8014-4E32-B100-516774097EA0}" type="presOf" srcId="{4F9D69D1-A383-421F-B924-1BD7B7A309AE}" destId="{7FFDB3B4-3733-4BBC-B4D6-4A7FFF05F7CA}" srcOrd="0" destOrd="0" presId="urn:microsoft.com/office/officeart/2018/2/layout/IconCircleList"/>
+    <dgm:cxn modelId="{5171D26C-421F-43C5-944A-BA81A479980F}" type="presOf" srcId="{7D4109B0-3A93-4CE1-B378-61EB69CD738A}" destId="{7F0CDB2B-F1E8-490C-8969-E7E7D2862CB9}" srcOrd="0" destOrd="0" presId="urn:microsoft.com/office/officeart/2018/2/layout/IconCircleList"/>
+    <dgm:cxn modelId="{74943170-CEA6-4553-B3BD-8EBE4C68ABCD}" type="presOf" srcId="{3A992BE2-8DD6-4EBD-977F-3C2EC58B7229}" destId="{90FAD4B2-DFB9-4A64-9B9A-4F457019A8C3}" srcOrd="0" destOrd="0" presId="urn:microsoft.com/office/officeart/2018/2/layout/IconCircleList"/>
+    <dgm:cxn modelId="{78A9D87A-3E7E-425B-A51A-4C8727368E80}" type="presOf" srcId="{159DF53A-4A8F-45C2-9308-FE35ABFD009F}" destId="{6CED870B-31CC-425F-8AC5-29386A2B5111}" srcOrd="0" destOrd="0" presId="urn:microsoft.com/office/officeart/2018/2/layout/IconCircleList"/>
+    <dgm:cxn modelId="{916BF9C7-7EA2-4213-AC69-BCA3964A6B61}" type="presOf" srcId="{D8831B35-3250-4DBC-9142-7BC12609CE6B}" destId="{E83937F9-C5A2-4C51-A5E6-D6AA6E7E1471}" srcOrd="0" destOrd="0" presId="urn:microsoft.com/office/officeart/2018/2/layout/IconCircleList"/>
+    <dgm:cxn modelId="{D251ACD1-9575-45FD-A694-2FB87404D4D8}" srcId="{7D4109B0-3A93-4CE1-B378-61EB69CD738A}" destId="{D8831B35-3250-4DBC-9142-7BC12609CE6B}" srcOrd="3" destOrd="0" parTransId="{42D744F3-4755-4672-BBC2-B9F78A8981CD}" sibTransId="{0BDF45A9-47D6-47D1-A730-F720287AE2B6}"/>
+    <dgm:cxn modelId="{14BF4CDE-3B15-4E98-B393-6FB98790D418}" srcId="{7D4109B0-3A93-4CE1-B378-61EB69CD738A}" destId="{D4C00CD7-B22A-4E45-8B09-4D97E42839D5}" srcOrd="0" destOrd="0" parTransId="{98DFC476-E163-4DAE-8717-9B63AD12AFBF}" sibTransId="{9E27881A-0FF4-42B4-BC56-40AD23CB8F73}"/>
+    <dgm:cxn modelId="{97F092F0-2451-448B-B0E9-A1C6A6A5EDC1}" srcId="{7D4109B0-3A93-4CE1-B378-61EB69CD738A}" destId="{3A992BE2-8DD6-4EBD-977F-3C2EC58B7229}" srcOrd="1" destOrd="0" parTransId="{01685F73-A3FA-47C3-BC44-6C96C3A73D36}" sibTransId="{D8862D2E-D16C-4D91-8E04-8C189397BC8A}"/>
+    <dgm:cxn modelId="{9055FA93-90FD-4712-BBA9-A46F7E39F886}" type="presParOf" srcId="{7F0CDB2B-F1E8-490C-8969-E7E7D2862CB9}" destId="{9B40076F-5D69-47AB-B3E7-CD5962A9A92B}" srcOrd="0" destOrd="0" presId="urn:microsoft.com/office/officeart/2018/2/layout/IconCircleList"/>
+    <dgm:cxn modelId="{2997B2AA-A0E9-4D6E-BD02-F4B08A43529F}" type="presParOf" srcId="{9B40076F-5D69-47AB-B3E7-CD5962A9A92B}" destId="{CEAA4C19-CEC5-4195-A5D9-43CCFC8A9BB6}" srcOrd="0" destOrd="0" presId="urn:microsoft.com/office/officeart/2018/2/layout/IconCircleList"/>
+    <dgm:cxn modelId="{29E93D78-CD70-4B35-86D0-4FCE05FDC56A}" type="presParOf" srcId="{CEAA4C19-CEC5-4195-A5D9-43CCFC8A9BB6}" destId="{0656C620-7550-4A9F-881D-0273ACB3770B}" srcOrd="0" destOrd="0" presId="urn:microsoft.com/office/officeart/2018/2/layout/IconCircleList"/>
+    <dgm:cxn modelId="{FAEDE906-F1CB-4090-B1E8-BD2641CBBE27}" type="presParOf" srcId="{CEAA4C19-CEC5-4195-A5D9-43CCFC8A9BB6}" destId="{CF1A416E-FE3A-42DD-8817-C38157B66BCC}" srcOrd="1" destOrd="0" presId="urn:microsoft.com/office/officeart/2018/2/layout/IconCircleList"/>
+    <dgm:cxn modelId="{E053EE22-B616-4C5B-9A63-8CAD9F510B4C}" type="presParOf" srcId="{CEAA4C19-CEC5-4195-A5D9-43CCFC8A9BB6}" destId="{6B477E82-8164-44A8-9953-1E86565644ED}" srcOrd="2" destOrd="0" presId="urn:microsoft.com/office/officeart/2018/2/layout/IconCircleList"/>
+    <dgm:cxn modelId="{EF7B2E09-6C4F-48AC-9D72-3B700CFFCCBB}" type="presParOf" srcId="{CEAA4C19-CEC5-4195-A5D9-43CCFC8A9BB6}" destId="{F172EA02-7E1B-4571-B717-923AA743919F}" srcOrd="3" destOrd="0" presId="urn:microsoft.com/office/officeart/2018/2/layout/IconCircleList"/>
+    <dgm:cxn modelId="{46ED3958-5286-4C69-9BC4-57D4A4DB5C91}" type="presParOf" srcId="{9B40076F-5D69-47AB-B3E7-CD5962A9A92B}" destId="{B903E92A-6D62-43CC-91DD-71BC2DCFD754}" srcOrd="1" destOrd="0" presId="urn:microsoft.com/office/officeart/2018/2/layout/IconCircleList"/>
+    <dgm:cxn modelId="{85B3BD6B-8843-4659-8901-1600B2B34249}" type="presParOf" srcId="{9B40076F-5D69-47AB-B3E7-CD5962A9A92B}" destId="{0630263A-5FA7-458C-B633-598151828B10}" srcOrd="2" destOrd="0" presId="urn:microsoft.com/office/officeart/2018/2/layout/IconCircleList"/>
+    <dgm:cxn modelId="{1A8A1877-494A-4362-BFCB-38EE0C56BCAD}" type="presParOf" srcId="{0630263A-5FA7-458C-B633-598151828B10}" destId="{140077DF-6E25-4850-8AC3-46BAD6253131}" srcOrd="0" destOrd="0" presId="urn:microsoft.com/office/officeart/2018/2/layout/IconCircleList"/>
+    <dgm:cxn modelId="{6BBD5F90-147C-4C42-BF9F-6E30FA5A32FE}" type="presParOf" srcId="{0630263A-5FA7-458C-B633-598151828B10}" destId="{E3A3AB92-AFEB-4C22-A009-5324C8F05418}" srcOrd="1" destOrd="0" presId="urn:microsoft.com/office/officeart/2018/2/layout/IconCircleList"/>
+    <dgm:cxn modelId="{3E1A6FF7-5210-476E-ABC6-CD87FBF62B98}" type="presParOf" srcId="{0630263A-5FA7-458C-B633-598151828B10}" destId="{9EA44F8A-DE4A-42B3-9CF9-D0EF560E0333}" srcOrd="2" destOrd="0" presId="urn:microsoft.com/office/officeart/2018/2/layout/IconCircleList"/>
+    <dgm:cxn modelId="{C48D5D77-8212-4C0F-8EF4-4B0B0761C475}" type="presParOf" srcId="{0630263A-5FA7-458C-B633-598151828B10}" destId="{90FAD4B2-DFB9-4A64-9B9A-4F457019A8C3}" srcOrd="3" destOrd="0" presId="urn:microsoft.com/office/officeart/2018/2/layout/IconCircleList"/>
+    <dgm:cxn modelId="{4B00E77A-A007-4F01-A317-49D31C26ACB5}" type="presParOf" srcId="{9B40076F-5D69-47AB-B3E7-CD5962A9A92B}" destId="{E499F44C-D188-4EFF-AF8F-DF8D3AAF3350}" srcOrd="3" destOrd="0" presId="urn:microsoft.com/office/officeart/2018/2/layout/IconCircleList"/>
+    <dgm:cxn modelId="{990ADED8-C7C5-4CE6-B95D-148D620220CE}" type="presParOf" srcId="{9B40076F-5D69-47AB-B3E7-CD5962A9A92B}" destId="{63760B90-FA20-4A7F-885F-EC2E8DFCB850}" srcOrd="4" destOrd="0" presId="urn:microsoft.com/office/officeart/2018/2/layout/IconCircleList"/>
+    <dgm:cxn modelId="{7E4878AD-A369-463D-8E1A-CB73971B8D0F}" type="presParOf" srcId="{63760B90-FA20-4A7F-885F-EC2E8DFCB850}" destId="{B13B309A-4575-4C60-9962-A6742EDBC1BD}" srcOrd="0" destOrd="0" presId="urn:microsoft.com/office/officeart/2018/2/layout/IconCircleList"/>
+    <dgm:cxn modelId="{05C5C574-2B6C-44F0-BD3F-9BC85CE1EA63}" type="presParOf" srcId="{63760B90-FA20-4A7F-885F-EC2E8DFCB850}" destId="{45CB3A97-822E-40AC-891C-0D1ECA9600D2}" srcOrd="1" destOrd="0" presId="urn:microsoft.com/office/officeart/2018/2/layout/IconCircleList"/>
+    <dgm:cxn modelId="{6BD9C06E-9D12-4BC2-A025-E126822D4BC4}" type="presParOf" srcId="{63760B90-FA20-4A7F-885F-EC2E8DFCB850}" destId="{83839B71-838A-4E42-B5BB-C1B9AABA9892}" srcOrd="2" destOrd="0" presId="urn:microsoft.com/office/officeart/2018/2/layout/IconCircleList"/>
+    <dgm:cxn modelId="{E0CA6A34-1C57-4033-85D1-507DDC3B33DC}" type="presParOf" srcId="{63760B90-FA20-4A7F-885F-EC2E8DFCB850}" destId="{6CED870B-31CC-425F-8AC5-29386A2B5111}" srcOrd="3" destOrd="0" presId="urn:microsoft.com/office/officeart/2018/2/layout/IconCircleList"/>
+    <dgm:cxn modelId="{0DE55A44-B57E-4EB9-AF57-687CCF3F612C}" type="presParOf" srcId="{9B40076F-5D69-47AB-B3E7-CD5962A9A92B}" destId="{7FFDB3B4-3733-4BBC-B4D6-4A7FFF05F7CA}" srcOrd="5" destOrd="0" presId="urn:microsoft.com/office/officeart/2018/2/layout/IconCircleList"/>
+    <dgm:cxn modelId="{05ECC8DD-8E56-497E-AD6C-B12DEFBFA5D2}" type="presParOf" srcId="{9B40076F-5D69-47AB-B3E7-CD5962A9A92B}" destId="{B271F642-37D5-477E-B5E8-FF065C03294E}" srcOrd="6" destOrd="0" presId="urn:microsoft.com/office/officeart/2018/2/layout/IconCircleList"/>
+    <dgm:cxn modelId="{5C7D170A-69C6-4A0F-984F-00CF58DA3385}" type="presParOf" srcId="{B271F642-37D5-477E-B5E8-FF065C03294E}" destId="{9052E674-3581-4A9E-9476-49FA200C631D}" srcOrd="0" destOrd="0" presId="urn:microsoft.com/office/officeart/2018/2/layout/IconCircleList"/>
+    <dgm:cxn modelId="{A15FB820-2A88-462E-97BD-6E543B97CAA2}" type="presParOf" srcId="{B271F642-37D5-477E-B5E8-FF065C03294E}" destId="{9604AF15-2659-465F-8EFC-A287A2C1CF36}" srcOrd="1" destOrd="0" presId="urn:microsoft.com/office/officeart/2018/2/layout/IconCircleList"/>
+    <dgm:cxn modelId="{42AB08F7-4A22-47A3-BA46-0FEDC4D9BEB6}" type="presParOf" srcId="{B271F642-37D5-477E-B5E8-FF065C03294E}" destId="{990E0FBB-2C03-4CFE-9318-169EC9988EB1}" srcOrd="2" destOrd="0" presId="urn:microsoft.com/office/officeart/2018/2/layout/IconCircleList"/>
+    <dgm:cxn modelId="{B7FB5399-F526-4F8D-A3CA-B23A0C927943}" type="presParOf" srcId="{B271F642-37D5-477E-B5E8-FF065C03294E}" destId="{E83937F9-C5A2-4C51-A5E6-D6AA6E7E1471}" srcOrd="3" destOrd="0" presId="urn:microsoft.com/office/officeart/2018/2/layout/IconCircleList"/>
+  </dgm:cxnLst>
+  <dgm:bg/>
+  <dgm:whole/>
+  <dgm:extLst>
+    <a:ext uri="http://schemas.microsoft.com/office/drawing/2008/diagram">
+      <dsp:dataModelExt xmlns:dsp="http://schemas.microsoft.com/office/drawing/2008/diagram" relId="rId7" minVer="http://schemas.openxmlformats.org/drawingml/2006/diagram"/>
+    </a:ext>
+  </dgm:extLst>
+</dgm:dataModel>
+</file>
+
+<file path=ppt/diagrams/drawing1.xml><?xml version="1.0" encoding="utf-8"?>
+<dsp:drawing xmlns:dgm="http://schemas.openxmlformats.org/drawingml/2006/diagram" xmlns:dsp="http://schemas.microsoft.com/office/drawing/2008/diagram" xmlns:a="http://schemas.openxmlformats.org/drawingml/2006/main">
+  <dsp:spTree>
+    <dsp:nvGrpSpPr>
+      <dsp:cNvPr id="0" name=""/>
+      <dsp:cNvGrpSpPr/>
+    </dsp:nvGrpSpPr>
+    <dsp:grpSpPr/>
+    <dsp:sp modelId="{0656C620-7550-4A9F-881D-0273ACB3770B}">
+      <dsp:nvSpPr>
+        <dsp:cNvPr id="0" name=""/>
+        <dsp:cNvSpPr/>
+      </dsp:nvSpPr>
+      <dsp:spPr>
+        <a:xfrm>
+          <a:off x="236557" y="533810"/>
+          <a:ext cx="1348416" cy="1348416"/>
+        </a:xfrm>
+        <a:prstGeom prst="ellipse">
+          <a:avLst/>
+        </a:prstGeom>
+        <a:solidFill>
+          <a:schemeClr val="accent2">
+            <a:tint val="40000"/>
+            <a:hueOff val="0"/>
+            <a:satOff val="0"/>
+            <a:lumOff val="0"/>
+            <a:alphaOff val="0"/>
+          </a:schemeClr>
+        </a:solidFill>
+        <a:ln>
+          <a:noFill/>
+        </a:ln>
+        <a:effectLst/>
+      </dsp:spPr>
+      <dsp:style>
+        <a:lnRef idx="0">
+          <a:scrgbClr r="0" g="0" b="0"/>
+        </a:lnRef>
+        <a:fillRef idx="1">
+          <a:scrgbClr r="0" g="0" b="0"/>
+        </a:fillRef>
+        <a:effectRef idx="0">
+          <a:scrgbClr r="0" g="0" b="0"/>
+        </a:effectRef>
+        <a:fontRef idx="minor"/>
+      </dsp:style>
+    </dsp:sp>
+    <dsp:sp modelId="{CF1A416E-FE3A-42DD-8817-C38157B66BCC}">
+      <dsp:nvSpPr>
+        <dsp:cNvPr id="0" name=""/>
+        <dsp:cNvSpPr/>
+      </dsp:nvSpPr>
+      <dsp:spPr>
+        <a:xfrm>
+          <a:off x="519724" y="816978"/>
+          <a:ext cx="782081" cy="782081"/>
+        </a:xfrm>
+        <a:prstGeom prst="rect">
+          <a:avLst/>
+        </a:prstGeom>
+        <a:blipFill>
+          <a:blip xmlns:r="http://schemas.openxmlformats.org/officeDocument/2006/relationships" r:embed="rId1">
+            <a:extLst>
+              <a:ext uri="{28A0092B-C50C-407E-A947-70E740481C1C}">
+                <a14:useLocalDpi xmlns:a14="http://schemas.microsoft.com/office/drawing/2010/main" val="0"/>
+              </a:ext>
+              <a:ext uri="{96DAC541-7B7A-43D3-8B79-37D633B846F1}">
+                <asvg:svgBlip xmlns:asvg="http://schemas.microsoft.com/office/drawing/2016/SVG/main" r:embed="rId2"/>
+              </a:ext>
+            </a:extLst>
+          </a:blip>
+          <a:stretch>
+            <a:fillRect/>
+          </a:stretch>
+        </a:blipFill>
+        <a:ln w="25400" cap="flat" cmpd="sng" algn="ctr">
+          <a:noFill/>
+          <a:prstDash val="solid"/>
+        </a:ln>
+        <a:effectLst/>
+      </dsp:spPr>
+      <dsp:style>
+        <a:lnRef idx="2">
+          <a:scrgbClr r="0" g="0" b="0"/>
+        </a:lnRef>
+        <a:fillRef idx="1">
+          <a:scrgbClr r="0" g="0" b="0"/>
+        </a:fillRef>
+        <a:effectRef idx="0">
+          <a:scrgbClr r="0" g="0" b="0"/>
+        </a:effectRef>
+        <a:fontRef idx="minor">
+          <a:schemeClr val="lt1"/>
+        </a:fontRef>
+      </dsp:style>
+    </dsp:sp>
+    <dsp:sp modelId="{F172EA02-7E1B-4571-B717-923AA743919F}">
+      <dsp:nvSpPr>
+        <dsp:cNvPr id="0" name=""/>
+        <dsp:cNvSpPr/>
+      </dsp:nvSpPr>
+      <dsp:spPr>
+        <a:xfrm>
+          <a:off x="1873920" y="533810"/>
+          <a:ext cx="3178410" cy="1348416"/>
+        </a:xfrm>
+        <a:prstGeom prst="rect">
+          <a:avLst/>
+        </a:prstGeom>
+        <a:noFill/>
+        <a:ln>
+          <a:noFill/>
+        </a:ln>
+        <a:effectLst/>
+      </dsp:spPr>
+      <dsp:style>
+        <a:lnRef idx="0">
+          <a:scrgbClr r="0" g="0" b="0"/>
+        </a:lnRef>
+        <a:fillRef idx="0">
+          <a:scrgbClr r="0" g="0" b="0"/>
+        </a:fillRef>
+        <a:effectRef idx="0">
+          <a:scrgbClr r="0" g="0" b="0"/>
+        </a:effectRef>
+        <a:fontRef idx="minor"/>
+      </dsp:style>
+      <dsp:txBody>
+        <a:bodyPr spcFirstLastPara="0" vert="horz" wrap="square" lIns="0" tIns="0" rIns="0" bIns="0" numCol="1" spcCol="1270" anchor="ctr" anchorCtr="0">
+          <a:noAutofit/>
+        </a:bodyPr>
+        <a:lstStyle/>
+        <a:p>
+          <a:pPr marL="0" lvl="0" indent="0" algn="l" defTabSz="889000">
+            <a:lnSpc>
+              <a:spcPct val="90000"/>
+            </a:lnSpc>
+            <a:spcBef>
+              <a:spcPct val="0"/>
+            </a:spcBef>
+            <a:spcAft>
+              <a:spcPct val="35000"/>
+            </a:spcAft>
+            <a:buNone/>
+          </a:pPr>
+          <a:r>
+            <a:rPr lang="nl-NL" sz="2000" kern="1200"/>
+            <a:t>A standardized, running unit of software</a:t>
+          </a:r>
+          <a:endParaRPr lang="en-US" sz="2000" kern="1200"/>
+        </a:p>
+      </dsp:txBody>
+      <dsp:txXfrm>
+        <a:off x="1873920" y="533810"/>
+        <a:ext cx="3178410" cy="1348416"/>
+      </dsp:txXfrm>
+    </dsp:sp>
+    <dsp:sp modelId="{140077DF-6E25-4850-8AC3-46BAD6253131}">
+      <dsp:nvSpPr>
+        <dsp:cNvPr id="0" name=""/>
+        <dsp:cNvSpPr/>
+      </dsp:nvSpPr>
+      <dsp:spPr>
+        <a:xfrm>
+          <a:off x="5606144" y="533810"/>
+          <a:ext cx="1348416" cy="1348416"/>
+        </a:xfrm>
+        <a:prstGeom prst="ellipse">
+          <a:avLst/>
+        </a:prstGeom>
+        <a:solidFill>
+          <a:schemeClr val="accent2">
+            <a:tint val="40000"/>
+            <a:hueOff val="0"/>
+            <a:satOff val="0"/>
+            <a:lumOff val="0"/>
+            <a:alphaOff val="0"/>
+          </a:schemeClr>
+        </a:solidFill>
+        <a:ln>
+          <a:noFill/>
+        </a:ln>
+        <a:effectLst/>
+      </dsp:spPr>
+      <dsp:style>
+        <a:lnRef idx="0">
+          <a:scrgbClr r="0" g="0" b="0"/>
+        </a:lnRef>
+        <a:fillRef idx="1">
+          <a:scrgbClr r="0" g="0" b="0"/>
+        </a:fillRef>
+        <a:effectRef idx="0">
+          <a:scrgbClr r="0" g="0" b="0"/>
+        </a:effectRef>
+        <a:fontRef idx="minor"/>
+      </dsp:style>
+    </dsp:sp>
+    <dsp:sp modelId="{E3A3AB92-AFEB-4C22-A009-5324C8F05418}">
+      <dsp:nvSpPr>
+        <dsp:cNvPr id="0" name=""/>
+        <dsp:cNvSpPr/>
+      </dsp:nvSpPr>
+      <dsp:spPr>
+        <a:xfrm>
+          <a:off x="5889311" y="816978"/>
+          <a:ext cx="782081" cy="782081"/>
+        </a:xfrm>
+        <a:prstGeom prst="rect">
+          <a:avLst/>
+        </a:prstGeom>
+        <a:blipFill>
+          <a:blip xmlns:r="http://schemas.openxmlformats.org/officeDocument/2006/relationships" r:embed="rId3">
+            <a:extLst>
+              <a:ext uri="{28A0092B-C50C-407E-A947-70E740481C1C}">
+                <a14:useLocalDpi xmlns:a14="http://schemas.microsoft.com/office/drawing/2010/main" val="0"/>
+              </a:ext>
+              <a:ext uri="{96DAC541-7B7A-43D3-8B79-37D633B846F1}">
+                <asvg:svgBlip xmlns:asvg="http://schemas.microsoft.com/office/drawing/2016/SVG/main" r:embed="rId4"/>
+              </a:ext>
+            </a:extLst>
+          </a:blip>
+          <a:stretch>
+            <a:fillRect/>
+          </a:stretch>
+        </a:blipFill>
+        <a:ln w="25400" cap="flat" cmpd="sng" algn="ctr">
+          <a:noFill/>
+          <a:prstDash val="solid"/>
+        </a:ln>
+        <a:effectLst/>
+      </dsp:spPr>
+      <dsp:style>
+        <a:lnRef idx="2">
+          <a:scrgbClr r="0" g="0" b="0"/>
+        </a:lnRef>
+        <a:fillRef idx="1">
+          <a:scrgbClr r="0" g="0" b="0"/>
+        </a:fillRef>
+        <a:effectRef idx="0">
+          <a:scrgbClr r="0" g="0" b="0"/>
+        </a:effectRef>
+        <a:fontRef idx="minor">
+          <a:schemeClr val="lt1"/>
+        </a:fontRef>
+      </dsp:style>
+    </dsp:sp>
+    <dsp:sp modelId="{90FAD4B2-DFB9-4A64-9B9A-4F457019A8C3}">
+      <dsp:nvSpPr>
+        <dsp:cNvPr id="0" name=""/>
+        <dsp:cNvSpPr/>
+      </dsp:nvSpPr>
+      <dsp:spPr>
+        <a:xfrm>
+          <a:off x="7243507" y="533810"/>
+          <a:ext cx="3178410" cy="1348416"/>
+        </a:xfrm>
+        <a:prstGeom prst="rect">
+          <a:avLst/>
+        </a:prstGeom>
+        <a:noFill/>
+        <a:ln>
+          <a:noFill/>
+        </a:ln>
+        <a:effectLst/>
+      </dsp:spPr>
+      <dsp:style>
+        <a:lnRef idx="0">
+          <a:scrgbClr r="0" g="0" b="0"/>
+        </a:lnRef>
+        <a:fillRef idx="0">
+          <a:scrgbClr r="0" g="0" b="0"/>
+        </a:fillRef>
+        <a:effectRef idx="0">
+          <a:scrgbClr r="0" g="0" b="0"/>
+        </a:effectRef>
+        <a:fontRef idx="minor"/>
+      </dsp:style>
+      <dsp:txBody>
+        <a:bodyPr spcFirstLastPara="0" vert="horz" wrap="square" lIns="0" tIns="0" rIns="0" bIns="0" numCol="1" spcCol="1270" anchor="ctr" anchorCtr="0">
+          <a:noAutofit/>
+        </a:bodyPr>
+        <a:lstStyle/>
+        <a:p>
+          <a:pPr marL="0" lvl="0" indent="0" algn="l" defTabSz="889000">
+            <a:lnSpc>
+              <a:spcPct val="90000"/>
+            </a:lnSpc>
+            <a:spcBef>
+              <a:spcPct val="0"/>
+            </a:spcBef>
+            <a:spcAft>
+              <a:spcPct val="35000"/>
+            </a:spcAft>
+            <a:buNone/>
+          </a:pPr>
+          <a:r>
+            <a:rPr lang="nl-NL" sz="2000" b="1" kern="1200"/>
+            <a:t>Image: </a:t>
+          </a:r>
+          <a:r>
+            <a:rPr lang="nl-NL" sz="2000" kern="1200"/>
+            <a:t>An executable package that contains everything needed to run the application (a blueprint, or recipe)</a:t>
+          </a:r>
+          <a:endParaRPr lang="en-US" sz="2000" kern="1200"/>
+        </a:p>
+      </dsp:txBody>
+      <dsp:txXfrm>
+        <a:off x="7243507" y="533810"/>
+        <a:ext cx="3178410" cy="1348416"/>
+      </dsp:txXfrm>
+    </dsp:sp>
+    <dsp:sp modelId="{B13B309A-4575-4C60-9962-A6742EDBC1BD}">
+      <dsp:nvSpPr>
+        <dsp:cNvPr id="0" name=""/>
+        <dsp:cNvSpPr/>
+      </dsp:nvSpPr>
+      <dsp:spPr>
+        <a:xfrm>
+          <a:off x="236557" y="2653259"/>
+          <a:ext cx="1348416" cy="1348416"/>
+        </a:xfrm>
+        <a:prstGeom prst="ellipse">
+          <a:avLst/>
+        </a:prstGeom>
+        <a:solidFill>
+          <a:schemeClr val="accent2">
+            <a:tint val="40000"/>
+            <a:hueOff val="0"/>
+            <a:satOff val="0"/>
+            <a:lumOff val="0"/>
+            <a:alphaOff val="0"/>
+          </a:schemeClr>
+        </a:solidFill>
+        <a:ln>
+          <a:noFill/>
+        </a:ln>
+        <a:effectLst/>
+      </dsp:spPr>
+      <dsp:style>
+        <a:lnRef idx="0">
+          <a:scrgbClr r="0" g="0" b="0"/>
+        </a:lnRef>
+        <a:fillRef idx="1">
+          <a:scrgbClr r="0" g="0" b="0"/>
+        </a:fillRef>
+        <a:effectRef idx="0">
+          <a:scrgbClr r="0" g="0" b="0"/>
+        </a:effectRef>
+        <a:fontRef idx="minor"/>
+      </dsp:style>
+    </dsp:sp>
+    <dsp:sp modelId="{45CB3A97-822E-40AC-891C-0D1ECA9600D2}">
+      <dsp:nvSpPr>
+        <dsp:cNvPr id="0" name=""/>
+        <dsp:cNvSpPr/>
+      </dsp:nvSpPr>
+      <dsp:spPr>
+        <a:xfrm>
+          <a:off x="519724" y="2936427"/>
+          <a:ext cx="782081" cy="782081"/>
+        </a:xfrm>
+        <a:prstGeom prst="rect">
+          <a:avLst/>
+        </a:prstGeom>
+        <a:blipFill>
+          <a:blip xmlns:r="http://schemas.openxmlformats.org/officeDocument/2006/relationships" r:embed="rId5">
+            <a:extLst>
+              <a:ext uri="{28A0092B-C50C-407E-A947-70E740481C1C}">
+                <a14:useLocalDpi xmlns:a14="http://schemas.microsoft.com/office/drawing/2010/main" val="0"/>
+              </a:ext>
+              <a:ext uri="{96DAC541-7B7A-43D3-8B79-37D633B846F1}">
+                <asvg:svgBlip xmlns:asvg="http://schemas.microsoft.com/office/drawing/2016/SVG/main" r:embed="rId6"/>
+              </a:ext>
+            </a:extLst>
+          </a:blip>
+          <a:stretch>
+            <a:fillRect/>
+          </a:stretch>
+        </a:blipFill>
+        <a:ln w="25400" cap="flat" cmpd="sng" algn="ctr">
+          <a:noFill/>
+          <a:prstDash val="solid"/>
+        </a:ln>
+        <a:effectLst/>
+      </dsp:spPr>
+      <dsp:style>
+        <a:lnRef idx="2">
+          <a:scrgbClr r="0" g="0" b="0"/>
+        </a:lnRef>
+        <a:fillRef idx="1">
+          <a:scrgbClr r="0" g="0" b="0"/>
+        </a:fillRef>
+        <a:effectRef idx="0">
+          <a:scrgbClr r="0" g="0" b="0"/>
+        </a:effectRef>
+        <a:fontRef idx="minor">
+          <a:schemeClr val="lt1"/>
+        </a:fontRef>
+      </dsp:style>
+    </dsp:sp>
+    <dsp:sp modelId="{6CED870B-31CC-425F-8AC5-29386A2B5111}">
+      <dsp:nvSpPr>
+        <dsp:cNvPr id="0" name=""/>
+        <dsp:cNvSpPr/>
+      </dsp:nvSpPr>
+      <dsp:spPr>
+        <a:xfrm>
+          <a:off x="1873920" y="2653259"/>
+          <a:ext cx="3178410" cy="1348416"/>
+        </a:xfrm>
+        <a:prstGeom prst="rect">
+          <a:avLst/>
+        </a:prstGeom>
+        <a:noFill/>
+        <a:ln>
+          <a:noFill/>
+        </a:ln>
+        <a:effectLst/>
+      </dsp:spPr>
+      <dsp:style>
+        <a:lnRef idx="0">
+          <a:scrgbClr r="0" g="0" b="0"/>
+        </a:lnRef>
+        <a:fillRef idx="0">
+          <a:scrgbClr r="0" g="0" b="0"/>
+        </a:fillRef>
+        <a:effectRef idx="0">
+          <a:scrgbClr r="0" g="0" b="0"/>
+        </a:effectRef>
+        <a:fontRef idx="minor"/>
+      </dsp:style>
+      <dsp:txBody>
+        <a:bodyPr spcFirstLastPara="0" vert="horz" wrap="square" lIns="0" tIns="0" rIns="0" bIns="0" numCol="1" spcCol="1270" anchor="ctr" anchorCtr="0">
+          <a:noAutofit/>
+        </a:bodyPr>
+        <a:lstStyle/>
+        <a:p>
+          <a:pPr marL="0" lvl="0" indent="0" algn="l" defTabSz="889000">
+            <a:lnSpc>
+              <a:spcPct val="90000"/>
+            </a:lnSpc>
+            <a:spcBef>
+              <a:spcPct val="0"/>
+            </a:spcBef>
+            <a:spcAft>
+              <a:spcPct val="35000"/>
+            </a:spcAft>
+            <a:buNone/>
+          </a:pPr>
+          <a:r>
+            <a:rPr lang="nl-NL" sz="2000" b="1" kern="1200"/>
+            <a:t>Container: </a:t>
+          </a:r>
+          <a:r>
+            <a:rPr lang="nl-NL" sz="2000" kern="1200"/>
+            <a:t>A running instance of an </a:t>
+          </a:r>
+          <a:r>
+            <a:rPr lang="nl-NL" sz="2000" b="1" kern="1200"/>
+            <a:t>image</a:t>
+          </a:r>
+          <a:r>
+            <a:rPr lang="nl-NL" sz="2000" kern="1200"/>
+            <a:t>.</a:t>
+          </a:r>
+          <a:endParaRPr lang="en-US" sz="2000" kern="1200"/>
+        </a:p>
+      </dsp:txBody>
+      <dsp:txXfrm>
+        <a:off x="1873920" y="2653259"/>
+        <a:ext cx="3178410" cy="1348416"/>
+      </dsp:txXfrm>
+    </dsp:sp>
+    <dsp:sp modelId="{9052E674-3581-4A9E-9476-49FA200C631D}">
+      <dsp:nvSpPr>
+        <dsp:cNvPr id="0" name=""/>
+        <dsp:cNvSpPr/>
+      </dsp:nvSpPr>
+      <dsp:spPr>
+        <a:xfrm>
+          <a:off x="5606144" y="2653259"/>
+          <a:ext cx="1348416" cy="1348416"/>
+        </a:xfrm>
+        <a:prstGeom prst="ellipse">
+          <a:avLst/>
+        </a:prstGeom>
+        <a:solidFill>
+          <a:schemeClr val="accent2">
+            <a:tint val="40000"/>
+            <a:hueOff val="0"/>
+            <a:satOff val="0"/>
+            <a:lumOff val="0"/>
+            <a:alphaOff val="0"/>
+          </a:schemeClr>
+        </a:solidFill>
+        <a:ln>
+          <a:noFill/>
+        </a:ln>
+        <a:effectLst/>
+      </dsp:spPr>
+      <dsp:style>
+        <a:lnRef idx="0">
+          <a:scrgbClr r="0" g="0" b="0"/>
+        </a:lnRef>
+        <a:fillRef idx="1">
+          <a:scrgbClr r="0" g="0" b="0"/>
+        </a:fillRef>
+        <a:effectRef idx="0">
+          <a:scrgbClr r="0" g="0" b="0"/>
+        </a:effectRef>
+        <a:fontRef idx="minor"/>
+      </dsp:style>
+    </dsp:sp>
+    <dsp:sp modelId="{9604AF15-2659-465F-8EFC-A287A2C1CF36}">
+      <dsp:nvSpPr>
+        <dsp:cNvPr id="0" name=""/>
+        <dsp:cNvSpPr/>
+      </dsp:nvSpPr>
+      <dsp:spPr>
+        <a:xfrm>
+          <a:off x="5889311" y="2936427"/>
+          <a:ext cx="782081" cy="782081"/>
+        </a:xfrm>
+        <a:prstGeom prst="rect">
+          <a:avLst/>
+        </a:prstGeom>
+        <a:blipFill>
+          <a:blip xmlns:r="http://schemas.openxmlformats.org/officeDocument/2006/relationships" r:embed="rId7">
+            <a:extLst>
+              <a:ext uri="{28A0092B-C50C-407E-A947-70E740481C1C}">
+                <a14:useLocalDpi xmlns:a14="http://schemas.microsoft.com/office/drawing/2010/main" val="0"/>
+              </a:ext>
+              <a:ext uri="{96DAC541-7B7A-43D3-8B79-37D633B846F1}">
+                <asvg:svgBlip xmlns:asvg="http://schemas.microsoft.com/office/drawing/2016/SVG/main" r:embed="rId8"/>
+              </a:ext>
+            </a:extLst>
+          </a:blip>
+          <a:stretch>
+            <a:fillRect/>
+          </a:stretch>
+        </a:blipFill>
+        <a:ln w="25400" cap="flat" cmpd="sng" algn="ctr">
+          <a:noFill/>
+          <a:prstDash val="solid"/>
+        </a:ln>
+        <a:effectLst/>
+      </dsp:spPr>
+      <dsp:style>
+        <a:lnRef idx="2">
+          <a:scrgbClr r="0" g="0" b="0"/>
+        </a:lnRef>
+        <a:fillRef idx="1">
+          <a:scrgbClr r="0" g="0" b="0"/>
+        </a:fillRef>
+        <a:effectRef idx="0">
+          <a:scrgbClr r="0" g="0" b="0"/>
+        </a:effectRef>
+        <a:fontRef idx="minor">
+          <a:schemeClr val="lt1"/>
+        </a:fontRef>
+      </dsp:style>
+    </dsp:sp>
+    <dsp:sp modelId="{E83937F9-C5A2-4C51-A5E6-D6AA6E7E1471}">
+      <dsp:nvSpPr>
+        <dsp:cNvPr id="0" name=""/>
+        <dsp:cNvSpPr/>
+      </dsp:nvSpPr>
+      <dsp:spPr>
+        <a:xfrm>
+          <a:off x="7243507" y="2653259"/>
+          <a:ext cx="3178410" cy="1348416"/>
+        </a:xfrm>
+        <a:prstGeom prst="rect">
+          <a:avLst/>
+        </a:prstGeom>
+        <a:noFill/>
+        <a:ln>
+          <a:noFill/>
+        </a:ln>
+        <a:effectLst/>
+      </dsp:spPr>
+      <dsp:style>
+        <a:lnRef idx="0">
+          <a:scrgbClr r="0" g="0" b="0"/>
+        </a:lnRef>
+        <a:fillRef idx="0">
+          <a:scrgbClr r="0" g="0" b="0"/>
+        </a:fillRef>
+        <a:effectRef idx="0">
+          <a:scrgbClr r="0" g="0" b="0"/>
+        </a:effectRef>
+        <a:fontRef idx="minor"/>
+      </dsp:style>
+      <dsp:txBody>
+        <a:bodyPr spcFirstLastPara="0" vert="horz" wrap="square" lIns="0" tIns="0" rIns="0" bIns="0" numCol="1" spcCol="1270" anchor="ctr" anchorCtr="0">
+          <a:noAutofit/>
+        </a:bodyPr>
+        <a:lstStyle/>
+        <a:p>
+          <a:pPr marL="0" lvl="0" indent="0" algn="l" defTabSz="889000">
+            <a:lnSpc>
+              <a:spcPct val="90000"/>
+            </a:lnSpc>
+            <a:spcBef>
+              <a:spcPct val="0"/>
+            </a:spcBef>
+            <a:spcAft>
+              <a:spcPct val="35000"/>
+            </a:spcAft>
+            <a:buNone/>
+          </a:pPr>
+          <a:r>
+            <a:rPr lang="nl-NL" sz="2000" kern="1200"/>
+            <a:t>In OOP terms: An </a:t>
+          </a:r>
+          <a:r>
+            <a:rPr lang="nl-NL" sz="2000" b="1" kern="1200"/>
+            <a:t>image </a:t>
+          </a:r>
+          <a:r>
+            <a:rPr lang="nl-NL" sz="2000" kern="1200"/>
+            <a:t>is a class, and a </a:t>
+          </a:r>
+          <a:r>
+            <a:rPr lang="nl-NL" sz="2000" b="1" kern="1200"/>
+            <a:t>container </a:t>
+          </a:r>
+          <a:r>
+            <a:rPr lang="nl-NL" sz="2000" kern="1200"/>
+            <a:t>is the instantiation of that class.</a:t>
+          </a:r>
+          <a:endParaRPr lang="en-US" sz="2000" kern="1200"/>
+        </a:p>
+      </dsp:txBody>
+      <dsp:txXfrm>
+        <a:off x="7243507" y="2653259"/>
+        <a:ext cx="3178410" cy="1348416"/>
+      </dsp:txXfrm>
+    </dsp:sp>
+  </dsp:spTree>
+</dsp:drawing>
+</file>
+
+<file path=ppt/diagrams/layout1.xml><?xml version="1.0" encoding="utf-8"?>
+<dgm:layoutDef xmlns:dgm="http://schemas.openxmlformats.org/drawingml/2006/diagram" xmlns:a="http://schemas.openxmlformats.org/drawingml/2006/main" uniqueId="urn:microsoft.com/office/officeart/2018/2/layout/IconCircleList">
+  <dgm:title val="Icon Circle List"/>
+  <dgm:desc val="Use to show non-sequential or grouped chunks of information accompanied by related visuals. Circular shapes can hold an icon or small picture and corresponding text box shows Level 1 text. Works best for icons or small pictures with medium-length descriptions."/>
+  <dgm:catLst>
+    <dgm:cat type="icon" pri="500"/>
+  </dgm:catLst>
+  <dgm:sampData useDef="1">
+    <dgm:dataModel>
+      <dgm:ptLst/>
+      <dgm:bg/>
+      <dgm:whole/>
+    </dgm:dataModel>
+  </dgm:sampData>
+  <dgm:styleData useDef="1">
+    <dgm:dataModel>
+      <dgm:ptLst/>
+      <dgm:bg/>
+      <dgm:whole/>
+    </dgm:dataModel>
+  </dgm:styleData>
+  <dgm:clrData useDef="1">
+    <dgm:dataModel>
+      <dgm:ptLst/>
+      <dgm:bg/>
+      <dgm:whole/>
+    </dgm:dataModel>
+  </dgm:clrData>
+  <dgm:layoutNode name="root">
+    <dgm:varLst>
+      <dgm:dir/>
+      <dgm:resizeHandles val="exact"/>
+    </dgm:varLst>
+    <dgm:alg type="sp"/>
+    <dgm:shape xmlns:r="http://schemas.openxmlformats.org/officeDocument/2006/relationships" r:blip="">
+      <dgm:adjLst/>
+    </dgm:shape>
+    <dgm:presOf/>
+    <dgm:choose name="Name0">
+      <dgm:if name="Name1" axis="ch" ptType="node" func="cnt" op="lte" val="3">
+        <dgm:constrLst>
+          <dgm:constr type="w" for="ch" forName="container" refType="w"/>
+          <dgm:constr type="h" for="ch" forName="container" refType="h" fact="0.4"/>
+        </dgm:constrLst>
+      </dgm:if>
+      <dgm:else name="Name2">
+        <dgm:constrLst>
+          <dgm:constr type="w" for="ch" forName="container" refType="w"/>
+          <dgm:constr type="h" for="ch" forName="container" refType="h"/>
+        </dgm:constrLst>
+      </dgm:else>
+    </dgm:choose>
+    <dgm:ruleLst>
+      <dgm:rule type="h" for="ch" forName="container" val="INF" fact="NaN" max="NaN"/>
+    </dgm:ruleLst>
+    <dgm:layoutNode name="container">
+      <dgm:varLst>
+        <dgm:dir/>
+        <dgm:resizeHandles val="exact"/>
+      </dgm:varLst>
+      <dgm:choose name="Name3">
+        <dgm:if name="Name4" axis="self" func="var" arg="dir" op="equ" val="norm">
+          <dgm:alg type="snake">
+            <dgm:param type="grDir" val="tL"/>
+            <dgm:param type="flowDir" val="row"/>
+            <dgm:param type="contDir" val="sameDir"/>
+          </dgm:alg>
+        </dgm:if>
+        <dgm:else name="Name5">
+          <dgm:alg type="snake">
+            <dgm:param type="grDir" val="tR"/>
+            <dgm:param type="flowDir" val="row"/>
+            <dgm:param type="contDir" val="sameDir"/>
+          </dgm:alg>
+        </dgm:else>
+      </dgm:choose>
+      <dgm:shape xmlns:r="http://schemas.openxmlformats.org/officeDocument/2006/relationships" r:blip="">
+        <dgm:adjLst/>
+      </dgm:shape>
+      <dgm:presOf/>
+      <dgm:constrLst>
+        <dgm:constr type="w" for="ch" forName="compNode" refType="w"/>
+        <dgm:constr type="h" for="ch" forName="compNode" refType="w" fact="0.28"/>
+        <dgm:constr type="w" for="ch" forName="sibTrans" refType="w" refFor="ch" refForName="compNode" fact="0.115"/>
+        <dgm:constr type="sp" refType="h" op="equ" fact="0.17"/>
+        <dgm:constr type="primFontSz" for="des" ptType="node" op="equ" val="24"/>
+        <dgm:constr type="h" for="des" forName="compNode" op="equ"/>
+        <dgm:constr type="h" for="des" forName="iconBgRect" op="equ"/>
+      </dgm:constrLst>
+      <dgm:ruleLst>
+        <dgm:rule type="w" for="ch" forName="compNode" val="60" fact="NaN" max="NaN"/>
+      </dgm:ruleLst>
+      <dgm:forEach name="Name6" axis="ch" ptType="node">
+        <dgm:layoutNode name="compNode">
+          <dgm:alg type="composite"/>
+          <dgm:shape xmlns:r="http://schemas.openxmlformats.org/officeDocument/2006/relationships" r:blip="">
+            <dgm:adjLst/>
+          </dgm:shape>
+          <dgm:presOf axis="self"/>
+          <dgm:constrLst>
+            <dgm:constr type="w" for="ch" forName="iconBgRect" refType="w" fact="0.28"/>
+            <dgm:constr type="h" for="ch" forName="iconBgRect" refType="w" refFor="ch" refForName="iconBgRect"/>
+            <dgm:constr type="t" for="ch" forName="iconBgRect"/>
+            <dgm:constr type="l" for="ch" forName="iconBgRect"/>
+            <dgm:constr type="w" for="ch" forName="iconRect" refType="w" refFor="ch" refForName="iconBgRect" fact="0.58"/>
+            <dgm:constr type="h" for="ch" forName="iconRect" refType="w" refFor="ch" refForName="iconRect"/>
+            <dgm:constr type="ctrX" for="ch" forName="iconRect" refType="ctrX" refFor="ch" refForName="iconBgRect"/>
+            <dgm:constr type="ctrY" for="ch" forName="iconRect" refType="ctrY" refFor="ch" refForName="iconBgRect"/>
+            <dgm:constr type="w" for="ch" forName="spaceRect" refType="w" fact="0.06"/>
+            <dgm:constr type="h" for="ch" forName="spaceRect" refType="h" refFor="ch" refForName="iconBgRect"/>
+            <dgm:constr type="t" for="ch" forName="spaceRect" refType="t" refFor="ch" refForName="iconBgRect"/>
+            <dgm:constr type="l" for="ch" forName="spaceRect" refType="r" refFor="ch" refForName="iconBgRect"/>
+            <dgm:constr type="h" for="ch" forName="textRect" refType="h" refFor="ch" refForName="iconBgRect"/>
+            <dgm:constr type="t" for="ch" forName="textRect" refType="t" refFor="ch" refForName="iconBgRect"/>
+            <dgm:constr type="l" for="ch" forName="textRect" refType="r" refFor="ch" refForName="spaceRect"/>
+          </dgm:constrLst>
+          <dgm:ruleLst/>
+          <dgm:layoutNode name="iconBgRect" styleLbl="bgShp">
+            <dgm:alg type="sp"/>
+            <dgm:shape xmlns:r="http://schemas.openxmlformats.org/officeDocument/2006/relationships" type="ellipse" r:blip="">
+              <dgm:adjLst/>
+            </dgm:shape>
+            <dgm:presOf/>
+            <dgm:constrLst/>
+            <dgm:ruleLst/>
+          </dgm:layoutNode>
+          <dgm:layoutNode name="iconRect" styleLbl="node1">
+            <dgm:alg type="sp"/>
+            <dgm:shape xmlns:r="http://schemas.openxmlformats.org/officeDocument/2006/relationships" type="rect" r:blip="" blipPhldr="1">
+              <dgm:adjLst/>
+            </dgm:shape>
+            <dgm:presOf/>
+            <dgm:constrLst/>
+            <dgm:ruleLst/>
+          </dgm:layoutNode>
+          <dgm:layoutNode name="spaceRect">
+            <dgm:alg type="sp"/>
+            <dgm:shape xmlns:r="http://schemas.openxmlformats.org/officeDocument/2006/relationships" r:blip="">
+              <dgm:adjLst/>
+            </dgm:shape>
+            <dgm:presOf/>
+            <dgm:constrLst/>
+            <dgm:ruleLst/>
+          </dgm:layoutNode>
+          <dgm:layoutNode name="textRect" styleLbl="revTx">
+            <dgm:varLst>
+              <dgm:chMax val="1"/>
+              <dgm:chPref val="1"/>
+            </dgm:varLst>
+            <dgm:choose name="Name7">
+              <dgm:if name="Name8" func="var" arg="dir" op="equ" val="norm">
+                <dgm:alg type="tx">
+                  <dgm:param type="txAnchorVert" val="mid"/>
+                  <dgm:param type="parTxLTRAlign" val="l"/>
+                  <dgm:param type="shpTxLTRAlignCh" val="l"/>
+                  <dgm:param type="parTxRTLAlign" val="l"/>
+                  <dgm:param type="shpTxRTLAlignCh" val="l"/>
+                </dgm:alg>
+              </dgm:if>
+              <dgm:else name="Name9">
+                <dgm:alg type="tx">
+                  <dgm:param type="txAnchorVert" val="mid"/>
+                  <dgm:param type="parTxLTRAlign" val="r"/>
+                  <dgm:param type="shpTxLTRAlignCh" val="r"/>
+                  <dgm:param type="parTxRTLAlign" val="r"/>
+                  <dgm:param type="shpTxRTLAlignCh" val="r"/>
+                </dgm:alg>
+              </dgm:else>
+            </dgm:choose>
+            <dgm:shape xmlns:r="http://schemas.openxmlformats.org/officeDocument/2006/relationships" type="rect" r:blip="">
+              <dgm:adjLst/>
+            </dgm:shape>
+            <dgm:presOf axis="self" ptType="node"/>
+            <dgm:constrLst>
+              <dgm:constr type="lMarg"/>
+              <dgm:constr type="rMarg"/>
+              <dgm:constr type="tMarg"/>
+              <dgm:constr type="bMarg"/>
+            </dgm:constrLst>
+            <dgm:ruleLst>
+              <dgm:rule type="primFontSz" val="11" fact="NaN" max="NaN"/>
+            </dgm:ruleLst>
+          </dgm:layoutNode>
+        </dgm:layoutNode>
+        <dgm:forEach name="Name10" axis="followSib" ptType="sibTrans" cnt="1">
+          <dgm:layoutNode name="sibTrans">
+            <dgm:alg type="sp"/>
+            <dgm:shape xmlns:r="http://schemas.openxmlformats.org/officeDocument/2006/relationships" type="rect" r:blip="" hideGeom="1">
+              <dgm:adjLst/>
+            </dgm:shape>
+            <dgm:presOf axis="self"/>
+            <dgm:constrLst/>
+            <dgm:ruleLst/>
+          </dgm:layoutNode>
+        </dgm:forEach>
+      </dgm:forEach>
+    </dgm:layoutNode>
+  </dgm:layoutNode>
+  <dgm:extLst>
+    <a:ext uri="{68A01E43-0DF5-4B5B-8FA6-DAF915123BFB}">
+      <dgm1612:lstStyle xmlns:dgm1612="http://schemas.microsoft.com/office/drawing/2016/12/diagram">
+        <a:lvl1pPr>
+          <a:lnSpc>
+            <a:spcPct val="100000"/>
+          </a:lnSpc>
+        </a:lvl1pPr>
+      </dgm1612:lstStyle>
+    </a:ext>
+  </dgm:extLst>
+</dgm:layoutDef>
+</file>
+
+<file path=ppt/diagrams/quickStyle1.xml><?xml version="1.0" encoding="utf-8"?>
+<dgm:styleDef xmlns:dgm="http://schemas.openxmlformats.org/drawingml/2006/diagram" xmlns:a="http://schemas.openxmlformats.org/drawingml/2006/main" uniqueId="urn:microsoft.com/office/officeart/2005/8/quickstyle/simple1">
+  <dgm:title val=""/>
+  <dgm:desc val=""/>
+  <dgm:catLst>
+    <dgm:cat type="simple" pri="10100"/>
+  </dgm:catLst>
+  <dgm:scene3d>
+    <a:camera prst="orthographicFront"/>
+    <a:lightRig rig="threePt" dir="t"/>
+  </dgm:scene3d>
+  <dgm:styleLbl name="node0">
+    <dgm:scene3d>
+      <a:camera prst="orthographicFront"/>
+      <a:lightRig rig="threePt" dir="t"/>
+    </dgm:scene3d>
+    <dgm:sp3d/>
+    <dgm:txPr/>
+    <dgm:style>
+      <a:lnRef idx="2">
+        <a:scrgbClr r="0" g="0" b="0"/>
+      </a:lnRef>
+      <a:fillRef idx="1">
+        <a:scrgbClr r="0" g="0" b="0"/>
+      </a:fillRef>
+      <a:effectRef idx="0">
+        <a:scrgbClr r="0" g="0" b="0"/>
+      </a:effectRef>
+      <a:fontRef idx="minor">
+        <a:schemeClr val="lt1"/>
+      </a:fontRef>
+    </dgm:style>
+  </dgm:styleLbl>
+  <dgm:styleLbl name="lnNode1">
+    <dgm:scene3d>
+      <a:camera prst="orthographicFront"/>
+      <a:lightRig rig="threePt" dir="t"/>
+    </dgm:scene3d>
+    <dgm:sp3d/>
+    <dgm:txPr/>
+    <dgm:style>
+      <a:lnRef idx="2">
+        <a:scrgbClr r="0" g="0" b="0"/>
+      </a:lnRef>
+      <a:fillRef idx="1">
+        <a:scrgbClr r="0" g="0" b="0"/>
+      </a:fillRef>
+      <a:effectRef idx="0">
+        <a:scrgbClr r="0" g="0" b="0"/>
+      </a:effectRef>
+      <a:fontRef idx="minor">
+        <a:schemeClr val="lt1"/>
+      </a:fontRef>
+    </dgm:style>
+  </dgm:styleLbl>
+  <dgm:styleLbl name="vennNode1">
+    <dgm:scene3d>
+      <a:camera prst="orthographicFront"/>
+      <a:lightRig rig="threePt" dir="t"/>
+    </dgm:scene3d>
+    <dgm:sp3d/>
+    <dgm:txPr/>
+    <dgm:style>
+      <a:lnRef idx="2">
+        <a:scrgbClr r="0" g="0" b="0"/>
+      </a:lnRef>
+      <a:fillRef idx="1">
+        <a:scrgbClr r="0" g="0" b="0"/>
+      </a:fillRef>
+      <a:effectRef idx="0">
+        <a:scrgbClr r="0" g="0" b="0"/>
+      </a:effectRef>
+      <a:fontRef idx="minor">
+        <a:schemeClr val="tx1"/>
+      </a:fontRef>
+    </dgm:style>
+  </dgm:styleLbl>
+  <dgm:styleLbl name="alignNode1">
+    <dgm:scene3d>
+      <a:camera prst="orthographicFront"/>
+      <a:lightRig rig="threePt" dir="t"/>
+    </dgm:scene3d>
+    <dgm:sp3d/>
+    <dgm:txPr/>
+    <dgm:style>
+      <a:lnRef idx="2">
+        <a:scrgbClr r="0" g="0" b="0"/>
+      </a:lnRef>
+      <a:fillRef idx="1">
+        <a:scrgbClr r="0" g="0" b="0"/>
+      </a:fillRef>
+      <a:effectRef idx="0">
+        <a:scrgbClr r="0" g="0" b="0"/>
+      </a:effectRef>
+      <a:fontRef idx="minor">
+        <a:schemeClr val="lt1"/>
+      </a:fontRef>
+    </dgm:style>
+  </dgm:styleLbl>
+  <dgm:styleLbl name="node1">
+    <dgm:scene3d>
+      <a:camera prst="orthographicFront"/>
+      <a:lightRig rig="threePt" dir="t"/>
+    </dgm:scene3d>
+    <dgm:sp3d/>
+    <dgm:txPr/>
+    <dgm:style>
+      <a:lnRef idx="2">
+        <a:scrgbClr r="0" g="0" b="0"/>
+      </a:lnRef>
+      <a:fillRef idx="1">
+        <a:scrgbClr r="0" g="0" b="0"/>
+      </a:fillRef>
+      <a:effectRef idx="0">
+        <a:scrgbClr r="0" g="0" b="0"/>
+      </a:effectRef>
+      <a:fontRef idx="minor">
+        <a:schemeClr val="lt1"/>
+      </a:fontRef>
+    </dgm:style>
+  </dgm:styleLbl>
+  <dgm:styleLbl name="node2">
+    <dgm:scene3d>
+      <a:camera prst="orthographicFront"/>
+      <a:lightRig rig="threePt" dir="t"/>
+    </dgm:scene3d>
+    <dgm:sp3d/>
+    <dgm:txPr/>
+    <dgm:style>
+      <a:lnRef idx="2">
+        <a:scrgbClr r="0" g="0" b="0"/>
+      </a:lnRef>
+      <a:fillRef idx="1">
+        <a:scrgbClr r="0" g="0" b="0"/>
+      </a:fillRef>
+      <a:effectRef idx="0">
+        <a:scrgbClr r="0" g="0" b="0"/>
+      </a:effectRef>
+      <a:fontRef idx="minor">
+        <a:schemeClr val="lt1"/>
+      </a:fontRef>
+    </dgm:style>
+  </dgm:styleLbl>
+  <dgm:styleLbl name="node3">
+    <dgm:scene3d>
+      <a:camera prst="orthographicFront"/>
+      <a:lightRig rig="threePt" dir="t"/>
+    </dgm:scene3d>
+    <dgm:sp3d/>
+    <dgm:txPr/>
+    <dgm:style>
+      <a:lnRef idx="2">
+        <a:scrgbClr r="0" g="0" b="0"/>
+      </a:lnRef>
+      <a:fillRef idx="1">
+        <a:scrgbClr r="0" g="0" b="0"/>
+      </a:fillRef>
+      <a:effectRef idx="0">
+        <a:scrgbClr r="0" g="0" b="0"/>
+      </a:effectRef>
+      <a:fontRef idx="minor">
+        <a:schemeClr val="lt1"/>
+      </a:fontRef>
+    </dgm:style>
+  </dgm:styleLbl>
+  <dgm:styleLbl name="node4">
+    <dgm:scene3d>
+      <a:camera prst="orthographicFront"/>
+      <a:lightRig rig="threePt" dir="t"/>
+    </dgm:scene3d>
+    <dgm:sp3d/>
+    <dgm:txPr/>
+    <dgm:style>
+      <a:lnRef idx="2">
+        <a:scrgbClr r="0" g="0" b="0"/>
+      </a:lnRef>
+      <a:fillRef idx="1">
+        <a:scrgbClr r="0" g="0" b="0"/>
+      </a:fillRef>
+      <a:effectRef idx="0">
+        <a:scrgbClr r="0" g="0" b="0"/>
+      </a:effectRef>
+      <a:fontRef idx="minor">
+        <a:schemeClr val="lt1"/>
+      </a:fontRef>
+    </dgm:style>
+  </dgm:styleLbl>
+  <dgm:styleLbl name="fgImgPlace1">
+    <dgm:scene3d>
+      <a:camera prst="orthographicFront"/>
+      <a:lightRig rig="threePt" dir="t"/>
+    </dgm:scene3d>
+    <dgm:sp3d/>
+    <dgm:txPr/>
+    <dgm:style>
+      <a:lnRef idx="2">
+        <a:scrgbClr r="0" g="0" b="0"/>
+      </a:lnRef>
+      <a:fillRef idx="1">
+        <a:scrgbClr r="0" g="0" b="0"/>
+      </a:fillRef>
+      <a:effectRef idx="0">
+        <a:scrgbClr r="0" g="0" b="0"/>
+      </a:effectRef>
+      <a:fontRef idx="minor"/>
+    </dgm:style>
+  </dgm:styleLbl>
+  <dgm:styleLbl name="alignImgPlace1">
+    <dgm:scene3d>
+      <a:camera prst="orthographicFront"/>
+      <a:lightRig rig="threePt" dir="t"/>
+    </dgm:scene3d>
+    <dgm:sp3d/>
+    <dgm:txPr/>
+    <dgm:style>
+      <a:lnRef idx="2">
+        <a:scrgbClr r="0" g="0" b="0"/>
+      </a:lnRef>
+      <a:fillRef idx="1">
+        <a:scrgbClr r="0" g="0" b="0"/>
+      </a:fillRef>
+      <a:effectRef idx="0">
+        <a:scrgbClr r="0" g="0" b="0"/>
+      </a:effectRef>
+      <a:fontRef idx="minor"/>
+    </dgm:style>
+  </dgm:styleLbl>
+  <dgm:styleLbl name="bgImgPlace1">
+    <dgm:scene3d>
+      <a:camera prst="orthographicFront"/>
+      <a:lightRig rig="threePt" dir="t"/>
+    </dgm:scene3d>
+    <dgm:sp3d/>
+    <dgm:txPr/>
+    <dgm:style>
+      <a:lnRef idx="2">
+        <a:scrgbClr r="0" g="0" b="0"/>
+      </a:lnRef>
+      <a:fillRef idx="1">
+        <a:scrgbClr r="0" g="0" b="0"/>
+      </a:fillRef>
+      <a:effectRef idx="0">
+        <a:scrgbClr r="0" g="0" b="0"/>
+      </a:effectRef>
+      <a:fontRef idx="minor"/>
+    </dgm:style>
+  </dgm:styleLbl>
+  <dgm:styleLbl name="sibTrans2D1">
+    <dgm:scene3d>
+      <a:camera prst="orthographicFront"/>
+      <a:lightRig rig="threePt" dir="t"/>
+    </dgm:scene3d>
+    <dgm:sp3d/>
+    <dgm:txPr/>
+    <dgm:style>
+      <a:lnRef idx="0">
+        <a:scrgbClr r="0" g="0" b="0"/>
+      </a:lnRef>
+      <a:fillRef idx="1">
+        <a:scrgbClr r="0" g="0" b="0"/>
+      </a:fillRef>
+      <a:effectRef idx="0">
+        <a:scrgbClr r="0" g="0" b="0"/>
+      </a:effectRef>
+      <a:fontRef idx="minor">
+        <a:schemeClr val="lt1"/>
+      </a:fontRef>
+    </dgm:style>
+  </dgm:styleLbl>
+  <dgm:styleLbl name="fgSibTrans2D1">
+    <dgm:scene3d>
+      <a:camera prst="orthographicFront"/>
+      <a:lightRig rig="threePt" dir="t"/>
+    </dgm:scene3d>
+    <dgm:sp3d/>
+    <dgm:txPr/>
+    <dgm:style>
+      <a:lnRef idx="0">
+        <a:scrgbClr r="0" g="0" b="0"/>
+      </a:lnRef>
+      <a:fillRef idx="1">
+        <a:scrgbClr r="0" g="0" b="0"/>
+      </a:fillRef>
+      <a:effectRef idx="0">
+        <a:scrgbClr r="0" g="0" b="0"/>
+      </a:effectRef>
+      <a:fontRef idx="minor">
+        <a:schemeClr val="lt1"/>
+      </a:fontRef>
+    </dgm:style>
+  </dgm:styleLbl>
+  <dgm:styleLbl name="bgSibTrans2D1">
+    <dgm:scene3d>
+      <a:camera prst="orthographicFront"/>
+      <a:lightRig rig="threePt" dir="t"/>
+    </dgm:scene3d>
+    <dgm:sp3d/>
+    <dgm:txPr/>
+    <dgm:style>
+      <a:lnRef idx="0">
+        <a:scrgbClr r="0" g="0" b="0"/>
+      </a:lnRef>
+      <a:fillRef idx="1">
+        <a:scrgbClr r="0" g="0" b="0"/>
+      </a:fillRef>
+      <a:effectRef idx="0">
+        <a:scrgbClr r="0" g="0" b="0"/>
+      </a:effectRef>
+      <a:fontRef idx="minor">
+        <a:schemeClr val="lt1"/>
+      </a:fontRef>
+    </dgm:style>
+  </dgm:styleLbl>
+  <dgm:styleLbl name="sibTrans1D1">
+    <dgm:scene3d>
+      <a:camera prst="orthographicFront"/>
+      <a:lightRig rig="threePt" dir="t"/>
+    </dgm:scene3d>
+    <dgm:sp3d/>
+    <dgm:txPr/>
+    <dgm:style>
+      <a:lnRef idx="1">
+        <a:scrgbClr r="0" g="0" b="0"/>
+      </a:lnRef>
+      <a:fillRef idx="0">
+        <a:scrgbClr r="0" g="0" b="0"/>
+      </a:fillRef>
+      <a:effectRef idx="0">
+        <a:scrgbClr r="0" g="0" b="0"/>
+      </a:effectRef>
+      <a:fontRef idx="minor"/>
+    </dgm:style>
+  </dgm:styleLbl>
+  <dgm:styleLbl name="callout">
+    <dgm:scene3d>
+      <a:camera prst="orthographicFront"/>
+      <a:lightRig rig="threePt" dir="t"/>
+    </dgm:scene3d>
+    <dgm:sp3d/>
+    <dgm:txPr/>
+    <dgm:style>
+      <a:lnRef idx="2">
+        <a:scrgbClr r="0" g="0" b="0"/>
+      </a:lnRef>
+      <a:fillRef idx="1">
+        <a:scrgbClr r="0" g="0" b="0"/>
+      </a:fillRef>
+      <a:effectRef idx="0">
+        <a:scrgbClr r="0" g="0" b="0"/>
+      </a:effectRef>
+      <a:fontRef idx="minor"/>
+    </dgm:style>
+  </dgm:styleLbl>
+  <dgm:styleLbl name="asst0">
+    <dgm:scene3d>
+      <a:camera prst="orthographicFront"/>
+      <a:lightRig rig="threePt" dir="t"/>
+    </dgm:scene3d>
+    <dgm:sp3d/>
+    <dgm:txPr/>
+    <dgm:style>
+      <a:lnRef idx="2">
+        <a:scrgbClr r="0" g="0" b="0"/>
+      </a:lnRef>
+      <a:fillRef idx="1">
+        <a:scrgbClr r="0" g="0" b="0"/>
+      </a:fillRef>
+      <a:effectRef idx="0">
+        <a:scrgbClr r="0" g="0" b="0"/>
+      </a:effectRef>
+      <a:fontRef idx="minor">
+        <a:schemeClr val="lt1"/>
+      </a:fontRef>
+    </dgm:style>
+  </dgm:styleLbl>
+  <dgm:styleLbl name="asst1">
+    <dgm:scene3d>
+      <a:camera prst="orthographicFront"/>
+      <a:lightRig rig="threePt" dir="t"/>
+    </dgm:scene3d>
+    <dgm:sp3d/>
+    <dgm:txPr/>
+    <dgm:style>
+      <a:lnRef idx="2">
+        <a:scrgbClr r="0" g="0" b="0"/>
+      </a:lnRef>
+      <a:fillRef idx="1">
+        <a:scrgbClr r="0" g="0" b="0"/>
+      </a:fillRef>
+      <a:effectRef idx="0">
+        <a:scrgbClr r="0" g="0" b="0"/>
+      </a:effectRef>
+      <a:fontRef idx="minor">
+        <a:schemeClr val="lt1"/>
+      </a:fontRef>
+    </dgm:style>
+  </dgm:styleLbl>
+  <dgm:styleLbl name="asst2">
+    <dgm:scene3d>
+      <a:camera prst="orthographicFront"/>
+      <a:lightRig rig="threePt" dir="t"/>
+    </dgm:scene3d>
+    <dgm:sp3d/>
+    <dgm:txPr/>
+    <dgm:style>
+      <a:lnRef idx="2">
+        <a:scrgbClr r="0" g="0" b="0"/>
+      </a:lnRef>
+      <a:fillRef idx="1">
+        <a:scrgbClr r="0" g="0" b="0"/>
+      </a:fillRef>
+      <a:effectRef idx="0">
+        <a:scrgbClr r="0" g="0" b="0"/>
+      </a:effectRef>
+      <a:fontRef idx="minor">
+        <a:schemeClr val="lt1"/>
+      </a:fontRef>
+    </dgm:style>
+  </dgm:styleLbl>
+  <dgm:styleLbl name="asst3">
+    <dgm:scene3d>
+      <a:camera prst="orthographicFront"/>
+      <a:lightRig rig="threePt" dir="t"/>
+    </dgm:scene3d>
+    <dgm:sp3d/>
+    <dgm:txPr/>
+    <dgm:style>
+      <a:lnRef idx="2">
+        <a:scrgbClr r="0" g="0" b="0"/>
+      </a:lnRef>
+      <a:fillRef idx="1">
+        <a:scrgbClr r="0" g="0" b="0"/>
+      </a:fillRef>
+      <a:effectRef idx="0">
+        <a:scrgbClr r="0" g="0" b="0"/>
+      </a:effectRef>
+      <a:fontRef idx="minor">
+        <a:schemeClr val="lt1"/>
+      </a:fontRef>
+    </dgm:style>
+  </dgm:styleLbl>
+  <dgm:styleLbl name="asst4">
+    <dgm:scene3d>
+      <a:camera prst="orthographicFront"/>
+      <a:lightRig rig="threePt" dir="t"/>
+    </dgm:scene3d>
+    <dgm:sp3d/>
+    <dgm:txPr/>
+    <dgm:style>
+      <a:lnRef idx="2">
+        <a:scrgbClr r="0" g="0" b="0"/>
+      </a:lnRef>
+      <a:fillRef idx="1">
+        <a:scrgbClr r="0" g="0" b="0"/>
+      </a:fillRef>
+      <a:effectRef idx="0">
+        <a:scrgbClr r="0" g="0" b="0"/>
+      </a:effectRef>
+      <a:fontRef idx="minor">
+        <a:schemeClr val="lt1"/>
+      </a:fontRef>
+    </dgm:style>
+  </dgm:styleLbl>
+  <dgm:styleLbl name="parChTrans2D1">
+    <dgm:scene3d>
+      <a:camera prst="orthographicFront"/>
+      <a:lightRig rig="threePt" dir="t"/>
+    </dgm:scene3d>
+    <dgm:sp3d/>
+    <dgm:txPr/>
+    <dgm:style>
+      <a:lnRef idx="2">
+        <a:scrgbClr r="0" g="0" b="0"/>
+      </a:lnRef>
+      <a:fillRef idx="1">
+        <a:scrgbClr r="0" g="0" b="0"/>
+      </a:fillRef>
+      <a:effectRef idx="0">
+        <a:scrgbClr r="0" g="0" b="0"/>
+      </a:effectRef>
+      <a:fontRef idx="minor">
+        <a:schemeClr val="lt1"/>
+      </a:fontRef>
+    </dgm:style>
+  </dgm:styleLbl>
+  <dgm:styleLbl name="parChTrans2D2">
+    <dgm:scene3d>
+      <a:camera prst="orthographicFront"/>
+      <a:lightRig rig="threePt" dir="t"/>
+    </dgm:scene3d>
+    <dgm:sp3d/>
+    <dgm:txPr/>
+    <dgm:style>
+      <a:lnRef idx="2">
+        <a:scrgbClr r="0" g="0" b="0"/>
+      </a:lnRef>
+      <a:fillRef idx="1">
+        <a:scrgbClr r="0" g="0" b="0"/>
+      </a:fillRef>
+      <a:effectRef idx="0">
+        <a:scrgbClr r="0" g="0" b="0"/>
+      </a:effectRef>
+      <a:fontRef idx="minor">
+        <a:schemeClr val="lt1"/>
+      </a:fontRef>
+    </dgm:style>
+  </dgm:styleLbl>
+  <dgm:styleLbl name="parChTrans2D3">
+    <dgm:scene3d>
+      <a:camera prst="orthographicFront"/>
+      <a:lightRig rig="threePt" dir="t"/>
+    </dgm:scene3d>
+    <dgm:sp3d/>
+    <dgm:txPr/>
+    <dgm:style>
+      <a:lnRef idx="2">
+        <a:scrgbClr r="0" g="0" b="0"/>
+      </a:lnRef>
+      <a:fillRef idx="1">
+        <a:scrgbClr r="0" g="0" b="0"/>
+      </a:fillRef>
+      <a:effectRef idx="0">
+        <a:scrgbClr r="0" g="0" b="0"/>
+      </a:effectRef>
+      <a:fontRef idx="minor">
+        <a:schemeClr val="lt1"/>
+      </a:fontRef>
+    </dgm:style>
+  </dgm:styleLbl>
+  <dgm:styleLbl name="parChTrans2D4">
+    <dgm:scene3d>
+      <a:camera prst="orthographicFront"/>
+      <a:lightRig rig="threePt" dir="t"/>
+    </dgm:scene3d>
+    <dgm:sp3d/>
+    <dgm:txPr/>
+    <dgm:style>
+      <a:lnRef idx="2">
+        <a:scrgbClr r="0" g="0" b="0"/>
+      </a:lnRef>
+      <a:fillRef idx="1">
+        <a:scrgbClr r="0" g="0" b="0"/>
+      </a:fillRef>
+      <a:effectRef idx="0">
+        <a:scrgbClr r="0" g="0" b="0"/>
+      </a:effectRef>
+      <a:fontRef idx="minor">
+        <a:schemeClr val="lt1"/>
+      </a:fontRef>
+    </dgm:style>
+  </dgm:styleLbl>
+  <dgm:styleLbl name="parChTrans1D1">
+    <dgm:scene3d>
+      <a:camera prst="orthographicFront"/>
+      <a:lightRig rig="threePt" dir="t"/>
+    </dgm:scene3d>
+    <dgm:sp3d/>
+    <dgm:txPr/>
+    <dgm:style>
+      <a:lnRef idx="2">
+        <a:scrgbClr r="0" g="0" b="0"/>
+      </a:lnRef>
+      <a:fillRef idx="0">
+        <a:scrgbClr r="0" g="0" b="0"/>
+      </a:fillRef>
+      <a:effectRef idx="0">
+        <a:scrgbClr r="0" g="0" b="0"/>
+      </a:effectRef>
+      <a:fontRef idx="minor"/>
+    </dgm:style>
+  </dgm:styleLbl>
+  <dgm:styleLbl name="parChTrans1D2">
+    <dgm:scene3d>
+      <a:camera prst="orthographicFront"/>
+      <a:lightRig rig="threePt" dir="t"/>
+    </dgm:scene3d>
+    <dgm:sp3d/>
+    <dgm:txPr/>
+    <dgm:style>
+      <a:lnRef idx="2">
+        <a:scrgbClr r="0" g="0" b="0"/>
+      </a:lnRef>
+      <a:fillRef idx="0">
+        <a:scrgbClr r="0" g="0" b="0"/>
+      </a:fillRef>
+      <a:effectRef idx="0">
+        <a:scrgbClr r="0" g="0" b="0"/>
+      </a:effectRef>
+      <a:fontRef idx="minor"/>
+    </dgm:style>
+  </dgm:styleLbl>
+  <dgm:styleLbl name="parChTrans1D3">
+    <dgm:scene3d>
+      <a:camera prst="orthographicFront"/>
+      <a:lightRig rig="threePt" dir="t"/>
+    </dgm:scene3d>
+    <dgm:sp3d/>
+    <dgm:txPr/>
+    <dgm:style>
+      <a:lnRef idx="2">
+        <a:scrgbClr r="0" g="0" b="0"/>
+      </a:lnRef>
+      <a:fillRef idx="0">
+        <a:scrgbClr r="0" g="0" b="0"/>
+      </a:fillRef>
+      <a:effectRef idx="0">
+        <a:scrgbClr r="0" g="0" b="0"/>
+      </a:effectRef>
+      <a:fontRef idx="minor"/>
+    </dgm:style>
+  </dgm:styleLbl>
+  <dgm:styleLbl name="parChTrans1D4">
+    <dgm:scene3d>
+      <a:camera prst="orthographicFront"/>
+      <a:lightRig rig="threePt" dir="t"/>
+    </dgm:scene3d>
+    <dgm:sp3d/>
+    <dgm:txPr/>
+    <dgm:style>
+      <a:lnRef idx="2">
+        <a:scrgbClr r="0" g="0" b="0"/>
+      </a:lnRef>
+      <a:fillRef idx="0">
+        <a:scrgbClr r="0" g="0" b="0"/>
+      </a:fillRef>
+      <a:effectRef idx="0">
+        <a:scrgbClr r="0" g="0" b="0"/>
+      </a:effectRef>
+      <a:fontRef idx="minor"/>
+    </dgm:style>
+  </dgm:styleLbl>
+  <dgm:styleLbl name="fgAcc1">
+    <dgm:scene3d>
+      <a:camera prst="orthographicFront"/>
+      <a:lightRig rig="threePt" dir="t"/>
+    </dgm:scene3d>
+    <dgm:sp3d/>
+    <dgm:txPr/>
+    <dgm:style>
+      <a:lnRef idx="2">
+        <a:scrgbClr r="0" g="0" b="0"/>
+      </a:lnRef>
+      <a:fillRef idx="1">
+        <a:scrgbClr r="0" g="0" b="0"/>
+      </a:fillRef>
+      <a:effectRef idx="0">
+        <a:scrgbClr r="0" g="0" b="0"/>
+      </a:effectRef>
+      <a:fontRef idx="minor"/>
+    </dgm:style>
+  </dgm:styleLbl>
+  <dgm:styleLbl name="conFgAcc1">
+    <dgm:scene3d>
+      <a:camera prst="orthographicFront"/>
+      <a:lightRig rig="threePt" dir="t"/>
+    </dgm:scene3d>
+    <dgm:sp3d/>
+    <dgm:txPr/>
+    <dgm:style>
+      <a:lnRef idx="2">
+        <a:scrgbClr r="0" g="0" b="0"/>
+      </a:lnRef>
+      <a:fillRef idx="1">
+        <a:scrgbClr r="0" g="0" b="0"/>
+      </a:fillRef>
+      <a:effectRef idx="0">
+        <a:scrgbClr r="0" g="0" b="0"/>
+      </a:effectRef>
+      <a:fontRef idx="minor"/>
+    </dgm:style>
+  </dgm:styleLbl>
+  <dgm:styleLbl name="alignAcc1">
+    <dgm:scene3d>
+      <a:camera prst="orthographicFront"/>
+      <a:lightRig rig="threePt" dir="t"/>
+    </dgm:scene3d>
+    <dgm:sp3d/>
+    <dgm:txPr/>
+    <dgm:style>
+      <a:lnRef idx="2">
+        <a:scrgbClr r="0" g="0" b="0"/>
+      </a:lnRef>
+      <a:fillRef idx="1">
+        <a:scrgbClr r="0" g="0" b="0"/>
+      </a:fillRef>
+      <a:effectRef idx="0">
+        <a:scrgbClr r="0" g="0" b="0"/>
+      </a:effectRef>
+      <a:fontRef idx="minor"/>
+    </dgm:style>
+  </dgm:styleLbl>
+  <dgm:styleLbl name="trAlignAcc1">
+    <dgm:scene3d>
+      <a:camera prst="orthographicFront"/>
+      <a:lightRig rig="threePt" dir="t"/>
+    </dgm:scene3d>
+    <dgm:sp3d/>
+    <dgm:txPr/>
+    <dgm:style>
+      <a:lnRef idx="1">
+        <a:scrgbClr r="0" g="0" b="0"/>
+      </a:lnRef>
+      <a:fillRef idx="1">
+        <a:scrgbClr r="0" g="0" b="0"/>
+      </a:fillRef>
+      <a:effectRef idx="0">
+        <a:scrgbClr r="0" g="0" b="0"/>
+      </a:effectRef>
+      <a:fontRef idx="minor"/>
+    </dgm:style>
+  </dgm:styleLbl>
+  <dgm:styleLbl name="bgAcc1">
+    <dgm:scene3d>
+      <a:camera prst="orthographicFront"/>
+      <a:lightRig rig="threePt" dir="t"/>
+    </dgm:scene3d>
+    <dgm:sp3d/>
+    <dgm:txPr/>
+    <dgm:style>
+      <a:lnRef idx="2">
+        <a:scrgbClr r="0" g="0" b="0"/>
+      </a:lnRef>
+      <a:fillRef idx="1">
+        <a:scrgbClr r="0" g="0" b="0"/>
+      </a:fillRef>
+      <a:effectRef idx="0">
+        <a:scrgbClr r="0" g="0" b="0"/>
+      </a:effectRef>
+      <a:fontRef idx="minor"/>
+    </dgm:style>
+  </dgm:styleLbl>
+  <dgm:styleLbl name="solidFgAcc1">
+    <dgm:scene3d>
+      <a:camera prst="orthographicFront"/>
+      <a:lightRig rig="threePt" dir="t"/>
+    </dgm:scene3d>
+    <dgm:sp3d/>
+    <dgm:txPr/>
+    <dgm:style>
+      <a:lnRef idx="2">
+        <a:scrgbClr r="0" g="0" b="0"/>
+      </a:lnRef>
+      <a:fillRef idx="1">
+        <a:scrgbClr r="0" g="0" b="0"/>
+      </a:fillRef>
+      <a:effectRef idx="0">
+        <a:scrgbClr r="0" g="0" b="0"/>
+      </a:effectRef>
+      <a:fontRef idx="minor"/>
+    </dgm:style>
+  </dgm:styleLbl>
+  <dgm:styleLbl name="solidAlignAcc1">
+    <dgm:scene3d>
+      <a:camera prst="orthographicFront"/>
+      <a:lightRig rig="threePt" dir="t"/>
+    </dgm:scene3d>
+    <dgm:sp3d/>
+    <dgm:txPr/>
+    <dgm:style>
+      <a:lnRef idx="2">
+        <a:scrgbClr r="0" g="0" b="0"/>
+      </a:lnRef>
+      <a:fillRef idx="1">
+        <a:scrgbClr r="0" g="0" b="0"/>
+      </a:fillRef>
+      <a:effectRef idx="0">
+        <a:scrgbClr r="0" g="0" b="0"/>
+      </a:effectRef>
+      <a:fontRef idx="minor"/>
+    </dgm:style>
+  </dgm:styleLbl>
+  <dgm:styleLbl name="solidBgAcc1">
+    <dgm:scene3d>
+      <a:camera prst="orthographicFront"/>
+      <a:lightRig rig="threePt" dir="t"/>
+    </dgm:scene3d>
+    <dgm:sp3d/>
+    <dgm:txPr/>
+    <dgm:style>
+      <a:lnRef idx="2">
+        <a:scrgbClr r="0" g="0" b="0"/>
+      </a:lnRef>
+      <a:fillRef idx="1">
+        <a:scrgbClr r="0" g="0" b="0"/>
+      </a:fillRef>
+      <a:effectRef idx="0">
+        <a:scrgbClr r="0" g="0" b="0"/>
+      </a:effectRef>
+      <a:fontRef idx="minor"/>
+    </dgm:style>
+  </dgm:styleLbl>
+  <dgm:styleLbl name="fgAccFollowNode1">
+    <dgm:scene3d>
+      <a:camera prst="orthographicFront"/>
+      <a:lightRig rig="threePt" dir="t"/>
+    </dgm:scene3d>
+    <dgm:sp3d/>
+    <dgm:txPr/>
+    <dgm:style>
+      <a:lnRef idx="2">
+        <a:scrgbClr r="0" g="0" b="0"/>
+      </a:lnRef>
+      <a:fillRef idx="1">
+        <a:scrgbClr r="0" g="0" b="0"/>
+      </a:fillRef>
+      <a:effectRef idx="0">
+        <a:scrgbClr r="0" g="0" b="0"/>
+      </a:effectRef>
+      <a:fontRef idx="minor"/>
+    </dgm:style>
+  </dgm:styleLbl>
+  <dgm:styleLbl name="alignAccFollowNode1">
+    <dgm:scene3d>
+      <a:camera prst="orthographicFront"/>
+      <a:lightRig rig="threePt" dir="t"/>
+    </dgm:scene3d>
+    <dgm:sp3d/>
+    <dgm:txPr/>
+    <dgm:style>
+      <a:lnRef idx="2">
+        <a:scrgbClr r="0" g="0" b="0"/>
+      </a:lnRef>
+      <a:fillRef idx="1">
+        <a:scrgbClr r="0" g="0" b="0"/>
+      </a:fillRef>
+      <a:effectRef idx="0">
+        <a:scrgbClr r="0" g="0" b="0"/>
+      </a:effectRef>
+      <a:fontRef idx="minor"/>
+    </dgm:style>
+  </dgm:styleLbl>
+  <dgm:styleLbl name="bgAccFollowNode1">
+    <dgm:scene3d>
+      <a:camera prst="orthographicFront"/>
+      <a:lightRig rig="threePt" dir="t"/>
+    </dgm:scene3d>
+    <dgm:sp3d/>
+    <dgm:txPr/>
+    <dgm:style>
+      <a:lnRef idx="2">
+        <a:scrgbClr r="0" g="0" b="0"/>
+      </a:lnRef>
+      <a:fillRef idx="1">
+        <a:scrgbClr r="0" g="0" b="0"/>
+      </a:fillRef>
+      <a:effectRef idx="0">
+        <a:scrgbClr r="0" g="0" b="0"/>
+      </a:effectRef>
+      <a:fontRef idx="minor"/>
+    </dgm:style>
+  </dgm:styleLbl>
+  <dgm:styleLbl name="fgAcc0">
+    <dgm:scene3d>
+      <a:camera prst="orthographicFront"/>
+      <a:lightRig rig="threePt" dir="t"/>
+    </dgm:scene3d>
+    <dgm:sp3d/>
+    <dgm:txPr/>
+    <dgm:style>
+      <a:lnRef idx="2">
+        <a:scrgbClr r="0" g="0" b="0"/>
+      </a:lnRef>
+      <a:fillRef idx="1">
+        <a:scrgbClr r="0" g="0" b="0"/>
+      </a:fillRef>
+      <a:effectRef idx="0">
+        <a:scrgbClr r="0" g="0" b="0"/>
+      </a:effectRef>
+      <a:fontRef idx="minor"/>
+    </dgm:style>
+  </dgm:styleLbl>
+  <dgm:styleLbl name="fgAcc2">
+    <dgm:scene3d>
+      <a:camera prst="orthographicFront"/>
+      <a:lightRig rig="threePt" dir="t"/>
+    </dgm:scene3d>
+    <dgm:sp3d/>
+    <dgm:txPr/>
+    <dgm:style>
+      <a:lnRef idx="2">
+        <a:scrgbClr r="0" g="0" b="0"/>
+      </a:lnRef>
+      <a:fillRef idx="1">
+        <a:scrgbClr r="0" g="0" b="0"/>
+      </a:fillRef>
+      <a:effectRef idx="0">
+        <a:scrgbClr r="0" g="0" b="0"/>
+      </a:effectRef>
+      <a:fontRef idx="minor"/>
+    </dgm:style>
+  </dgm:styleLbl>
+  <dgm:styleLbl name="fgAcc3">
+    <dgm:scene3d>
+      <a:camera prst="orthographicFront"/>
+      <a:lightRig rig="threePt" dir="t"/>
+    </dgm:scene3d>
+    <dgm:sp3d/>
+    <dgm:txPr/>
+    <dgm:style>
+      <a:lnRef idx="2">
+        <a:scrgbClr r="0" g="0" b="0"/>
+      </a:lnRef>
+      <a:fillRef idx="1">
+        <a:scrgbClr r="0" g="0" b="0"/>
+      </a:fillRef>
+      <a:effectRef idx="0">
+        <a:scrgbClr r="0" g="0" b="0"/>
+      </a:effectRef>
+      <a:fontRef idx="minor"/>
+    </dgm:style>
+  </dgm:styleLbl>
+  <dgm:styleLbl name="fgAcc4">
+    <dgm:scene3d>
+      <a:camera prst="orthographicFront"/>
+      <a:lightRig rig="threePt" dir="t"/>
+    </dgm:scene3d>
+    <dgm:sp3d/>
+    <dgm:txPr/>
+    <dgm:style>
+      <a:lnRef idx="2">
+        <a:scrgbClr r="0" g="0" b="0"/>
+      </a:lnRef>
+      <a:fillRef idx="1">
+        <a:scrgbClr r="0" g="0" b="0"/>
+      </a:fillRef>
+      <a:effectRef idx="0">
+        <a:scrgbClr r="0" g="0" b="0"/>
+      </a:effectRef>
+      <a:fontRef idx="minor"/>
+    </dgm:style>
+  </dgm:styleLbl>
+  <dgm:styleLbl name="bgShp">
+    <dgm:scene3d>
+      <a:camera prst="orthographicFront"/>
+      <a:lightRig rig="threePt" dir="t"/>
+    </dgm:scene3d>
+    <dgm:sp3d/>
+    <dgm:txPr/>
+    <dgm:style>
+      <a:lnRef idx="0">
+        <a:scrgbClr r="0" g="0" b="0"/>
+      </a:lnRef>
+      <a:fillRef idx="1">
+        <a:scrgbClr r="0" g="0" b="0"/>
+      </a:fillRef>
+      <a:effectRef idx="0">
+        <a:scrgbClr r="0" g="0" b="0"/>
+      </a:effectRef>
+      <a:fontRef idx="minor"/>
+    </dgm:style>
+  </dgm:styleLbl>
+  <dgm:styleLbl name="dkBgShp">
+    <dgm:scene3d>
+      <a:camera prst="orthographicFront"/>
+      <a:lightRig rig="threePt" dir="t"/>
+    </dgm:scene3d>
+    <dgm:sp3d/>
+    <dgm:txPr/>
+    <dgm:style>
+      <a:lnRef idx="0">
+        <a:scrgbClr r="0" g="0" b="0"/>
+      </a:lnRef>
+      <a:fillRef idx="1">
+        <a:scrgbClr r="0" g="0" b="0"/>
+      </a:fillRef>
+      <a:effectRef idx="0">
+        <a:scrgbClr r="0" g="0" b="0"/>
+      </a:effectRef>
+      <a:fontRef idx="minor"/>
+    </dgm:style>
+  </dgm:styleLbl>
+  <dgm:styleLbl name="trBgShp">
+    <dgm:scene3d>
+      <a:camera prst="orthographicFront"/>
+      <a:lightRig rig="threePt" dir="t"/>
+    </dgm:scene3d>
+    <dgm:sp3d/>
+    <dgm:txPr/>
+    <dgm:style>
+      <a:lnRef idx="0">
+        <a:scrgbClr r="0" g="0" b="0"/>
+      </a:lnRef>
+      <a:fillRef idx="1">
+        <a:scrgbClr r="0" g="0" b="0"/>
+      </a:fillRef>
+      <a:effectRef idx="0">
+        <a:scrgbClr r="0" g="0" b="0"/>
+      </a:effectRef>
+      <a:fontRef idx="minor"/>
+    </dgm:style>
+  </dgm:styleLbl>
+  <dgm:styleLbl name="fgShp">
+    <dgm:scene3d>
+      <a:camera prst="orthographicFront"/>
+      <a:lightRig rig="threePt" dir="t"/>
+    </dgm:scene3d>
+    <dgm:sp3d/>
+    <dgm:txPr/>
+    <dgm:style>
+      <a:lnRef idx="2">
+        <a:scrgbClr r="0" g="0" b="0"/>
+      </a:lnRef>
+      <a:fillRef idx="1">
+        <a:scrgbClr r="0" g="0" b="0"/>
+      </a:fillRef>
+      <a:effectRef idx="0">
+        <a:scrgbClr r="0" g="0" b="0"/>
+      </a:effectRef>
+      <a:fontRef idx="minor"/>
+    </dgm:style>
+  </dgm:styleLbl>
+  <dgm:styleLbl name="revTx">
+    <dgm:scene3d>
+      <a:camera prst="orthographicFront"/>
+      <a:lightRig rig="threePt" dir="t"/>
+    </dgm:scene3d>
+    <dgm:sp3d/>
+    <dgm:txPr/>
+    <dgm:style>
+      <a:lnRef idx="0">
+        <a:scrgbClr r="0" g="0" b="0"/>
+      </a:lnRef>
+      <a:fillRef idx="0">
+        <a:scrgbClr r="0" g="0" b="0"/>
+      </a:fillRef>
+      <a:effectRef idx="0">
+        <a:scrgbClr r="0" g="0" b="0"/>
+      </a:effectRef>
+      <a:fontRef idx="minor"/>
+    </dgm:style>
+  </dgm:styleLbl>
+</dgm:styleDef>
+</file>
+
 <file path=ppt/handoutMasters/handoutMaster1.xml><?xml version="1.0" encoding="utf-8"?>
 <p:handoutMaster xmlns:a="http://schemas.openxmlformats.org/drawingml/2006/main" xmlns:r="http://schemas.openxmlformats.org/officeDocument/2006/relationships" xmlns:p="http://schemas.openxmlformats.org/presentationml/2006/main">
   <p:cSld>
@@ -412,7 +3515,7 @@
           <a:p>
             <a:fld id="{B5D7A87D-1CDA-443F-BAE3-82C9C05446C3}" type="datetimeFigureOut">
               <a:rPr lang="en-CA" smtClean="0"/>
-              <a:t>2023-09-11</a:t>
+              <a:t>2023-09-13</a:t>
             </a:fld>
             <a:endParaRPr lang="en-CA"/>
           </a:p>
@@ -724,7 +3827,7 @@
           <a:p>
             <a:r>
               <a:rPr lang="en-US" dirty="0"/>
-              <a:t>Jeroen</a:t>
+              <a:t>Gerard</a:t>
             </a:r>
             <a:endParaRPr lang="nl-NL" dirty="0"/>
           </a:p>
@@ -819,7 +3922,7 @@
           <a:p>
             <a:r>
               <a:rPr lang="en-CA" dirty="0"/>
-              <a:t>Jeroen</a:t>
+              <a:t>Gerard</a:t>
             </a:r>
           </a:p>
         </p:txBody>
@@ -1102,12 +4205,8 @@
           <a:lstStyle/>
           <a:p>
             <a:r>
-              <a:rPr lang="en-CA" dirty="0" err="1"/>
-              <a:t>Deelnemers</a:t>
-            </a:r>
-            <a:r>
               <a:rPr lang="en-CA" dirty="0"/>
-              <a:t>:</a:t>
+              <a:t>Brendan: Java</a:t>
             </a:r>
           </a:p>
         </p:txBody>
@@ -1175,12 +4274,7 @@
             <p:ph type="sldImg"/>
           </p:nvPr>
         </p:nvSpPr>
-        <p:spPr>
-          <a:xfrm>
-            <a:off x="381000" y="685800"/>
-            <a:ext cx="6096000" cy="3429000"/>
-          </a:xfrm>
-        </p:spPr>
+        <p:spPr/>
       </p:sp>
       <p:sp>
         <p:nvSpPr>
@@ -1190,30 +4284,6 @@
           </p:cNvSpPr>
           <p:nvPr>
             <p:ph type="body" idx="1"/>
-          </p:nvPr>
-        </p:nvSpPr>
-        <p:spPr/>
-        <p:txBody>
-          <a:bodyPr>
-            <a:normAutofit/>
-          </a:bodyPr>
-          <a:lstStyle/>
-          <a:p>
-            <a:r>
-              <a:rPr lang="en-CA" dirty="0"/>
-              <a:t>Brendan: Java</a:t>
-            </a:r>
-          </a:p>
-        </p:txBody>
-      </p:sp>
-      <p:sp>
-        <p:nvSpPr>
-          <p:cNvPr id="4" name="Slide Number Placeholder 3"/>
-          <p:cNvSpPr>
-            <a:spLocks noGrp="1"/>
-          </p:cNvSpPr>
-          <p:nvPr>
-            <p:ph type="sldNum" sz="quarter" idx="10"/>
           </p:nvPr>
         </p:nvSpPr>
         <p:spPr/>
@@ -1221,9 +4291,28 @@
           <a:bodyPr/>
           <a:lstStyle/>
           <a:p>
+            <a:endParaRPr lang="nl-NL" dirty="0"/>
+          </a:p>
+        </p:txBody>
+      </p:sp>
+      <p:sp>
+        <p:nvSpPr>
+          <p:cNvPr id="4" name="Slide Number Placeholder 3"/>
+          <p:cNvSpPr>
+            <a:spLocks noGrp="1"/>
+          </p:cNvSpPr>
+          <p:nvPr>
+            <p:ph type="sldNum" sz="quarter" idx="5"/>
+          </p:nvPr>
+        </p:nvSpPr>
+        <p:spPr/>
+        <p:txBody>
+          <a:bodyPr/>
+          <a:lstStyle/>
+          <a:p>
             <a:fld id="{20B9C825-F38E-45BB-92C1-043DE61C9183}" type="slidenum">
               <a:rPr lang="en-CA" smtClean="0"/>
-              <a:t>18</a:t>
+              <a:t>23</a:t>
             </a:fld>
             <a:endParaRPr lang="en-CA"/>
           </a:p>
@@ -1232,7 +4321,7 @@
     </p:spTree>
     <p:extLst>
       <p:ext uri="{BB962C8B-B14F-4D97-AF65-F5344CB8AC3E}">
-        <p14:creationId xmlns:p14="http://schemas.microsoft.com/office/powerpoint/2010/main" val="3186997134"/>
+        <p14:creationId xmlns:p14="http://schemas.microsoft.com/office/powerpoint/2010/main" val="2091959062"/>
       </p:ext>
     </p:extLst>
   </p:cSld>
@@ -1269,24 +4358,34 @@
             <p:ph type="sldImg"/>
           </p:nvPr>
         </p:nvSpPr>
+        <p:spPr>
+          <a:xfrm>
+            <a:off x="381000" y="685800"/>
+            <a:ext cx="6096000" cy="3429000"/>
+          </a:xfrm>
+        </p:spPr>
+      </p:sp>
+      <p:sp>
+        <p:nvSpPr>
+          <p:cNvPr id="3" name="Notes Placeholder 2"/>
+          <p:cNvSpPr>
+            <a:spLocks noGrp="1"/>
+          </p:cNvSpPr>
+          <p:nvPr>
+            <p:ph type="body" idx="1"/>
+          </p:nvPr>
+        </p:nvSpPr>
         <p:spPr/>
-      </p:sp>
-      <p:sp>
-        <p:nvSpPr>
-          <p:cNvPr id="3" name="Notes Placeholder 2"/>
-          <p:cNvSpPr>
-            <a:spLocks noGrp="1"/>
-          </p:cNvSpPr>
-          <p:nvPr>
-            <p:ph type="body" idx="1"/>
-          </p:nvPr>
-        </p:nvSpPr>
-        <p:spPr/>
-        <p:txBody>
-          <a:bodyPr/>
+        <p:txBody>
+          <a:bodyPr>
+            <a:normAutofit/>
+          </a:bodyPr>
           <a:lstStyle/>
           <a:p>
-            <a:endParaRPr lang="nl-NL" dirty="0"/>
+            <a:r>
+              <a:rPr lang="en-CA" dirty="0"/>
+              <a:t>Brendan</a:t>
+            </a:r>
           </a:p>
         </p:txBody>
       </p:sp>
@@ -1297,7 +4396,7 @@
             <a:spLocks noGrp="1"/>
           </p:cNvSpPr>
           <p:nvPr>
-            <p:ph type="sldNum" sz="quarter" idx="5"/>
+            <p:ph type="sldNum" sz="quarter" idx="10"/>
           </p:nvPr>
         </p:nvSpPr>
         <p:spPr/>
@@ -1316,7 +4415,7 @@
     </p:spTree>
     <p:extLst>
       <p:ext uri="{BB962C8B-B14F-4D97-AF65-F5344CB8AC3E}">
-        <p14:creationId xmlns:p14="http://schemas.microsoft.com/office/powerpoint/2010/main" val="2091959062"/>
+        <p14:creationId xmlns:p14="http://schemas.microsoft.com/office/powerpoint/2010/main" val="2911968208"/>
       </p:ext>
     </p:extLst>
   </p:cSld>
@@ -1400,7 +4499,7 @@
     </p:spTree>
     <p:extLst>
       <p:ext uri="{BB962C8B-B14F-4D97-AF65-F5344CB8AC3E}">
-        <p14:creationId xmlns:p14="http://schemas.microsoft.com/office/powerpoint/2010/main" val="518383385"/>
+        <p14:creationId xmlns:p14="http://schemas.microsoft.com/office/powerpoint/2010/main" val="83940190"/>
       </p:ext>
     </p:extLst>
   </p:cSld>
@@ -1498,7 +4597,7 @@
     </p:spTree>
     <p:extLst>
       <p:ext uri="{BB962C8B-B14F-4D97-AF65-F5344CB8AC3E}">
-        <p14:creationId xmlns:p14="http://schemas.microsoft.com/office/powerpoint/2010/main" val="2735406269"/>
+        <p14:creationId xmlns:p14="http://schemas.microsoft.com/office/powerpoint/2010/main" val="1707665488"/>
       </p:ext>
     </p:extLst>
   </p:cSld>
@@ -1535,12 +4634,7 @@
             <p:ph type="sldImg"/>
           </p:nvPr>
         </p:nvSpPr>
-        <p:spPr>
-          <a:xfrm>
-            <a:off x="381000" y="685800"/>
-            <a:ext cx="6096000" cy="3429000"/>
-          </a:xfrm>
-        </p:spPr>
+        <p:spPr/>
       </p:sp>
       <p:sp>
         <p:nvSpPr>
@@ -1554,14 +4648,18 @@
         </p:nvSpPr>
         <p:spPr/>
         <p:txBody>
-          <a:bodyPr>
-            <a:normAutofit/>
-          </a:bodyPr>
+          <a:bodyPr/>
           <a:lstStyle/>
           <a:p>
             <a:r>
-              <a:rPr lang="en-CA" dirty="0"/>
-              <a:t>Brendan</a:t>
+              <a:rPr lang="en-GB" dirty="0"/>
+              <a:t>We used a docker compose file to have a scripted version of all the various docker commands we had to run manually before</a:t>
+            </a:r>
+          </a:p>
+          <a:p>
+            <a:r>
+              <a:rPr lang="en-GB" dirty="0"/>
+              <a:t>Using a docker compose file we can have an easier time reproducing between systems without risking making copy paste mistakes.</a:t>
             </a:r>
           </a:p>
         </p:txBody>
@@ -1573,7 +4671,7 @@
             <a:spLocks noGrp="1"/>
           </p:cNvSpPr>
           <p:nvPr>
-            <p:ph type="sldNum" sz="quarter" idx="10"/>
+            <p:ph type="sldNum" sz="quarter" idx="5"/>
           </p:nvPr>
         </p:nvSpPr>
         <p:spPr/>
@@ -1592,7 +4690,7 @@
     </p:spTree>
     <p:extLst>
       <p:ext uri="{BB962C8B-B14F-4D97-AF65-F5344CB8AC3E}">
-        <p14:creationId xmlns:p14="http://schemas.microsoft.com/office/powerpoint/2010/main" val="2911968208"/>
+        <p14:creationId xmlns:p14="http://schemas.microsoft.com/office/powerpoint/2010/main" val="1143616676"/>
       </p:ext>
     </p:extLst>
   </p:cSld>
@@ -1646,7 +4744,10 @@
           <a:bodyPr/>
           <a:lstStyle/>
           <a:p>
-            <a:endParaRPr lang="nl-NL" dirty="0"/>
+            <a:r>
+              <a:rPr lang="en-GB" dirty="0"/>
+              <a:t>The docker image we build was spawned into 3 separate instances of the container</a:t>
+            </a:r>
           </a:p>
         </p:txBody>
       </p:sp>
@@ -1676,7 +4777,7 @@
     </p:spTree>
     <p:extLst>
       <p:ext uri="{BB962C8B-B14F-4D97-AF65-F5344CB8AC3E}">
-        <p14:creationId xmlns:p14="http://schemas.microsoft.com/office/powerpoint/2010/main" val="83940190"/>
+        <p14:creationId xmlns:p14="http://schemas.microsoft.com/office/powerpoint/2010/main" val="521809248"/>
       </p:ext>
     </p:extLst>
   </p:cSld>
@@ -1800,12 +4901,7 @@
             <p:ph type="sldImg"/>
           </p:nvPr>
         </p:nvSpPr>
-        <p:spPr>
-          <a:xfrm>
-            <a:off x="381000" y="685800"/>
-            <a:ext cx="6096000" cy="3429000"/>
-          </a:xfrm>
-        </p:spPr>
+        <p:spPr/>
       </p:sp>
       <p:sp>
         <p:nvSpPr>
@@ -1819,18 +4915,12 @@
         </p:nvSpPr>
         <p:spPr/>
         <p:txBody>
-          <a:bodyPr>
-            <a:normAutofit/>
-          </a:bodyPr>
+          <a:bodyPr/>
           <a:lstStyle/>
           <a:p>
             <a:r>
-              <a:rPr lang="en-CA" dirty="0" err="1"/>
-              <a:t>Deelnemers</a:t>
-            </a:r>
-            <a:r>
-              <a:rPr lang="en-CA" dirty="0"/>
-              <a:t>:</a:t>
+              <a:rPr lang="en-GB" dirty="0"/>
+              <a:t>Putting it all together</a:t>
             </a:r>
           </a:p>
         </p:txBody>
@@ -1842,7 +4932,7 @@
             <a:spLocks noGrp="1"/>
           </p:cNvSpPr>
           <p:nvPr>
-            <p:ph type="sldNum" sz="quarter" idx="10"/>
+            <p:ph type="sldNum" sz="quarter" idx="5"/>
           </p:nvPr>
         </p:nvSpPr>
         <p:spPr/>
@@ -1861,7 +4951,7 @@
     </p:spTree>
     <p:extLst>
       <p:ext uri="{BB962C8B-B14F-4D97-AF65-F5344CB8AC3E}">
-        <p14:creationId xmlns:p14="http://schemas.microsoft.com/office/powerpoint/2010/main" val="1707665488"/>
+        <p14:creationId xmlns:p14="http://schemas.microsoft.com/office/powerpoint/2010/main" val="1939720141"/>
       </p:ext>
     </p:extLst>
   </p:cSld>
@@ -1898,32 +4988,33 @@
             <p:ph type="sldImg"/>
           </p:nvPr>
         </p:nvSpPr>
+        <p:spPr>
+          <a:xfrm>
+            <a:off x="381000" y="685800"/>
+            <a:ext cx="6096000" cy="3429000"/>
+          </a:xfrm>
+        </p:spPr>
+      </p:sp>
+      <p:sp>
+        <p:nvSpPr>
+          <p:cNvPr id="3" name="Notes Placeholder 2"/>
+          <p:cNvSpPr>
+            <a:spLocks noGrp="1"/>
+          </p:cNvSpPr>
+          <p:nvPr>
+            <p:ph type="body" idx="1"/>
+          </p:nvPr>
+        </p:nvSpPr>
         <p:spPr/>
-      </p:sp>
-      <p:sp>
-        <p:nvSpPr>
-          <p:cNvPr id="3" name="Notes Placeholder 2"/>
-          <p:cNvSpPr>
-            <a:spLocks noGrp="1"/>
-          </p:cNvSpPr>
-          <p:nvPr>
-            <p:ph type="body" idx="1"/>
-          </p:nvPr>
-        </p:nvSpPr>
-        <p:spPr/>
-        <p:txBody>
-          <a:bodyPr/>
+        <p:txBody>
+          <a:bodyPr>
+            <a:normAutofit/>
+          </a:bodyPr>
           <a:lstStyle/>
           <a:p>
             <a:r>
-              <a:rPr lang="en-GB" dirty="0"/>
-              <a:t>We used a docker compose file to have a scripted version of all the various docker commands we had to run manually before</a:t>
-            </a:r>
-          </a:p>
-          <a:p>
-            <a:r>
-              <a:rPr lang="en-GB" dirty="0"/>
-              <a:t>Using a docker compose file we can have an easier time reproducing between systems without risking making copy paste mistakes.</a:t>
+              <a:rPr lang="en-CA" dirty="0"/>
+              <a:t>Brendan</a:t>
             </a:r>
           </a:p>
         </p:txBody>
@@ -1935,7 +5026,7 @@
             <a:spLocks noGrp="1"/>
           </p:cNvSpPr>
           <p:nvPr>
-            <p:ph type="sldNum" sz="quarter" idx="5"/>
+            <p:ph type="sldNum" sz="quarter" idx="10"/>
           </p:nvPr>
         </p:nvSpPr>
         <p:spPr/>
@@ -1954,7 +5045,7 @@
     </p:spTree>
     <p:extLst>
       <p:ext uri="{BB962C8B-B14F-4D97-AF65-F5344CB8AC3E}">
-        <p14:creationId xmlns:p14="http://schemas.microsoft.com/office/powerpoint/2010/main" val="1143616676"/>
+        <p14:creationId xmlns:p14="http://schemas.microsoft.com/office/powerpoint/2010/main" val="3947745790"/>
       </p:ext>
     </p:extLst>
   </p:cSld>
@@ -2008,10 +5099,7 @@
           <a:bodyPr/>
           <a:lstStyle/>
           <a:p>
-            <a:r>
-              <a:rPr lang="en-GB" dirty="0"/>
-              <a:t>The docker image we build was spawned into 3 separate instances of the container</a:t>
-            </a:r>
+            <a:endParaRPr lang="nl-NL" dirty="0"/>
           </a:p>
         </p:txBody>
       </p:sp>
@@ -2041,7 +5129,7 @@
     </p:spTree>
     <p:extLst>
       <p:ext uri="{BB962C8B-B14F-4D97-AF65-F5344CB8AC3E}">
-        <p14:creationId xmlns:p14="http://schemas.microsoft.com/office/powerpoint/2010/main" val="521809248"/>
+        <p14:creationId xmlns:p14="http://schemas.microsoft.com/office/powerpoint/2010/main" val="2884702933"/>
       </p:ext>
     </p:extLst>
   </p:cSld>
@@ -2078,93 +5166,6 @@
             <p:ph type="sldImg"/>
           </p:nvPr>
         </p:nvSpPr>
-        <p:spPr/>
-      </p:sp>
-      <p:sp>
-        <p:nvSpPr>
-          <p:cNvPr id="3" name="Notes Placeholder 2"/>
-          <p:cNvSpPr>
-            <a:spLocks noGrp="1"/>
-          </p:cNvSpPr>
-          <p:nvPr>
-            <p:ph type="body" idx="1"/>
-          </p:nvPr>
-        </p:nvSpPr>
-        <p:spPr/>
-        <p:txBody>
-          <a:bodyPr/>
-          <a:lstStyle/>
-          <a:p>
-            <a:r>
-              <a:rPr lang="en-GB" dirty="0"/>
-              <a:t>Putting it all together</a:t>
-            </a:r>
-          </a:p>
-        </p:txBody>
-      </p:sp>
-      <p:sp>
-        <p:nvSpPr>
-          <p:cNvPr id="4" name="Slide Number Placeholder 3"/>
-          <p:cNvSpPr>
-            <a:spLocks noGrp="1"/>
-          </p:cNvSpPr>
-          <p:nvPr>
-            <p:ph type="sldNum" sz="quarter" idx="5"/>
-          </p:nvPr>
-        </p:nvSpPr>
-        <p:spPr/>
-        <p:txBody>
-          <a:bodyPr/>
-          <a:lstStyle/>
-          <a:p>
-            <a:fld id="{20B9C825-F38E-45BB-92C1-043DE61C9183}" type="slidenum">
-              <a:rPr lang="en-CA" smtClean="0"/>
-              <a:t>32</a:t>
-            </a:fld>
-            <a:endParaRPr lang="en-CA"/>
-          </a:p>
-        </p:txBody>
-      </p:sp>
-    </p:spTree>
-    <p:extLst>
-      <p:ext uri="{BB962C8B-B14F-4D97-AF65-F5344CB8AC3E}">
-        <p14:creationId xmlns:p14="http://schemas.microsoft.com/office/powerpoint/2010/main" val="1939720141"/>
-      </p:ext>
-    </p:extLst>
-  </p:cSld>
-  <p:clrMapOvr>
-    <a:masterClrMapping/>
-  </p:clrMapOvr>
-</p:notes>
-</file>
-
-<file path=ppt/notesSlides/notesSlide24.xml><?xml version="1.0" encoding="utf-8"?>
-<p:notes xmlns:a="http://schemas.openxmlformats.org/drawingml/2006/main" xmlns:r="http://schemas.openxmlformats.org/officeDocument/2006/relationships" xmlns:p="http://schemas.openxmlformats.org/presentationml/2006/main">
-  <p:cSld>
-    <p:spTree>
-      <p:nvGrpSpPr>
-        <p:cNvPr id="1" name=""/>
-        <p:cNvGrpSpPr/>
-        <p:nvPr/>
-      </p:nvGrpSpPr>
-      <p:grpSpPr>
-        <a:xfrm>
-          <a:off x="0" y="0"/>
-          <a:ext cx="0" cy="0"/>
-          <a:chOff x="0" y="0"/>
-          <a:chExt cx="0" cy="0"/>
-        </a:xfrm>
-      </p:grpSpPr>
-      <p:sp>
-        <p:nvSpPr>
-          <p:cNvPr id="2" name="Slide Image Placeholder 1"/>
-          <p:cNvSpPr>
-            <a:spLocks noGrp="1" noRot="1" noChangeAspect="1"/>
-          </p:cNvSpPr>
-          <p:nvPr>
-            <p:ph type="sldImg"/>
-          </p:nvPr>
-        </p:nvSpPr>
         <p:spPr>
           <a:xfrm>
             <a:off x="381000" y="685800"/>
@@ -2190,8 +5191,12 @@
           <a:lstStyle/>
           <a:p>
             <a:r>
+              <a:rPr lang="en-CA" dirty="0" err="1"/>
+              <a:t>Deelnemers</a:t>
+            </a:r>
+            <a:r>
               <a:rPr lang="en-CA" dirty="0"/>
-              <a:t>Brendan</a:t>
+              <a:t>:</a:t>
             </a:r>
           </a:p>
         </p:txBody>
@@ -2213,189 +5218,7 @@
           <a:p>
             <a:fld id="{20B9C825-F38E-45BB-92C1-043DE61C9183}" type="slidenum">
               <a:rPr lang="en-CA" smtClean="0"/>
-              <a:t>33</a:t>
-            </a:fld>
-            <a:endParaRPr lang="en-CA"/>
-          </a:p>
-        </p:txBody>
-      </p:sp>
-    </p:spTree>
-    <p:extLst>
-      <p:ext uri="{BB962C8B-B14F-4D97-AF65-F5344CB8AC3E}">
-        <p14:creationId xmlns:p14="http://schemas.microsoft.com/office/powerpoint/2010/main" val="3947745790"/>
-      </p:ext>
-    </p:extLst>
-  </p:cSld>
-  <p:clrMapOvr>
-    <a:masterClrMapping/>
-  </p:clrMapOvr>
-</p:notes>
-</file>
-
-<file path=ppt/notesSlides/notesSlide25.xml><?xml version="1.0" encoding="utf-8"?>
-<p:notes xmlns:a="http://schemas.openxmlformats.org/drawingml/2006/main" xmlns:r="http://schemas.openxmlformats.org/officeDocument/2006/relationships" xmlns:p="http://schemas.openxmlformats.org/presentationml/2006/main">
-  <p:cSld>
-    <p:spTree>
-      <p:nvGrpSpPr>
-        <p:cNvPr id="1" name=""/>
-        <p:cNvGrpSpPr/>
-        <p:nvPr/>
-      </p:nvGrpSpPr>
-      <p:grpSpPr>
-        <a:xfrm>
-          <a:off x="0" y="0"/>
-          <a:ext cx="0" cy="0"/>
-          <a:chOff x="0" y="0"/>
-          <a:chExt cx="0" cy="0"/>
-        </a:xfrm>
-      </p:grpSpPr>
-      <p:sp>
-        <p:nvSpPr>
-          <p:cNvPr id="2" name="Slide Image Placeholder 1"/>
-          <p:cNvSpPr>
-            <a:spLocks noGrp="1" noRot="1" noChangeAspect="1"/>
-          </p:cNvSpPr>
-          <p:nvPr>
-            <p:ph type="sldImg"/>
-          </p:nvPr>
-        </p:nvSpPr>
-        <p:spPr/>
-      </p:sp>
-      <p:sp>
-        <p:nvSpPr>
-          <p:cNvPr id="3" name="Notes Placeholder 2"/>
-          <p:cNvSpPr>
-            <a:spLocks noGrp="1"/>
-          </p:cNvSpPr>
-          <p:nvPr>
-            <p:ph type="body" idx="1"/>
-          </p:nvPr>
-        </p:nvSpPr>
-        <p:spPr/>
-        <p:txBody>
-          <a:bodyPr/>
-          <a:lstStyle/>
-          <a:p>
-            <a:endParaRPr lang="nl-NL" dirty="0"/>
-          </a:p>
-        </p:txBody>
-      </p:sp>
-      <p:sp>
-        <p:nvSpPr>
-          <p:cNvPr id="4" name="Slide Number Placeholder 3"/>
-          <p:cNvSpPr>
-            <a:spLocks noGrp="1"/>
-          </p:cNvSpPr>
-          <p:nvPr>
-            <p:ph type="sldNum" sz="quarter" idx="5"/>
-          </p:nvPr>
-        </p:nvSpPr>
-        <p:spPr/>
-        <p:txBody>
-          <a:bodyPr/>
-          <a:lstStyle/>
-          <a:p>
-            <a:fld id="{20B9C825-F38E-45BB-92C1-043DE61C9183}" type="slidenum">
-              <a:rPr lang="en-CA" smtClean="0"/>
-              <a:t>34</a:t>
-            </a:fld>
-            <a:endParaRPr lang="en-CA"/>
-          </a:p>
-        </p:txBody>
-      </p:sp>
-    </p:spTree>
-    <p:extLst>
-      <p:ext uri="{BB962C8B-B14F-4D97-AF65-F5344CB8AC3E}">
-        <p14:creationId xmlns:p14="http://schemas.microsoft.com/office/powerpoint/2010/main" val="2884702933"/>
-      </p:ext>
-    </p:extLst>
-  </p:cSld>
-  <p:clrMapOvr>
-    <a:masterClrMapping/>
-  </p:clrMapOvr>
-</p:notes>
-</file>
-
-<file path=ppt/notesSlides/notesSlide26.xml><?xml version="1.0" encoding="utf-8"?>
-<p:notes xmlns:a="http://schemas.openxmlformats.org/drawingml/2006/main" xmlns:r="http://schemas.openxmlformats.org/officeDocument/2006/relationships" xmlns:p="http://schemas.openxmlformats.org/presentationml/2006/main">
-  <p:cSld>
-    <p:spTree>
-      <p:nvGrpSpPr>
-        <p:cNvPr id="1" name=""/>
-        <p:cNvGrpSpPr/>
-        <p:nvPr/>
-      </p:nvGrpSpPr>
-      <p:grpSpPr>
-        <a:xfrm>
-          <a:off x="0" y="0"/>
-          <a:ext cx="0" cy="0"/>
-          <a:chOff x="0" y="0"/>
-          <a:chExt cx="0" cy="0"/>
-        </a:xfrm>
-      </p:grpSpPr>
-      <p:sp>
-        <p:nvSpPr>
-          <p:cNvPr id="2" name="Slide Image Placeholder 1"/>
-          <p:cNvSpPr>
-            <a:spLocks noGrp="1" noRot="1" noChangeAspect="1"/>
-          </p:cNvSpPr>
-          <p:nvPr>
-            <p:ph type="sldImg"/>
-          </p:nvPr>
-        </p:nvSpPr>
-        <p:spPr>
-          <a:xfrm>
-            <a:off x="381000" y="685800"/>
-            <a:ext cx="6096000" cy="3429000"/>
-          </a:xfrm>
-        </p:spPr>
-      </p:sp>
-      <p:sp>
-        <p:nvSpPr>
-          <p:cNvPr id="3" name="Notes Placeholder 2"/>
-          <p:cNvSpPr>
-            <a:spLocks noGrp="1"/>
-          </p:cNvSpPr>
-          <p:nvPr>
-            <p:ph type="body" idx="1"/>
-          </p:nvPr>
-        </p:nvSpPr>
-        <p:spPr/>
-        <p:txBody>
-          <a:bodyPr>
-            <a:normAutofit/>
-          </a:bodyPr>
-          <a:lstStyle/>
-          <a:p>
-            <a:r>
-              <a:rPr lang="en-CA" dirty="0" err="1"/>
-              <a:t>Deelnemers</a:t>
-            </a:r>
-            <a:r>
-              <a:rPr lang="en-CA" dirty="0"/>
-              <a:t>:</a:t>
-            </a:r>
-          </a:p>
-        </p:txBody>
-      </p:sp>
-      <p:sp>
-        <p:nvSpPr>
-          <p:cNvPr id="4" name="Slide Number Placeholder 3"/>
-          <p:cNvSpPr>
-            <a:spLocks noGrp="1"/>
-          </p:cNvSpPr>
-          <p:nvPr>
-            <p:ph type="sldNum" sz="quarter" idx="10"/>
-          </p:nvPr>
-        </p:nvSpPr>
-        <p:spPr/>
-        <p:txBody>
-          <a:bodyPr/>
-          <a:lstStyle/>
-          <a:p>
-            <a:fld id="{20B9C825-F38E-45BB-92C1-043DE61C9183}" type="slidenum">
-              <a:rPr lang="en-CA" smtClean="0"/>
-              <a:t>35</a:t>
+              <a:t>32</a:t>
             </a:fld>
             <a:endParaRPr lang="en-CA"/>
           </a:p>
@@ -29529,9 +32352,16 @@
             <p:ph type="title"/>
           </p:nvPr>
         </p:nvSpPr>
-        <p:spPr/>
-        <p:txBody>
-          <a:bodyPr/>
+        <p:spPr>
+          <a:xfrm>
+            <a:off x="766763" y="684000"/>
+            <a:ext cx="10658475" cy="541112"/>
+          </a:xfrm>
+        </p:spPr>
+        <p:txBody>
+          <a:bodyPr anchor="t">
+            <a:normAutofit/>
+          </a:bodyPr>
           <a:lstStyle/>
           <a:p>
             <a:r>
@@ -29547,265 +32377,81 @@
       </p:sp>
       <p:sp>
         <p:nvSpPr>
-          <p:cNvPr id="3" name="Content Placeholder 2">
-            <a:extLst>
-              <a:ext uri="{FF2B5EF4-FFF2-40B4-BE49-F238E27FC236}">
-                <a16:creationId xmlns:a16="http://schemas.microsoft.com/office/drawing/2014/main" id="{924D5ECF-0D33-4D03-9646-FE69E47A20AF}"/>
-              </a:ext>
-            </a:extLst>
-          </p:cNvPr>
-          <p:cNvSpPr>
-            <a:spLocks noGrp="1"/>
-          </p:cNvSpPr>
-          <p:nvPr>
-            <p:ph sz="quarter" idx="17"/>
-          </p:nvPr>
-        </p:nvSpPr>
-        <p:spPr/>
-        <p:txBody>
-          <a:bodyPr/>
+          <p:cNvPr id="4" name="Slide Number Placeholder 3">
+            <a:extLst>
+              <a:ext uri="{FF2B5EF4-FFF2-40B4-BE49-F238E27FC236}">
+                <a16:creationId xmlns:a16="http://schemas.microsoft.com/office/drawing/2014/main" id="{942EDA24-9A2D-4314-B8D8-DB06F6DA18D8}"/>
+              </a:ext>
+            </a:extLst>
+          </p:cNvPr>
+          <p:cNvSpPr>
+            <a:spLocks noGrp="1"/>
+          </p:cNvSpPr>
+          <p:nvPr>
+            <p:ph type="sldNum" sz="quarter" idx="4"/>
+          </p:nvPr>
+        </p:nvSpPr>
+        <p:spPr>
+          <a:xfrm>
+            <a:off x="11163034" y="6264308"/>
+            <a:ext cx="261660" cy="169200"/>
+          </a:xfrm>
+        </p:spPr>
+        <p:txBody>
+          <a:bodyPr wrap="square" anchor="ctr">
+            <a:normAutofit/>
+          </a:bodyPr>
           <a:lstStyle/>
           <a:p>
-            <a:r>
-              <a:rPr lang="nl-NL" dirty="0"/>
-              <a:t>A </a:t>
-            </a:r>
-            <a:r>
-              <a:rPr lang="nl-NL" dirty="0" err="1"/>
-              <a:t>standardized</a:t>
-            </a:r>
-            <a:r>
-              <a:rPr lang="nl-NL" dirty="0"/>
-              <a:t>, running unit of software</a:t>
-            </a:r>
-          </a:p>
-          <a:p>
-            <a:endParaRPr lang="nl-NL" dirty="0"/>
-          </a:p>
-          <a:p>
-            <a:r>
-              <a:rPr lang="nl-NL" b="1" dirty="0"/>
-              <a:t>Image: </a:t>
-            </a:r>
-            <a:r>
-              <a:rPr lang="nl-NL" dirty="0"/>
-              <a:t>An </a:t>
-            </a:r>
-            <a:r>
-              <a:rPr lang="nl-NL" dirty="0" err="1"/>
-              <a:t>executable</a:t>
-            </a:r>
-            <a:r>
-              <a:rPr lang="nl-NL" dirty="0"/>
-              <a:t> package </a:t>
-            </a:r>
-            <a:r>
-              <a:rPr lang="nl-NL" dirty="0" err="1"/>
-              <a:t>that</a:t>
-            </a:r>
-            <a:r>
-              <a:rPr lang="nl-NL" dirty="0"/>
-              <a:t> </a:t>
-            </a:r>
-            <a:r>
-              <a:rPr lang="nl-NL" dirty="0" err="1"/>
-              <a:t>contains</a:t>
-            </a:r>
-            <a:r>
-              <a:rPr lang="nl-NL" dirty="0"/>
-              <a:t> </a:t>
-            </a:r>
-            <a:r>
-              <a:rPr lang="nl-NL" dirty="0" err="1"/>
-              <a:t>everything</a:t>
-            </a:r>
-            <a:r>
-              <a:rPr lang="nl-NL" dirty="0"/>
-              <a:t> </a:t>
-            </a:r>
-            <a:r>
-              <a:rPr lang="nl-NL" dirty="0" err="1"/>
-              <a:t>needed</a:t>
-            </a:r>
-            <a:r>
-              <a:rPr lang="nl-NL" dirty="0"/>
-              <a:t> </a:t>
-            </a:r>
-            <a:r>
-              <a:rPr lang="nl-NL" dirty="0" err="1"/>
-              <a:t>to</a:t>
-            </a:r>
-            <a:r>
-              <a:rPr lang="nl-NL" dirty="0"/>
-              <a:t> run </a:t>
-            </a:r>
-            <a:r>
-              <a:rPr lang="nl-NL" dirty="0" err="1"/>
-              <a:t>the</a:t>
-            </a:r>
-            <a:r>
-              <a:rPr lang="nl-NL" dirty="0"/>
-              <a:t> </a:t>
-            </a:r>
-            <a:r>
-              <a:rPr lang="nl-NL" dirty="0" err="1"/>
-              <a:t>application</a:t>
-            </a:r>
-            <a:r>
-              <a:rPr lang="nl-NL" dirty="0"/>
-              <a:t> (a blueprint, or </a:t>
-            </a:r>
-            <a:r>
-              <a:rPr lang="nl-NL" dirty="0" err="1"/>
-              <a:t>recipe</a:t>
-            </a:r>
-            <a:r>
-              <a:rPr lang="nl-NL" dirty="0"/>
-              <a:t>)</a:t>
-            </a:r>
-          </a:p>
-          <a:p>
-            <a:endParaRPr lang="nl-NL" dirty="0"/>
-          </a:p>
-          <a:p>
-            <a:r>
-              <a:rPr lang="nl-NL" b="1" dirty="0"/>
-              <a:t>Container: </a:t>
-            </a:r>
-            <a:r>
-              <a:rPr lang="nl-NL" dirty="0"/>
-              <a:t>A running </a:t>
-            </a:r>
-            <a:r>
-              <a:rPr lang="nl-NL" dirty="0" err="1"/>
-              <a:t>instance</a:t>
-            </a:r>
-            <a:r>
-              <a:rPr lang="nl-NL" dirty="0"/>
-              <a:t> of </a:t>
-            </a:r>
-            <a:r>
-              <a:rPr lang="nl-NL" dirty="0" err="1"/>
-              <a:t>an</a:t>
-            </a:r>
-            <a:r>
-              <a:rPr lang="nl-NL" dirty="0"/>
-              <a:t> </a:t>
-            </a:r>
-            <a:r>
-              <a:rPr lang="nl-NL" b="1" dirty="0"/>
-              <a:t>image</a:t>
-            </a:r>
-            <a:r>
-              <a:rPr lang="nl-NL" dirty="0"/>
-              <a:t>.</a:t>
-            </a:r>
-          </a:p>
-          <a:p>
-            <a:endParaRPr lang="nl-NL" b="1" dirty="0"/>
-          </a:p>
-          <a:p>
-            <a:r>
-              <a:rPr lang="nl-NL" dirty="0"/>
-              <a:t>In OOP </a:t>
-            </a:r>
-            <a:r>
-              <a:rPr lang="nl-NL" dirty="0" err="1"/>
-              <a:t>terms</a:t>
-            </a:r>
-            <a:r>
-              <a:rPr lang="nl-NL" dirty="0"/>
-              <a:t>: An </a:t>
-            </a:r>
-            <a:r>
-              <a:rPr lang="nl-NL" b="1" dirty="0"/>
-              <a:t>image </a:t>
-            </a:r>
-            <a:r>
-              <a:rPr lang="nl-NL" dirty="0"/>
-              <a:t>is a class, </a:t>
-            </a:r>
-            <a:r>
-              <a:rPr lang="nl-NL" dirty="0" err="1"/>
-              <a:t>and</a:t>
-            </a:r>
-            <a:r>
-              <a:rPr lang="nl-NL" dirty="0"/>
-              <a:t> a </a:t>
-            </a:r>
-            <a:r>
-              <a:rPr lang="nl-NL" b="1" dirty="0"/>
-              <a:t>container </a:t>
-            </a:r>
-            <a:r>
-              <a:rPr lang="nl-NL" dirty="0"/>
-              <a:t>is </a:t>
-            </a:r>
-            <a:r>
-              <a:rPr lang="nl-NL" dirty="0" err="1"/>
-              <a:t>the</a:t>
-            </a:r>
-            <a:r>
-              <a:rPr lang="nl-NL" dirty="0"/>
-              <a:t> </a:t>
-            </a:r>
-            <a:r>
-              <a:rPr lang="nl-NL" dirty="0" err="1"/>
-              <a:t>instantiation</a:t>
-            </a:r>
-            <a:r>
-              <a:rPr lang="nl-NL" dirty="0"/>
-              <a:t> of </a:t>
-            </a:r>
-            <a:r>
-              <a:rPr lang="nl-NL" dirty="0" err="1"/>
-              <a:t>that</a:t>
-            </a:r>
-            <a:r>
-              <a:rPr lang="nl-NL" dirty="0"/>
-              <a:t> class.</a:t>
-            </a:r>
-          </a:p>
-          <a:p>
-            <a:endParaRPr lang="nl-NL" dirty="0"/>
-          </a:p>
-          <a:p>
-            <a:endParaRPr lang="nl-NL" dirty="0"/>
-          </a:p>
-          <a:p>
-            <a:endParaRPr lang="nl-NL" dirty="0"/>
-          </a:p>
-        </p:txBody>
-      </p:sp>
-      <p:sp>
-        <p:nvSpPr>
-          <p:cNvPr id="4" name="Slide Number Placeholder 3">
-            <a:extLst>
-              <a:ext uri="{FF2B5EF4-FFF2-40B4-BE49-F238E27FC236}">
-                <a16:creationId xmlns:a16="http://schemas.microsoft.com/office/drawing/2014/main" id="{942EDA24-9A2D-4314-B8D8-DB06F6DA18D8}"/>
-              </a:ext>
-            </a:extLst>
-          </p:cNvPr>
-          <p:cNvSpPr>
-            <a:spLocks noGrp="1"/>
-          </p:cNvSpPr>
-          <p:nvPr>
-            <p:ph type="sldNum" sz="quarter" idx="4"/>
-          </p:nvPr>
-        </p:nvSpPr>
-        <p:spPr/>
-        <p:txBody>
-          <a:bodyPr/>
-          <a:lstStyle/>
-          <a:p>
+            <a:pPr>
+              <a:spcAft>
+                <a:spcPts val="600"/>
+              </a:spcAft>
+            </a:pPr>
             <a:fld id="{525A3C56-E491-49B2-93F3-63532DF516BC}" type="slidenum">
               <a:rPr lang="en-CA" smtClean="0"/>
+              <a:pPr>
+                <a:spcAft>
+                  <a:spcPts val="600"/>
+                </a:spcAft>
+              </a:pPr>
               <a:t>16</a:t>
             </a:fld>
             <a:endParaRPr lang="en-CA"/>
           </a:p>
         </p:txBody>
       </p:sp>
+      <p:graphicFrame>
+        <p:nvGraphicFramePr>
+          <p:cNvPr id="8" name="Content Placeholder 2">
+            <a:extLst>
+              <a:ext uri="{FF2B5EF4-FFF2-40B4-BE49-F238E27FC236}">
+                <a16:creationId xmlns:a16="http://schemas.microsoft.com/office/drawing/2014/main" id="{B10BADCC-CE9D-3CA9-0EF7-E0EE35395C9E}"/>
+              </a:ext>
+            </a:extLst>
+          </p:cNvPr>
+          <p:cNvGraphicFramePr>
+            <a:graphicFrameLocks noGrp="1"/>
+          </p:cNvGraphicFramePr>
+          <p:nvPr>
+            <p:ph sz="quarter" idx="17"/>
+            <p:extLst>
+              <p:ext uri="{D42A27DB-BD31-4B8C-83A1-F6EECF244321}">
+                <p14:modId xmlns:p14="http://schemas.microsoft.com/office/powerpoint/2010/main" val="1358869166"/>
+              </p:ext>
+            </p:extLst>
+          </p:nvPr>
+        </p:nvGraphicFramePr>
+        <p:xfrm>
+          <a:off x="766763" y="1557338"/>
+          <a:ext cx="10658475" cy="4535487"/>
+        </p:xfrm>
+        <a:graphic>
+          <a:graphicData uri="http://schemas.openxmlformats.org/drawingml/2006/diagram">
+            <dgm:relIds xmlns:dgm="http://schemas.openxmlformats.org/drawingml/2006/diagram" xmlns:r="http://schemas.openxmlformats.org/officeDocument/2006/relationships" r:dm="rId3" r:lo="rId4" r:qs="rId5" r:cs="rId6"/>
+          </a:graphicData>
+        </a:graphic>
+      </p:graphicFrame>
     </p:spTree>
     <p:extLst>
       <p:ext uri="{BB962C8B-B14F-4D97-AF65-F5344CB8AC3E}">
@@ -29901,7 +32547,12 @@
             <p:ph type="title"/>
           </p:nvPr>
         </p:nvSpPr>
-        <p:spPr/>
+        <p:spPr>
+          <a:xfrm>
+            <a:off x="748799" y="635964"/>
+            <a:ext cx="7062347" cy="2226506"/>
+          </a:xfrm>
+        </p:spPr>
         <p:txBody>
           <a:bodyPr>
             <a:normAutofit/>
@@ -29910,7 +32561,7 @@
           <a:p>
             <a:r>
               <a:rPr lang="en-CA" dirty="0"/>
-              <a:t>Exercise 1: Hello world image.</a:t>
+              <a:t>Demo Hello world image.</a:t>
             </a:r>
           </a:p>
         </p:txBody>
@@ -29982,10 +32633,10 @@
       </p:grpSpPr>
       <p:sp>
         <p:nvSpPr>
-          <p:cNvPr id="6" name="Titre 5">
-            <a:extLst>
-              <a:ext uri="{FF2B5EF4-FFF2-40B4-BE49-F238E27FC236}">
-                <a16:creationId xmlns:a16="http://schemas.microsoft.com/office/drawing/2014/main" id="{D8915DC9-D253-DC48-ADEE-A24C501319AA}"/>
+          <p:cNvPr id="3" name="Title 2">
+            <a:extLst>
+              <a:ext uri="{FF2B5EF4-FFF2-40B4-BE49-F238E27FC236}">
+                <a16:creationId xmlns:a16="http://schemas.microsoft.com/office/drawing/2014/main" id="{A05407F2-4BE3-7A75-11A4-586E69A46FC8}"/>
               </a:ext>
             </a:extLst>
           </p:cNvPr>
@@ -29996,43 +32647,131 @@
             <p:ph type="title"/>
           </p:nvPr>
         </p:nvSpPr>
-        <p:spPr/>
-        <p:txBody>
-          <a:bodyPr>
+        <p:spPr>
+          <a:xfrm>
+            <a:off x="777224" y="619403"/>
+            <a:ext cx="4598051" cy="2508110"/>
+          </a:xfrm>
+        </p:spPr>
+        <p:txBody>
+          <a:bodyPr anchor="t">
             <a:normAutofit/>
           </a:bodyPr>
           <a:lstStyle/>
           <a:p>
             <a:r>
               <a:rPr lang="en-CA" dirty="0"/>
-              <a:t>Demonstration: Create your own Hello world.</a:t>
-            </a:r>
-          </a:p>
-        </p:txBody>
-      </p:sp>
-      <p:sp>
-        <p:nvSpPr>
-          <p:cNvPr id="5" name="Espace réservé du numéro de diapositive 2">
-            <a:extLst>
-              <a:ext uri="{FF2B5EF4-FFF2-40B4-BE49-F238E27FC236}">
-                <a16:creationId xmlns:a16="http://schemas.microsoft.com/office/drawing/2014/main" id="{2DC9FD3B-E279-C240-9B66-4C6A7A3EC923}"/>
-              </a:ext>
-            </a:extLst>
-          </p:cNvPr>
-          <p:cNvSpPr>
-            <a:spLocks noGrp="1"/>
-          </p:cNvSpPr>
-          <p:nvPr>
-            <p:ph type="sldNum" sz="quarter" idx="4"/>
-          </p:nvPr>
-        </p:nvSpPr>
-        <p:spPr/>
+              <a:t>What did we just do?</a:t>
+            </a:r>
+            <a:endParaRPr lang="en-GB" dirty="0"/>
+          </a:p>
+        </p:txBody>
+      </p:sp>
+      <p:sp>
+        <p:nvSpPr>
+          <p:cNvPr id="12" name="Content Placeholder 2">
+            <a:extLst>
+              <a:ext uri="{FF2B5EF4-FFF2-40B4-BE49-F238E27FC236}">
+                <a16:creationId xmlns:a16="http://schemas.microsoft.com/office/drawing/2014/main" id="{135D3C78-6F7D-9BED-425B-340CECA2374E}"/>
+              </a:ext>
+            </a:extLst>
+          </p:cNvPr>
+          <p:cNvSpPr>
+            <a:spLocks noGrp="1"/>
+          </p:cNvSpPr>
+          <p:nvPr>
+            <p:ph sz="quarter" idx="17"/>
+          </p:nvPr>
+        </p:nvSpPr>
+        <p:spPr>
+          <a:xfrm>
+            <a:off x="766764" y="3429000"/>
+            <a:ext cx="4608512" cy="2663825"/>
+          </a:xfrm>
+        </p:spPr>
         <p:txBody>
           <a:bodyPr/>
           <a:lstStyle/>
           <a:p>
+            <a:endParaRPr lang="en-US"/>
+          </a:p>
+        </p:txBody>
+      </p:sp>
+      <p:pic>
+        <p:nvPicPr>
+          <p:cNvPr id="7" name="Picture 6">
+            <a:extLst>
+              <a:ext uri="{FF2B5EF4-FFF2-40B4-BE49-F238E27FC236}">
+                <a16:creationId xmlns:a16="http://schemas.microsoft.com/office/drawing/2014/main" id="{74D97502-D47D-04F4-DCCB-5F59A33B28E2}"/>
+              </a:ext>
+            </a:extLst>
+          </p:cNvPr>
+          <p:cNvPicPr>
+            <a:picLocks noChangeAspect="1"/>
+          </p:cNvPicPr>
+          <p:nvPr/>
+        </p:nvPicPr>
+        <p:blipFill>
+          <a:blip r:embed="rId2">
+            <a:extLst>
+              <a:ext uri="{28A0092B-C50C-407E-A947-70E740481C1C}">
+                <a14:useLocalDpi xmlns:a14="http://schemas.microsoft.com/office/drawing/2010/main" val="0"/>
+              </a:ext>
+            </a:extLst>
+          </a:blip>
+          <a:stretch/>
+        </p:blipFill>
+        <p:spPr>
+          <a:xfrm>
+            <a:off x="6572578" y="765174"/>
+            <a:ext cx="4412596" cy="5327651"/>
+          </a:xfrm>
+          <a:prstGeom prst="rect">
+            <a:avLst/>
+          </a:prstGeom>
+          <a:noFill/>
+        </p:spPr>
+      </p:pic>
+      <p:sp>
+        <p:nvSpPr>
+          <p:cNvPr id="4" name="Slide Number Placeholder 3">
+            <a:extLst>
+              <a:ext uri="{FF2B5EF4-FFF2-40B4-BE49-F238E27FC236}">
+                <a16:creationId xmlns:a16="http://schemas.microsoft.com/office/drawing/2014/main" id="{F1737872-E43A-B20D-93DB-66C8C2288FC7}"/>
+              </a:ext>
+            </a:extLst>
+          </p:cNvPr>
+          <p:cNvSpPr>
+            <a:spLocks noGrp="1"/>
+          </p:cNvSpPr>
+          <p:nvPr>
+            <p:ph type="sldNum" sz="quarter" idx="4"/>
+          </p:nvPr>
+        </p:nvSpPr>
+        <p:spPr>
+          <a:xfrm>
+            <a:off x="11163034" y="6264308"/>
+            <a:ext cx="261660" cy="169200"/>
+          </a:xfrm>
+        </p:spPr>
+        <p:txBody>
+          <a:bodyPr wrap="square" anchor="ctr">
+            <a:normAutofit/>
+          </a:bodyPr>
+          <a:lstStyle/>
+          <a:p>
+            <a:pPr>
+              <a:spcAft>
+                <a:spcPts val="600"/>
+              </a:spcAft>
+            </a:pPr>
             <a:fld id="{525A3C56-E491-49B2-93F3-63532DF516BC}" type="slidenum">
               <a:rPr lang="en-CA" smtClean="0"/>
+              <a:pPr>
+                <a:spcAft>
+                  <a:spcPts val="600"/>
+                </a:spcAft>
+              </a:pPr>
               <a:t>18</a:t>
             </a:fld>
             <a:endParaRPr lang="en-CA"/>
@@ -30042,7 +32781,7 @@
     </p:spTree>
     <p:extLst>
       <p:ext uri="{BB962C8B-B14F-4D97-AF65-F5344CB8AC3E}">
-        <p14:creationId xmlns:p14="http://schemas.microsoft.com/office/powerpoint/2010/main" val="779050770"/>
+        <p14:creationId xmlns:p14="http://schemas.microsoft.com/office/powerpoint/2010/main" val="1939403635"/>
       </p:ext>
     </p:extLst>
   </p:cSld>
@@ -30086,9 +32825,16 @@
             <p:ph type="title"/>
           </p:nvPr>
         </p:nvSpPr>
-        <p:spPr/>
-        <p:txBody>
-          <a:bodyPr/>
+        <p:spPr>
+          <a:xfrm>
+            <a:off x="766763" y="684000"/>
+            <a:ext cx="10658475" cy="541112"/>
+          </a:xfrm>
+        </p:spPr>
+        <p:txBody>
+          <a:bodyPr anchor="t">
+            <a:normAutofit/>
+          </a:bodyPr>
           <a:lstStyle/>
           <a:p>
             <a:r>
@@ -30096,35 +32842,6 @@
               <a:t>What did we just do?</a:t>
             </a:r>
             <a:endParaRPr lang="en-GB" dirty="0"/>
-          </a:p>
-        </p:txBody>
-      </p:sp>
-      <p:sp>
-        <p:nvSpPr>
-          <p:cNvPr id="4" name="Slide Number Placeholder 3">
-            <a:extLst>
-              <a:ext uri="{FF2B5EF4-FFF2-40B4-BE49-F238E27FC236}">
-                <a16:creationId xmlns:a16="http://schemas.microsoft.com/office/drawing/2014/main" id="{F1737872-E43A-B20D-93DB-66C8C2288FC7}"/>
-              </a:ext>
-            </a:extLst>
-          </p:cNvPr>
-          <p:cNvSpPr>
-            <a:spLocks noGrp="1"/>
-          </p:cNvSpPr>
-          <p:nvPr>
-            <p:ph type="sldNum" sz="quarter" idx="4"/>
-          </p:nvPr>
-        </p:nvSpPr>
-        <p:spPr/>
-        <p:txBody>
-          <a:bodyPr/>
-          <a:lstStyle/>
-          <a:p>
-            <a:fld id="{525A3C56-E491-49B2-93F3-63532DF516BC}" type="slidenum">
-              <a:rPr lang="en-CA" smtClean="0"/>
-              <a:t>19</a:t>
-            </a:fld>
-            <a:endParaRPr lang="en-CA"/>
           </a:p>
         </p:txBody>
       </p:sp>
@@ -30150,23 +32867,69 @@
               </a:ext>
             </a:extLst>
           </a:blip>
-          <a:srcRect/>
           <a:stretch/>
         </p:blipFill>
         <p:spPr>
           <a:xfrm>
-            <a:off x="3353997" y="1911941"/>
-            <a:ext cx="3092498" cy="3733800"/>
+            <a:off x="942035" y="1557338"/>
+            <a:ext cx="10307930" cy="4535487"/>
           </a:xfrm>
           <a:prstGeom prst="rect">
             <a:avLst/>
           </a:prstGeom>
+          <a:noFill/>
         </p:spPr>
       </p:pic>
+      <p:sp>
+        <p:nvSpPr>
+          <p:cNvPr id="4" name="Slide Number Placeholder 3">
+            <a:extLst>
+              <a:ext uri="{FF2B5EF4-FFF2-40B4-BE49-F238E27FC236}">
+                <a16:creationId xmlns:a16="http://schemas.microsoft.com/office/drawing/2014/main" id="{F1737872-E43A-B20D-93DB-66C8C2288FC7}"/>
+              </a:ext>
+            </a:extLst>
+          </p:cNvPr>
+          <p:cNvSpPr>
+            <a:spLocks noGrp="1"/>
+          </p:cNvSpPr>
+          <p:nvPr>
+            <p:ph type="sldNum" sz="quarter" idx="4"/>
+          </p:nvPr>
+        </p:nvSpPr>
+        <p:spPr>
+          <a:xfrm>
+            <a:off x="11163034" y="6264308"/>
+            <a:ext cx="261660" cy="169200"/>
+          </a:xfrm>
+        </p:spPr>
+        <p:txBody>
+          <a:bodyPr wrap="square" anchor="ctr">
+            <a:normAutofit/>
+          </a:bodyPr>
+          <a:lstStyle/>
+          <a:p>
+            <a:pPr>
+              <a:spcAft>
+                <a:spcPts val="600"/>
+              </a:spcAft>
+            </a:pPr>
+            <a:fld id="{525A3C56-E491-49B2-93F3-63532DF516BC}" type="slidenum">
+              <a:rPr lang="en-CA" smtClean="0"/>
+              <a:pPr>
+                <a:spcAft>
+                  <a:spcPts val="600"/>
+                </a:spcAft>
+              </a:pPr>
+              <a:t>19</a:t>
+            </a:fld>
+            <a:endParaRPr lang="en-CA"/>
+          </a:p>
+        </p:txBody>
+      </p:sp>
     </p:spTree>
     <p:extLst>
       <p:ext uri="{BB962C8B-B14F-4D97-AF65-F5344CB8AC3E}">
-        <p14:creationId xmlns:p14="http://schemas.microsoft.com/office/powerpoint/2010/main" val="1939403635"/>
+        <p14:creationId xmlns:p14="http://schemas.microsoft.com/office/powerpoint/2010/main" val="1278732996"/>
       </p:ext>
     </p:extLst>
   </p:cSld>
@@ -30296,7 +33059,7 @@
             </a:r>
             <a:r>
               <a:rPr lang="nl-NL" dirty="0"/>
-              <a:t> | Hoofd piet ofzo</a:t>
+              <a:t> | Senior Consultant</a:t>
             </a:r>
             <a:br>
               <a:rPr lang="nl-NL" dirty="0"/>
@@ -30585,9 +33348,16 @@
             <p:ph type="title"/>
           </p:nvPr>
         </p:nvSpPr>
-        <p:spPr/>
-        <p:txBody>
-          <a:bodyPr/>
+        <p:spPr>
+          <a:xfrm>
+            <a:off x="766763" y="684000"/>
+            <a:ext cx="10658475" cy="576262"/>
+          </a:xfrm>
+        </p:spPr>
+        <p:txBody>
+          <a:bodyPr anchor="t">
+            <a:normAutofit/>
+          </a:bodyPr>
           <a:lstStyle/>
           <a:p>
             <a:r>
@@ -30595,35 +33365,6 @@
               <a:t>What did we just do?</a:t>
             </a:r>
             <a:endParaRPr lang="en-GB" dirty="0"/>
-          </a:p>
-        </p:txBody>
-      </p:sp>
-      <p:sp>
-        <p:nvSpPr>
-          <p:cNvPr id="4" name="Slide Number Placeholder 3">
-            <a:extLst>
-              <a:ext uri="{FF2B5EF4-FFF2-40B4-BE49-F238E27FC236}">
-                <a16:creationId xmlns:a16="http://schemas.microsoft.com/office/drawing/2014/main" id="{F1737872-E43A-B20D-93DB-66C8C2288FC7}"/>
-              </a:ext>
-            </a:extLst>
-          </p:cNvPr>
-          <p:cNvSpPr>
-            <a:spLocks noGrp="1"/>
-          </p:cNvSpPr>
-          <p:nvPr>
-            <p:ph type="sldNum" sz="quarter" idx="4"/>
-          </p:nvPr>
-        </p:nvSpPr>
-        <p:spPr/>
-        <p:txBody>
-          <a:bodyPr/>
-          <a:lstStyle/>
-          <a:p>
-            <a:fld id="{525A3C56-E491-49B2-93F3-63532DF516BC}" type="slidenum">
-              <a:rPr lang="en-CA" smtClean="0"/>
-              <a:t>20</a:t>
-            </a:fld>
-            <a:endParaRPr lang="en-CA"/>
           </a:p>
         </p:txBody>
       </p:sp>
@@ -30649,23 +33390,69 @@
               </a:ext>
             </a:extLst>
           </a:blip>
-          <a:srcRect/>
           <a:stretch/>
         </p:blipFill>
         <p:spPr>
           <a:xfrm>
-            <a:off x="1669768" y="1577591"/>
-            <a:ext cx="9660940" cy="4253696"/>
+            <a:off x="766763" y="2492772"/>
+            <a:ext cx="10658475" cy="2664619"/>
           </a:xfrm>
           <a:prstGeom prst="rect">
             <a:avLst/>
           </a:prstGeom>
+          <a:noFill/>
         </p:spPr>
       </p:pic>
+      <p:sp>
+        <p:nvSpPr>
+          <p:cNvPr id="4" name="Slide Number Placeholder 3">
+            <a:extLst>
+              <a:ext uri="{FF2B5EF4-FFF2-40B4-BE49-F238E27FC236}">
+                <a16:creationId xmlns:a16="http://schemas.microsoft.com/office/drawing/2014/main" id="{F1737872-E43A-B20D-93DB-66C8C2288FC7}"/>
+              </a:ext>
+            </a:extLst>
+          </p:cNvPr>
+          <p:cNvSpPr>
+            <a:spLocks noGrp="1"/>
+          </p:cNvSpPr>
+          <p:nvPr>
+            <p:ph type="sldNum" sz="quarter" idx="4"/>
+          </p:nvPr>
+        </p:nvSpPr>
+        <p:spPr>
+          <a:xfrm>
+            <a:off x="11163034" y="6264308"/>
+            <a:ext cx="261660" cy="169200"/>
+          </a:xfrm>
+        </p:spPr>
+        <p:txBody>
+          <a:bodyPr wrap="square" anchor="ctr">
+            <a:normAutofit/>
+          </a:bodyPr>
+          <a:lstStyle/>
+          <a:p>
+            <a:pPr>
+              <a:spcAft>
+                <a:spcPts val="600"/>
+              </a:spcAft>
+            </a:pPr>
+            <a:fld id="{525A3C56-E491-49B2-93F3-63532DF516BC}" type="slidenum">
+              <a:rPr lang="en-CA" smtClean="0"/>
+              <a:pPr>
+                <a:spcAft>
+                  <a:spcPts val="600"/>
+                </a:spcAft>
+              </a:pPr>
+              <a:t>20</a:t>
+            </a:fld>
+            <a:endParaRPr lang="en-CA"/>
+          </a:p>
+        </p:txBody>
+      </p:sp>
     </p:spTree>
     <p:extLst>
       <p:ext uri="{BB962C8B-B14F-4D97-AF65-F5344CB8AC3E}">
-        <p14:creationId xmlns:p14="http://schemas.microsoft.com/office/powerpoint/2010/main" val="1278732996"/>
+        <p14:creationId xmlns:p14="http://schemas.microsoft.com/office/powerpoint/2010/main" val="1237074154"/>
       </p:ext>
     </p:extLst>
   </p:cSld>
@@ -30709,9 +33496,16 @@
             <p:ph type="title"/>
           </p:nvPr>
         </p:nvSpPr>
-        <p:spPr/>
-        <p:txBody>
-          <a:bodyPr/>
+        <p:spPr>
+          <a:xfrm>
+            <a:off x="766763" y="684000"/>
+            <a:ext cx="10658475" cy="576262"/>
+          </a:xfrm>
+        </p:spPr>
+        <p:txBody>
+          <a:bodyPr anchor="t">
+            <a:normAutofit/>
+          </a:bodyPr>
           <a:lstStyle/>
           <a:p>
             <a:r>
@@ -30719,35 +33513,6 @@
               <a:t>What did we just do?</a:t>
             </a:r>
             <a:endParaRPr lang="en-GB" dirty="0"/>
-          </a:p>
-        </p:txBody>
-      </p:sp>
-      <p:sp>
-        <p:nvSpPr>
-          <p:cNvPr id="4" name="Slide Number Placeholder 3">
-            <a:extLst>
-              <a:ext uri="{FF2B5EF4-FFF2-40B4-BE49-F238E27FC236}">
-                <a16:creationId xmlns:a16="http://schemas.microsoft.com/office/drawing/2014/main" id="{F1737872-E43A-B20D-93DB-66C8C2288FC7}"/>
-              </a:ext>
-            </a:extLst>
-          </p:cNvPr>
-          <p:cNvSpPr>
-            <a:spLocks noGrp="1"/>
-          </p:cNvSpPr>
-          <p:nvPr>
-            <p:ph type="sldNum" sz="quarter" idx="4"/>
-          </p:nvPr>
-        </p:nvSpPr>
-        <p:spPr/>
-        <p:txBody>
-          <a:bodyPr/>
-          <a:lstStyle/>
-          <a:p>
-            <a:fld id="{525A3C56-E491-49B2-93F3-63532DF516BC}" type="slidenum">
-              <a:rPr lang="en-CA" smtClean="0"/>
-              <a:t>21</a:t>
-            </a:fld>
-            <a:endParaRPr lang="en-CA"/>
           </a:p>
         </p:txBody>
       </p:sp>
@@ -30773,23 +33538,69 @@
               </a:ext>
             </a:extLst>
           </a:blip>
-          <a:srcRect/>
           <a:stretch/>
         </p:blipFill>
         <p:spPr>
           <a:xfrm>
-            <a:off x="1398462" y="2495396"/>
-            <a:ext cx="9660940" cy="2418086"/>
+            <a:off x="766763" y="2466127"/>
+            <a:ext cx="10658475" cy="2717909"/>
           </a:xfrm>
           <a:prstGeom prst="rect">
             <a:avLst/>
           </a:prstGeom>
+          <a:noFill/>
         </p:spPr>
       </p:pic>
+      <p:sp>
+        <p:nvSpPr>
+          <p:cNvPr id="4" name="Slide Number Placeholder 3">
+            <a:extLst>
+              <a:ext uri="{FF2B5EF4-FFF2-40B4-BE49-F238E27FC236}">
+                <a16:creationId xmlns:a16="http://schemas.microsoft.com/office/drawing/2014/main" id="{F1737872-E43A-B20D-93DB-66C8C2288FC7}"/>
+              </a:ext>
+            </a:extLst>
+          </p:cNvPr>
+          <p:cNvSpPr>
+            <a:spLocks noGrp="1"/>
+          </p:cNvSpPr>
+          <p:nvPr>
+            <p:ph type="sldNum" sz="quarter" idx="4"/>
+          </p:nvPr>
+        </p:nvSpPr>
+        <p:spPr>
+          <a:xfrm>
+            <a:off x="11163034" y="6264308"/>
+            <a:ext cx="261660" cy="169200"/>
+          </a:xfrm>
+        </p:spPr>
+        <p:txBody>
+          <a:bodyPr wrap="square" anchor="ctr">
+            <a:normAutofit/>
+          </a:bodyPr>
+          <a:lstStyle/>
+          <a:p>
+            <a:pPr>
+              <a:spcAft>
+                <a:spcPts val="600"/>
+              </a:spcAft>
+            </a:pPr>
+            <a:fld id="{525A3C56-E491-49B2-93F3-63532DF516BC}" type="slidenum">
+              <a:rPr lang="en-CA" smtClean="0"/>
+              <a:pPr>
+                <a:spcAft>
+                  <a:spcPts val="600"/>
+                </a:spcAft>
+              </a:pPr>
+              <a:t>21</a:t>
+            </a:fld>
+            <a:endParaRPr lang="en-CA"/>
+          </a:p>
+        </p:txBody>
+      </p:sp>
     </p:spTree>
     <p:extLst>
       <p:ext uri="{BB962C8B-B14F-4D97-AF65-F5344CB8AC3E}">
-        <p14:creationId xmlns:p14="http://schemas.microsoft.com/office/powerpoint/2010/main" val="1237074154"/>
+        <p14:creationId xmlns:p14="http://schemas.microsoft.com/office/powerpoint/2010/main" val="748696194"/>
       </p:ext>
     </p:extLst>
   </p:cSld>
@@ -30833,9 +33644,16 @@
             <p:ph type="title"/>
           </p:nvPr>
         </p:nvSpPr>
-        <p:spPr/>
-        <p:txBody>
-          <a:bodyPr/>
+        <p:spPr>
+          <a:xfrm>
+            <a:off x="766763" y="684000"/>
+            <a:ext cx="10658475" cy="576262"/>
+          </a:xfrm>
+        </p:spPr>
+        <p:txBody>
+          <a:bodyPr anchor="t">
+            <a:normAutofit/>
+          </a:bodyPr>
           <a:lstStyle/>
           <a:p>
             <a:r>
@@ -30843,35 +33661,6 @@
               <a:t>What did we just do?</a:t>
             </a:r>
             <a:endParaRPr lang="en-GB" dirty="0"/>
-          </a:p>
-        </p:txBody>
-      </p:sp>
-      <p:sp>
-        <p:nvSpPr>
-          <p:cNvPr id="4" name="Slide Number Placeholder 3">
-            <a:extLst>
-              <a:ext uri="{FF2B5EF4-FFF2-40B4-BE49-F238E27FC236}">
-                <a16:creationId xmlns:a16="http://schemas.microsoft.com/office/drawing/2014/main" id="{F1737872-E43A-B20D-93DB-66C8C2288FC7}"/>
-              </a:ext>
-            </a:extLst>
-          </p:cNvPr>
-          <p:cNvSpPr>
-            <a:spLocks noGrp="1"/>
-          </p:cNvSpPr>
-          <p:nvPr>
-            <p:ph type="sldNum" sz="quarter" idx="4"/>
-          </p:nvPr>
-        </p:nvSpPr>
-        <p:spPr/>
-        <p:txBody>
-          <a:bodyPr/>
-          <a:lstStyle/>
-          <a:p>
-            <a:fld id="{525A3C56-E491-49B2-93F3-63532DF516BC}" type="slidenum">
-              <a:rPr lang="en-CA" smtClean="0"/>
-              <a:t>22</a:t>
-            </a:fld>
-            <a:endParaRPr lang="en-CA"/>
           </a:p>
         </p:txBody>
       </p:sp>
@@ -30897,23 +33686,69 @@
               </a:ext>
             </a:extLst>
           </a:blip>
-          <a:srcRect/>
           <a:stretch/>
         </p:blipFill>
         <p:spPr>
           <a:xfrm>
-            <a:off x="1484009" y="2495396"/>
-            <a:ext cx="9489846" cy="2418086"/>
+            <a:off x="1346797" y="1557338"/>
+            <a:ext cx="9498406" cy="4535487"/>
           </a:xfrm>
           <a:prstGeom prst="rect">
             <a:avLst/>
           </a:prstGeom>
+          <a:noFill/>
         </p:spPr>
       </p:pic>
+      <p:sp>
+        <p:nvSpPr>
+          <p:cNvPr id="4" name="Slide Number Placeholder 3">
+            <a:extLst>
+              <a:ext uri="{FF2B5EF4-FFF2-40B4-BE49-F238E27FC236}">
+                <a16:creationId xmlns:a16="http://schemas.microsoft.com/office/drawing/2014/main" id="{F1737872-E43A-B20D-93DB-66C8C2288FC7}"/>
+              </a:ext>
+            </a:extLst>
+          </p:cNvPr>
+          <p:cNvSpPr>
+            <a:spLocks noGrp="1"/>
+          </p:cNvSpPr>
+          <p:nvPr>
+            <p:ph type="sldNum" sz="quarter" idx="4"/>
+          </p:nvPr>
+        </p:nvSpPr>
+        <p:spPr>
+          <a:xfrm>
+            <a:off x="11163034" y="6264308"/>
+            <a:ext cx="261660" cy="169200"/>
+          </a:xfrm>
+        </p:spPr>
+        <p:txBody>
+          <a:bodyPr wrap="square" anchor="ctr">
+            <a:normAutofit/>
+          </a:bodyPr>
+          <a:lstStyle/>
+          <a:p>
+            <a:pPr>
+              <a:spcAft>
+                <a:spcPts val="600"/>
+              </a:spcAft>
+            </a:pPr>
+            <a:fld id="{525A3C56-E491-49B2-93F3-63532DF516BC}" type="slidenum">
+              <a:rPr lang="en-CA" smtClean="0"/>
+              <a:pPr>
+                <a:spcAft>
+                  <a:spcPts val="600"/>
+                </a:spcAft>
+              </a:pPr>
+              <a:t>22</a:t>
+            </a:fld>
+            <a:endParaRPr lang="en-CA"/>
+          </a:p>
+        </p:txBody>
+      </p:sp>
     </p:spTree>
     <p:extLst>
       <p:ext uri="{BB962C8B-B14F-4D97-AF65-F5344CB8AC3E}">
-        <p14:creationId xmlns:p14="http://schemas.microsoft.com/office/powerpoint/2010/main" val="748696194"/>
+        <p14:creationId xmlns:p14="http://schemas.microsoft.com/office/powerpoint/2010/main" val="3055422766"/>
       </p:ext>
     </p:extLst>
   </p:cSld>
@@ -30943,10 +33778,197 @@
       </p:grpSpPr>
       <p:sp>
         <p:nvSpPr>
-          <p:cNvPr id="3" name="Title 2">
-            <a:extLst>
-              <a:ext uri="{FF2B5EF4-FFF2-40B4-BE49-F238E27FC236}">
-                <a16:creationId xmlns:a16="http://schemas.microsoft.com/office/drawing/2014/main" id="{A05407F2-4BE3-7A75-11A4-586E69A46FC8}"/>
+          <p:cNvPr id="3" name="Content Placeholder 2">
+            <a:extLst>
+              <a:ext uri="{FF2B5EF4-FFF2-40B4-BE49-F238E27FC236}">
+                <a16:creationId xmlns:a16="http://schemas.microsoft.com/office/drawing/2014/main" id="{924D5ECF-0D33-4D03-9646-FE69E47A20AF}"/>
+              </a:ext>
+            </a:extLst>
+          </p:cNvPr>
+          <p:cNvSpPr>
+            <a:spLocks noGrp="1"/>
+          </p:cNvSpPr>
+          <p:nvPr>
+            <p:ph type="subTitle" idx="1"/>
+          </p:nvPr>
+        </p:nvSpPr>
+        <p:spPr>
+          <a:xfrm>
+            <a:off x="785230" y="3119636"/>
+            <a:ext cx="6119812" cy="2051078"/>
+          </a:xfrm>
+        </p:spPr>
+        <p:txBody>
+          <a:bodyPr anchor="t">
+            <a:normAutofit/>
+          </a:bodyPr>
+          <a:lstStyle/>
+          <a:p>
+            <a:pPr>
+              <a:lnSpc>
+                <a:spcPct val="90000"/>
+              </a:lnSpc>
+              <a:spcAft>
+                <a:spcPts val="600"/>
+              </a:spcAft>
+            </a:pPr>
+            <a:r>
+              <a:rPr lang="nl-NL" dirty="0"/>
+              <a:t>Step 1: </a:t>
+            </a:r>
+            <a:r>
+              <a:rPr lang="nl-NL" dirty="0" err="1"/>
+              <a:t>Create</a:t>
+            </a:r>
+            <a:r>
+              <a:rPr lang="nl-NL" dirty="0"/>
+              <a:t> 1 </a:t>
+            </a:r>
+            <a:r>
+              <a:rPr lang="nl-NL" dirty="0" err="1"/>
+              <a:t>simple</a:t>
+            </a:r>
+            <a:r>
+              <a:rPr lang="nl-NL" dirty="0"/>
+              <a:t> </a:t>
+            </a:r>
+            <a:r>
+              <a:rPr lang="nl-NL" dirty="0" err="1"/>
+              <a:t>java</a:t>
+            </a:r>
+            <a:r>
+              <a:rPr lang="nl-NL" dirty="0"/>
+              <a:t> program.</a:t>
+            </a:r>
+          </a:p>
+          <a:p>
+            <a:pPr>
+              <a:lnSpc>
+                <a:spcPct val="90000"/>
+              </a:lnSpc>
+              <a:spcAft>
+                <a:spcPts val="600"/>
+              </a:spcAft>
+            </a:pPr>
+            <a:r>
+              <a:rPr lang="nl-NL" dirty="0"/>
+              <a:t>Step 2: </a:t>
+            </a:r>
+            <a:r>
+              <a:rPr lang="nl-NL" dirty="0" err="1"/>
+              <a:t>Find</a:t>
+            </a:r>
+            <a:r>
+              <a:rPr lang="nl-NL" dirty="0"/>
+              <a:t> base image. (</a:t>
+            </a:r>
+            <a:r>
+              <a:rPr lang="nl-NL" dirty="0" err="1"/>
+              <a:t>with</a:t>
+            </a:r>
+            <a:r>
+              <a:rPr lang="nl-NL" dirty="0"/>
+              <a:t> correct </a:t>
+            </a:r>
+            <a:r>
+              <a:rPr lang="nl-NL" dirty="0" err="1"/>
+              <a:t>requirements</a:t>
+            </a:r>
+            <a:r>
+              <a:rPr lang="nl-NL" dirty="0"/>
+              <a:t> e.g. JDK) </a:t>
+            </a:r>
+          </a:p>
+          <a:p>
+            <a:pPr>
+              <a:lnSpc>
+                <a:spcPct val="90000"/>
+              </a:lnSpc>
+              <a:spcAft>
+                <a:spcPts val="600"/>
+              </a:spcAft>
+            </a:pPr>
+            <a:r>
+              <a:rPr lang="nl-NL" dirty="0"/>
+              <a:t>Step 3: </a:t>
+            </a:r>
+            <a:r>
+              <a:rPr lang="nl-NL" dirty="0" err="1"/>
+              <a:t>Create</a:t>
+            </a:r>
+            <a:r>
+              <a:rPr lang="nl-NL" dirty="0"/>
+              <a:t> </a:t>
+            </a:r>
+            <a:r>
+              <a:rPr lang="nl-NL" dirty="0" err="1"/>
+              <a:t>Dockerfile</a:t>
+            </a:r>
+            <a:r>
+              <a:rPr lang="nl-NL" dirty="0"/>
+              <a:t>.</a:t>
+            </a:r>
+          </a:p>
+          <a:p>
+            <a:pPr>
+              <a:lnSpc>
+                <a:spcPct val="90000"/>
+              </a:lnSpc>
+              <a:spcAft>
+                <a:spcPts val="600"/>
+              </a:spcAft>
+            </a:pPr>
+            <a:r>
+              <a:rPr lang="nl-NL" dirty="0"/>
+              <a:t>Step 4: </a:t>
+            </a:r>
+            <a:r>
+              <a:rPr lang="nl-NL" dirty="0" err="1"/>
+              <a:t>build</a:t>
+            </a:r>
+            <a:r>
+              <a:rPr lang="nl-NL" dirty="0"/>
+              <a:t> </a:t>
+            </a:r>
+            <a:r>
+              <a:rPr lang="nl-NL" dirty="0" err="1"/>
+              <a:t>and</a:t>
+            </a:r>
+            <a:r>
+              <a:rPr lang="nl-NL" dirty="0"/>
+              <a:t> run container.</a:t>
+            </a:r>
+          </a:p>
+          <a:p>
+            <a:pPr>
+              <a:lnSpc>
+                <a:spcPct val="90000"/>
+              </a:lnSpc>
+              <a:spcAft>
+                <a:spcPts val="600"/>
+              </a:spcAft>
+            </a:pPr>
+            <a:endParaRPr lang="nl-NL" dirty="0"/>
+          </a:p>
+          <a:p>
+            <a:pPr>
+              <a:lnSpc>
+                <a:spcPct val="90000"/>
+              </a:lnSpc>
+              <a:spcAft>
+                <a:spcPts val="600"/>
+              </a:spcAft>
+            </a:pPr>
+            <a:endParaRPr lang="nl-NL" dirty="0"/>
+          </a:p>
+        </p:txBody>
+      </p:sp>
+      <p:sp>
+        <p:nvSpPr>
+          <p:cNvPr id="2" name="Title 1">
+            <a:extLst>
+              <a:ext uri="{FF2B5EF4-FFF2-40B4-BE49-F238E27FC236}">
+                <a16:creationId xmlns:a16="http://schemas.microsoft.com/office/drawing/2014/main" id="{A098741F-C9DE-48BC-829B-6F985817EC3B}"/>
               </a:ext>
             </a:extLst>
           </p:cNvPr>
@@ -30957,16 +33979,66 @@
             <p:ph type="title"/>
           </p:nvPr>
         </p:nvSpPr>
-        <p:spPr/>
-        <p:txBody>
-          <a:bodyPr/>
+        <p:spPr>
+          <a:xfrm>
+            <a:off x="748799" y="635964"/>
+            <a:ext cx="6139363" cy="2226506"/>
+          </a:xfrm>
+        </p:spPr>
+        <p:txBody>
+          <a:bodyPr anchor="t">
+            <a:normAutofit/>
+          </a:bodyPr>
           <a:lstStyle/>
           <a:p>
             <a:r>
-              <a:rPr lang="en-CA" dirty="0"/>
-              <a:t>What did we just do?</a:t>
-            </a:r>
-            <a:endParaRPr lang="en-GB" dirty="0"/>
+              <a:rPr lang="nl-NL" dirty="0" err="1"/>
+              <a:t>Exercise</a:t>
+            </a:r>
+            <a:r>
+              <a:rPr lang="nl-NL" dirty="0"/>
+              <a:t>: </a:t>
+            </a:r>
+            <a:r>
+              <a:rPr lang="nl-NL" dirty="0" err="1"/>
+              <a:t>Create</a:t>
+            </a:r>
+            <a:r>
+              <a:rPr lang="nl-NL" dirty="0"/>
+              <a:t> </a:t>
+            </a:r>
+            <a:r>
+              <a:rPr lang="nl-NL" dirty="0" err="1"/>
+              <a:t>your</a:t>
+            </a:r>
+            <a:r>
+              <a:rPr lang="nl-NL" dirty="0"/>
+              <a:t> </a:t>
+            </a:r>
+            <a:r>
+              <a:rPr lang="nl-NL" dirty="0" err="1"/>
+              <a:t>own</a:t>
+            </a:r>
+            <a:r>
+              <a:rPr lang="nl-NL" dirty="0"/>
+              <a:t> </a:t>
+            </a:r>
+            <a:r>
+              <a:rPr lang="nl-NL" dirty="0" err="1"/>
+              <a:t>Hello</a:t>
+            </a:r>
+            <a:r>
+              <a:rPr lang="nl-NL" dirty="0"/>
+              <a:t> </a:t>
+            </a:r>
+            <a:r>
+              <a:rPr lang="nl-NL" dirty="0" err="1"/>
+              <a:t>world</a:t>
+            </a:r>
+            <a:r>
+              <a:rPr lang="nl-NL" dirty="0"/>
+              <a:t> container.</a:t>
+            </a:r>
           </a:p>
         </p:txBody>
       </p:sp>
@@ -30975,7 +34047,7 @@
           <p:cNvPr id="4" name="Slide Number Placeholder 3">
             <a:extLst>
               <a:ext uri="{FF2B5EF4-FFF2-40B4-BE49-F238E27FC236}">
-                <a16:creationId xmlns:a16="http://schemas.microsoft.com/office/drawing/2014/main" id="{F1737872-E43A-B20D-93DB-66C8C2288FC7}"/>
+                <a16:creationId xmlns:a16="http://schemas.microsoft.com/office/drawing/2014/main" id="{942EDA24-9A2D-4314-B8D8-DB06F6DA18D8}"/>
               </a:ext>
             </a:extLst>
           </p:cNvPr>
@@ -30986,58 +34058,40 @@
             <p:ph type="sldNum" sz="quarter" idx="4"/>
           </p:nvPr>
         </p:nvSpPr>
-        <p:spPr/>
-        <p:txBody>
-          <a:bodyPr/>
+        <p:spPr>
+          <a:xfrm>
+            <a:off x="11163034" y="6264308"/>
+            <a:ext cx="261660" cy="169200"/>
+          </a:xfrm>
+        </p:spPr>
+        <p:txBody>
+          <a:bodyPr wrap="square" anchor="ctr">
+            <a:normAutofit/>
+          </a:bodyPr>
           <a:lstStyle/>
           <a:p>
+            <a:pPr>
+              <a:spcAft>
+                <a:spcPts val="600"/>
+              </a:spcAft>
+            </a:pPr>
             <a:fld id="{525A3C56-E491-49B2-93F3-63532DF516BC}" type="slidenum">
               <a:rPr lang="en-CA" smtClean="0"/>
+              <a:pPr>
+                <a:spcAft>
+                  <a:spcPts val="600"/>
+                </a:spcAft>
+              </a:pPr>
               <a:t>23</a:t>
             </a:fld>
             <a:endParaRPr lang="en-CA"/>
           </a:p>
         </p:txBody>
       </p:sp>
-      <p:pic>
-        <p:nvPicPr>
-          <p:cNvPr id="7" name="Picture 6">
-            <a:extLst>
-              <a:ext uri="{FF2B5EF4-FFF2-40B4-BE49-F238E27FC236}">
-                <a16:creationId xmlns:a16="http://schemas.microsoft.com/office/drawing/2014/main" id="{74D97502-D47D-04F4-DCCB-5F59A33B28E2}"/>
-              </a:ext>
-            </a:extLst>
-          </p:cNvPr>
-          <p:cNvPicPr>
-            <a:picLocks noChangeAspect="1"/>
-          </p:cNvPicPr>
-          <p:nvPr/>
-        </p:nvPicPr>
-        <p:blipFill>
-          <a:blip r:embed="rId2">
-            <a:extLst>
-              <a:ext uri="{28A0092B-C50C-407E-A947-70E740481C1C}">
-                <a14:useLocalDpi xmlns:a14="http://schemas.microsoft.com/office/drawing/2010/main" val="0"/>
-              </a:ext>
-            </a:extLst>
-          </a:blip>
-          <a:srcRect/>
-          <a:stretch/>
-        </p:blipFill>
-        <p:spPr>
-          <a:xfrm>
-            <a:off x="985322" y="1279651"/>
-            <a:ext cx="10357348" cy="4942385"/>
-          </a:xfrm>
-          <a:prstGeom prst="rect">
-            <a:avLst/>
-          </a:prstGeom>
-        </p:spPr>
-      </p:pic>
     </p:spTree>
     <p:extLst>
       <p:ext uri="{BB962C8B-B14F-4D97-AF65-F5344CB8AC3E}">
-        <p14:creationId xmlns:p14="http://schemas.microsoft.com/office/powerpoint/2010/main" val="3055422766"/>
+        <p14:creationId xmlns:p14="http://schemas.microsoft.com/office/powerpoint/2010/main" val="1355077837"/>
       </p:ext>
     </p:extLst>
   </p:cSld>
@@ -31067,18 +34121,18 @@
       </p:grpSpPr>
       <p:sp>
         <p:nvSpPr>
-          <p:cNvPr id="2" name="Title 1">
-            <a:extLst>
-              <a:ext uri="{FF2B5EF4-FFF2-40B4-BE49-F238E27FC236}">
-                <a16:creationId xmlns:a16="http://schemas.microsoft.com/office/drawing/2014/main" id="{A098741F-C9DE-48BC-829B-6F985817EC3B}"/>
-              </a:ext>
-            </a:extLst>
-          </p:cNvPr>
-          <p:cNvSpPr>
-            <a:spLocks noGrp="1"/>
-          </p:cNvSpPr>
-          <p:nvPr>
-            <p:ph type="title"/>
+          <p:cNvPr id="2" name="Subtitle 1">
+            <a:extLst>
+              <a:ext uri="{FF2B5EF4-FFF2-40B4-BE49-F238E27FC236}">
+                <a16:creationId xmlns:a16="http://schemas.microsoft.com/office/drawing/2014/main" id="{ED7F1490-095F-B356-A2B8-378DC23CE3D9}"/>
+              </a:ext>
+            </a:extLst>
+          </p:cNvPr>
+          <p:cNvSpPr>
+            <a:spLocks noGrp="1"/>
+          </p:cNvSpPr>
+          <p:nvPr>
+            <p:ph type="subTitle" idx="1"/>
           </p:nvPr>
         </p:nvSpPr>
         <p:spPr/>
@@ -31086,195 +34140,46 @@
           <a:bodyPr/>
           <a:lstStyle/>
           <a:p>
-            <a:r>
-              <a:rPr lang="nl-NL" dirty="0" err="1"/>
-              <a:t>Exercise</a:t>
-            </a:r>
-            <a:r>
-              <a:rPr lang="nl-NL" dirty="0"/>
-              <a:t>: </a:t>
-            </a:r>
-            <a:r>
-              <a:rPr lang="nl-NL" dirty="0" err="1"/>
-              <a:t>Create</a:t>
-            </a:r>
-            <a:r>
-              <a:rPr lang="nl-NL" dirty="0"/>
-              <a:t> </a:t>
-            </a:r>
-            <a:r>
-              <a:rPr lang="nl-NL" dirty="0" err="1"/>
-              <a:t>your</a:t>
-            </a:r>
-            <a:r>
-              <a:rPr lang="nl-NL" dirty="0"/>
-              <a:t> </a:t>
-            </a:r>
-            <a:r>
-              <a:rPr lang="nl-NL" dirty="0" err="1"/>
-              <a:t>own</a:t>
-            </a:r>
-            <a:r>
-              <a:rPr lang="nl-NL" dirty="0"/>
-              <a:t> </a:t>
-            </a:r>
-            <a:r>
-              <a:rPr lang="nl-NL" dirty="0" err="1"/>
-              <a:t>Hello</a:t>
-            </a:r>
-            <a:r>
-              <a:rPr lang="nl-NL" dirty="0"/>
-              <a:t> </a:t>
-            </a:r>
-            <a:r>
-              <a:rPr lang="nl-NL" dirty="0" err="1"/>
-              <a:t>world</a:t>
-            </a:r>
-            <a:r>
-              <a:rPr lang="nl-NL" dirty="0"/>
-              <a:t> container.</a:t>
-            </a:r>
-          </a:p>
-        </p:txBody>
-      </p:sp>
-      <p:sp>
-        <p:nvSpPr>
-          <p:cNvPr id="3" name="Content Placeholder 2">
-            <a:extLst>
-              <a:ext uri="{FF2B5EF4-FFF2-40B4-BE49-F238E27FC236}">
-                <a16:creationId xmlns:a16="http://schemas.microsoft.com/office/drawing/2014/main" id="{924D5ECF-0D33-4D03-9646-FE69E47A20AF}"/>
-              </a:ext>
-            </a:extLst>
-          </p:cNvPr>
-          <p:cNvSpPr>
-            <a:spLocks noGrp="1"/>
-          </p:cNvSpPr>
-          <p:nvPr>
-            <p:ph sz="quarter" idx="17"/>
+            <a:endParaRPr lang="en-NL"/>
+          </a:p>
+        </p:txBody>
+      </p:sp>
+      <p:sp>
+        <p:nvSpPr>
+          <p:cNvPr id="6" name="Titre 5">
+            <a:extLst>
+              <a:ext uri="{FF2B5EF4-FFF2-40B4-BE49-F238E27FC236}">
+                <a16:creationId xmlns:a16="http://schemas.microsoft.com/office/drawing/2014/main" id="{D8915DC9-D253-DC48-ADEE-A24C501319AA}"/>
+              </a:ext>
+            </a:extLst>
+          </p:cNvPr>
+          <p:cNvSpPr>
+            <a:spLocks noGrp="1"/>
+          </p:cNvSpPr>
+          <p:nvPr>
+            <p:ph type="title"/>
           </p:nvPr>
         </p:nvSpPr>
         <p:spPr/>
         <p:txBody>
-          <a:bodyPr/>
+          <a:bodyPr anchor="t">
+            <a:normAutofit/>
+          </a:bodyPr>
           <a:lstStyle/>
           <a:p>
             <a:r>
-              <a:rPr lang="nl-NL" dirty="0"/>
-              <a:t>Step 1: </a:t>
-            </a:r>
-            <a:r>
-              <a:rPr lang="nl-NL" dirty="0" err="1"/>
-              <a:t>Create</a:t>
-            </a:r>
-            <a:r>
-              <a:rPr lang="nl-NL" dirty="0"/>
-              <a:t> 1 </a:t>
-            </a:r>
-            <a:r>
-              <a:rPr lang="nl-NL" dirty="0" err="1"/>
-              <a:t>simple</a:t>
-            </a:r>
-            <a:r>
-              <a:rPr lang="nl-NL" dirty="0"/>
-              <a:t> </a:t>
-            </a:r>
-            <a:r>
-              <a:rPr lang="nl-NL" dirty="0" err="1"/>
-              <a:t>java</a:t>
-            </a:r>
-            <a:r>
-              <a:rPr lang="nl-NL" dirty="0"/>
-              <a:t> program.</a:t>
-            </a:r>
-          </a:p>
-          <a:p>
-            <a:r>
-              <a:rPr lang="nl-NL" dirty="0"/>
-              <a:t>Step 2: </a:t>
-            </a:r>
-            <a:r>
-              <a:rPr lang="nl-NL" dirty="0" err="1"/>
-              <a:t>Find</a:t>
-            </a:r>
-            <a:r>
-              <a:rPr lang="nl-NL" dirty="0"/>
-              <a:t> base image. (</a:t>
-            </a:r>
-            <a:r>
-              <a:rPr lang="nl-NL" dirty="0" err="1"/>
-              <a:t>with</a:t>
-            </a:r>
-            <a:r>
-              <a:rPr lang="nl-NL" dirty="0"/>
-              <a:t> correct </a:t>
-            </a:r>
-            <a:r>
-              <a:rPr lang="nl-NL" dirty="0" err="1"/>
-              <a:t>requirements</a:t>
-            </a:r>
-            <a:r>
-              <a:rPr lang="nl-NL" dirty="0"/>
-              <a:t> e.g. JDK) </a:t>
-            </a:r>
-          </a:p>
-          <a:p>
-            <a:r>
-              <a:rPr lang="nl-NL" dirty="0"/>
-              <a:t>Step 3: </a:t>
-            </a:r>
-            <a:r>
-              <a:rPr lang="nl-NL" dirty="0" err="1"/>
-              <a:t>Create</a:t>
-            </a:r>
-            <a:r>
-              <a:rPr lang="nl-NL" dirty="0"/>
-              <a:t> </a:t>
-            </a:r>
-            <a:r>
-              <a:rPr lang="nl-NL" dirty="0" err="1"/>
-              <a:t>Dockerfile</a:t>
-            </a:r>
-            <a:r>
-              <a:rPr lang="nl-NL" dirty="0"/>
-              <a:t>.</a:t>
-            </a:r>
-          </a:p>
-          <a:p>
-            <a:r>
-              <a:rPr lang="nl-NL" dirty="0"/>
-              <a:t>Step 4: </a:t>
-            </a:r>
-            <a:r>
-              <a:rPr lang="nl-NL" dirty="0" err="1"/>
-              <a:t>build</a:t>
-            </a:r>
-            <a:r>
-              <a:rPr lang="nl-NL" dirty="0"/>
-              <a:t> </a:t>
-            </a:r>
-            <a:r>
-              <a:rPr lang="nl-NL" dirty="0" err="1"/>
-              <a:t>and</a:t>
-            </a:r>
-            <a:r>
-              <a:rPr lang="nl-NL" dirty="0"/>
-              <a:t> run container.</a:t>
-            </a:r>
-          </a:p>
-          <a:p>
-            <a:endParaRPr lang="nl-NL" dirty="0"/>
-          </a:p>
-          <a:p>
-            <a:endParaRPr lang="nl-NL" dirty="0"/>
-          </a:p>
-        </p:txBody>
-      </p:sp>
-      <p:sp>
-        <p:nvSpPr>
-          <p:cNvPr id="4" name="Slide Number Placeholder 3">
-            <a:extLst>
-              <a:ext uri="{FF2B5EF4-FFF2-40B4-BE49-F238E27FC236}">
-                <a16:creationId xmlns:a16="http://schemas.microsoft.com/office/drawing/2014/main" id="{942EDA24-9A2D-4314-B8D8-DB06F6DA18D8}"/>
+              <a:rPr lang="en-CA" dirty="0"/>
+              <a:t>What is scalability?</a:t>
+            </a:r>
+          </a:p>
+        </p:txBody>
+      </p:sp>
+      <p:sp>
+        <p:nvSpPr>
+          <p:cNvPr id="5" name="Espace réservé du numéro de diapositive 2">
+            <a:extLst>
+              <a:ext uri="{FF2B5EF4-FFF2-40B4-BE49-F238E27FC236}">
+                <a16:creationId xmlns:a16="http://schemas.microsoft.com/office/drawing/2014/main" id="{2DC9FD3B-E279-C240-9B66-4C6A7A3EC923}"/>
               </a:ext>
             </a:extLst>
           </p:cNvPr>
@@ -31287,11 +34192,23 @@
         </p:nvSpPr>
         <p:spPr/>
         <p:txBody>
-          <a:bodyPr/>
+          <a:bodyPr wrap="square" anchor="ctr">
+            <a:normAutofit/>
+          </a:bodyPr>
           <a:lstStyle/>
           <a:p>
+            <a:pPr>
+              <a:spcAft>
+                <a:spcPts val="600"/>
+              </a:spcAft>
+            </a:pPr>
             <a:fld id="{525A3C56-E491-49B2-93F3-63532DF516BC}" type="slidenum">
               <a:rPr lang="en-CA" smtClean="0"/>
+              <a:pPr>
+                <a:spcAft>
+                  <a:spcPts val="600"/>
+                </a:spcAft>
+              </a:pPr>
               <a:t>24</a:t>
             </a:fld>
             <a:endParaRPr lang="en-CA"/>
@@ -31301,7 +34218,7 @@
     </p:spTree>
     <p:extLst>
       <p:ext uri="{BB962C8B-B14F-4D97-AF65-F5344CB8AC3E}">
-        <p14:creationId xmlns:p14="http://schemas.microsoft.com/office/powerpoint/2010/main" val="1355077837"/>
+        <p14:creationId xmlns:p14="http://schemas.microsoft.com/office/powerpoint/2010/main" val="131850773"/>
       </p:ext>
     </p:extLst>
   </p:cSld>
@@ -31329,6 +34246,43 @@
           <a:chExt cx="0" cy="0"/>
         </a:xfrm>
       </p:grpSpPr>
+      <p:pic>
+        <p:nvPicPr>
+          <p:cNvPr id="8" name="Picture 7">
+            <a:extLst>
+              <a:ext uri="{FF2B5EF4-FFF2-40B4-BE49-F238E27FC236}">
+                <a16:creationId xmlns:a16="http://schemas.microsoft.com/office/drawing/2014/main" id="{29116C0D-3F43-4C10-AB49-0D71F54BA4AA}"/>
+              </a:ext>
+            </a:extLst>
+          </p:cNvPr>
+          <p:cNvPicPr>
+            <a:picLocks noChangeAspect="1"/>
+          </p:cNvPicPr>
+          <p:nvPr/>
+        </p:nvPicPr>
+        <p:blipFill>
+          <a:blip r:embed="rId3">
+            <a:extLst>
+              <a:ext uri="{28A0092B-C50C-407E-A947-70E740481C1C}">
+                <a14:useLocalDpi xmlns:a14="http://schemas.microsoft.com/office/drawing/2010/main" val="0"/>
+              </a:ext>
+            </a:extLst>
+          </a:blip>
+          <a:stretch>
+            <a:fillRect/>
+          </a:stretch>
+        </p:blipFill>
+        <p:spPr>
+          <a:xfrm>
+            <a:off x="2184085" y="1543050"/>
+            <a:ext cx="7823830" cy="3517594"/>
+          </a:xfrm>
+          <a:prstGeom prst="rect">
+            <a:avLst/>
+          </a:prstGeom>
+          <a:noFill/>
+        </p:spPr>
+      </p:pic>
       <p:sp>
         <p:nvSpPr>
           <p:cNvPr id="2" name="Title 1">
@@ -31345,18 +34299,33 @@
             <p:ph type="title"/>
           </p:nvPr>
         </p:nvSpPr>
-        <p:spPr/>
-        <p:txBody>
-          <a:bodyPr/>
+        <p:spPr>
+          <a:xfrm>
+            <a:off x="766763" y="684000"/>
+            <a:ext cx="10658475" cy="589597"/>
+          </a:xfrm>
+        </p:spPr>
+        <p:txBody>
+          <a:bodyPr anchor="t">
+            <a:normAutofit/>
+          </a:bodyPr>
           <a:lstStyle/>
           <a:p>
             <a:r>
               <a:rPr lang="nl-NL" dirty="0" err="1"/>
-              <a:t>Creating</a:t>
+              <a:t>What</a:t>
             </a:r>
             <a:r>
               <a:rPr lang="nl-NL" dirty="0"/>
-              <a:t> a Docker container</a:t>
+              <a:t> is </a:t>
+            </a:r>
+            <a:r>
+              <a:rPr lang="nl-NL" dirty="0" err="1"/>
+              <a:t>Scalability</a:t>
+            </a:r>
+            <a:r>
+              <a:rPr lang="nl-NL" dirty="0"/>
+              <a:t>?</a:t>
             </a:r>
           </a:p>
         </p:txBody>
@@ -31377,63 +34346,44 @@
             <p:ph sz="quarter" idx="17"/>
           </p:nvPr>
         </p:nvSpPr>
-        <p:spPr/>
-        <p:txBody>
-          <a:bodyPr/>
+        <p:spPr>
+          <a:xfrm>
+            <a:off x="766763" y="5349240"/>
+            <a:ext cx="10658475" cy="743585"/>
+          </a:xfrm>
+        </p:spPr>
+        <p:txBody>
+          <a:bodyPr>
+            <a:normAutofit/>
+          </a:bodyPr>
           <a:lstStyle/>
           <a:p>
-            <a:r>
-              <a:rPr lang="nl-NL" dirty="0" err="1"/>
-              <a:t>Find</a:t>
-            </a:r>
-            <a:r>
-              <a:rPr lang="nl-NL" dirty="0"/>
-              <a:t> base image, </a:t>
-            </a:r>
-            <a:r>
-              <a:rPr lang="nl-NL" dirty="0" err="1"/>
-              <a:t>create</a:t>
-            </a:r>
-            <a:r>
-              <a:rPr lang="nl-NL" dirty="0"/>
-              <a:t> </a:t>
-            </a:r>
-            <a:r>
-              <a:rPr lang="nl-NL" dirty="0" err="1"/>
-              <a:t>dockerfile</a:t>
-            </a:r>
-            <a:r>
-              <a:rPr lang="nl-NL" dirty="0"/>
-              <a:t>, </a:t>
-            </a:r>
-            <a:r>
-              <a:rPr lang="nl-NL" dirty="0" err="1"/>
-              <a:t>and</a:t>
-            </a:r>
-            <a:r>
-              <a:rPr lang="nl-NL" dirty="0"/>
-              <a:t> </a:t>
-            </a:r>
-            <a:r>
-              <a:rPr lang="nl-NL" dirty="0" err="1"/>
-              <a:t>commands</a:t>
-            </a:r>
-            <a:r>
-              <a:rPr lang="nl-NL" dirty="0"/>
-              <a:t> </a:t>
-            </a:r>
-            <a:r>
-              <a:rPr lang="nl-NL" dirty="0" err="1"/>
-              <a:t>to</a:t>
-            </a:r>
-            <a:r>
-              <a:rPr lang="nl-NL" dirty="0"/>
-              <a:t> run</a:t>
-            </a:r>
+            <a:endParaRPr lang="en-US" dirty="0"/>
           </a:p>
           <a:p>
             <a:endParaRPr lang="nl-NL" dirty="0"/>
           </a:p>
+          <a:p>
+            <a:endParaRPr lang="nl-NL" dirty="0"/>
+          </a:p>
+          <a:p>
+            <a:endParaRPr lang="nl-NL" dirty="0"/>
+          </a:p>
+          <a:p>
+            <a:endParaRPr lang="nl-NL" dirty="0"/>
+          </a:p>
+          <a:p>
+            <a:endParaRPr lang="nl-NL" dirty="0"/>
+          </a:p>
+          <a:p>
+            <a:endParaRPr lang="nl-NL" dirty="0"/>
+          </a:p>
+          <a:p>
+            <a:endParaRPr lang="nl-NL" dirty="0"/>
+          </a:p>
+          <a:p>
+            <a:endParaRPr lang="nl-NL" dirty="0"/>
+          </a:p>
         </p:txBody>
       </p:sp>
       <p:sp>
@@ -31452,13 +34402,30 @@
             <p:ph type="sldNum" sz="quarter" idx="4"/>
           </p:nvPr>
         </p:nvSpPr>
-        <p:spPr/>
-        <p:txBody>
-          <a:bodyPr/>
+        <p:spPr>
+          <a:xfrm>
+            <a:off x="11163034" y="6264308"/>
+            <a:ext cx="261660" cy="169200"/>
+          </a:xfrm>
+        </p:spPr>
+        <p:txBody>
+          <a:bodyPr wrap="square" anchor="ctr">
+            <a:normAutofit/>
+          </a:bodyPr>
           <a:lstStyle/>
           <a:p>
+            <a:pPr>
+              <a:spcAft>
+                <a:spcPts val="600"/>
+              </a:spcAft>
+            </a:pPr>
             <a:fld id="{525A3C56-E491-49B2-93F3-63532DF516BC}" type="slidenum">
               <a:rPr lang="en-CA" smtClean="0"/>
+              <a:pPr>
+                <a:spcAft>
+                  <a:spcPts val="600"/>
+                </a:spcAft>
+              </a:pPr>
               <a:t>25</a:t>
             </a:fld>
             <a:endParaRPr lang="en-CA"/>
@@ -31468,7 +34435,7 @@
     </p:spTree>
     <p:extLst>
       <p:ext uri="{BB962C8B-B14F-4D97-AF65-F5344CB8AC3E}">
-        <p14:creationId xmlns:p14="http://schemas.microsoft.com/office/powerpoint/2010/main" val="2430915884"/>
+        <p14:creationId xmlns:p14="http://schemas.microsoft.com/office/powerpoint/2010/main" val="2846074028"/>
       </p:ext>
     </p:extLst>
   </p:cSld>
@@ -31498,6 +34465,31 @@
       </p:grpSpPr>
       <p:sp>
         <p:nvSpPr>
+          <p:cNvPr id="2" name="Subtitle 1">
+            <a:extLst>
+              <a:ext uri="{FF2B5EF4-FFF2-40B4-BE49-F238E27FC236}">
+                <a16:creationId xmlns:a16="http://schemas.microsoft.com/office/drawing/2014/main" id="{B1E751AD-B2C5-17B6-9AD5-258BBB03C444}"/>
+              </a:ext>
+            </a:extLst>
+          </p:cNvPr>
+          <p:cNvSpPr>
+            <a:spLocks noGrp="1"/>
+          </p:cNvSpPr>
+          <p:nvPr>
+            <p:ph type="subTitle" idx="1"/>
+          </p:nvPr>
+        </p:nvSpPr>
+        <p:spPr/>
+        <p:txBody>
+          <a:bodyPr/>
+          <a:lstStyle/>
+          <a:p>
+            <a:endParaRPr lang="en-GB"/>
+          </a:p>
+        </p:txBody>
+      </p:sp>
+      <p:sp>
+        <p:nvSpPr>
           <p:cNvPr id="6" name="Titre 5">
             <a:extLst>
               <a:ext uri="{FF2B5EF4-FFF2-40B4-BE49-F238E27FC236}">
@@ -31521,7 +34513,7 @@
           <a:p>
             <a:r>
               <a:rPr lang="en-CA" dirty="0"/>
-              <a:t>Exercise: Create your own hello world.</a:t>
+              <a:t>Exercise 2: Scaling your hello world program.</a:t>
             </a:r>
           </a:p>
         </p:txBody>
@@ -31558,7 +34550,7 @@
     </p:spTree>
     <p:extLst>
       <p:ext uri="{BB962C8B-B14F-4D97-AF65-F5344CB8AC3E}">
-        <p14:creationId xmlns:p14="http://schemas.microsoft.com/office/powerpoint/2010/main" val="1717012088"/>
+        <p14:creationId xmlns:p14="http://schemas.microsoft.com/office/powerpoint/2010/main" val="1139663220"/>
       </p:ext>
     </p:extLst>
   </p:cSld>
@@ -31588,10 +34580,10 @@
       </p:grpSpPr>
       <p:sp>
         <p:nvSpPr>
-          <p:cNvPr id="6" name="Titre 5">
-            <a:extLst>
-              <a:ext uri="{FF2B5EF4-FFF2-40B4-BE49-F238E27FC236}">
-                <a16:creationId xmlns:a16="http://schemas.microsoft.com/office/drawing/2014/main" id="{D8915DC9-D253-DC48-ADEE-A24C501319AA}"/>
+          <p:cNvPr id="3" name="Title 2">
+            <a:extLst>
+              <a:ext uri="{FF2B5EF4-FFF2-40B4-BE49-F238E27FC236}">
+                <a16:creationId xmlns:a16="http://schemas.microsoft.com/office/drawing/2014/main" id="{A05407F2-4BE3-7A75-11A4-586E69A46FC8}"/>
               </a:ext>
             </a:extLst>
           </p:cNvPr>
@@ -31602,26 +34594,96 @@
             <p:ph type="title"/>
           </p:nvPr>
         </p:nvSpPr>
-        <p:spPr/>
-        <p:txBody>
-          <a:bodyPr>
+        <p:spPr>
+          <a:xfrm>
+            <a:off x="777224" y="619403"/>
+            <a:ext cx="4598051" cy="2508110"/>
+          </a:xfrm>
+        </p:spPr>
+        <p:txBody>
+          <a:bodyPr anchor="t">
             <a:normAutofit/>
           </a:bodyPr>
           <a:lstStyle/>
           <a:p>
             <a:r>
-              <a:rPr lang="en-CA" dirty="0"/>
-              <a:t>What is scalability?</a:t>
-            </a:r>
-          </a:p>
-        </p:txBody>
-      </p:sp>
-      <p:sp>
-        <p:nvSpPr>
-          <p:cNvPr id="5" name="Espace réservé du numéro de diapositive 2">
-            <a:extLst>
-              <a:ext uri="{FF2B5EF4-FFF2-40B4-BE49-F238E27FC236}">
-                <a16:creationId xmlns:a16="http://schemas.microsoft.com/office/drawing/2014/main" id="{2DC9FD3B-E279-C240-9B66-4C6A7A3EC923}"/>
+              <a:rPr lang="en-GB" dirty="0"/>
+              <a:t>What the exercise achieved</a:t>
+            </a:r>
+          </a:p>
+        </p:txBody>
+      </p:sp>
+      <p:sp>
+        <p:nvSpPr>
+          <p:cNvPr id="12" name="Content Placeholder 2">
+            <a:extLst>
+              <a:ext uri="{FF2B5EF4-FFF2-40B4-BE49-F238E27FC236}">
+                <a16:creationId xmlns:a16="http://schemas.microsoft.com/office/drawing/2014/main" id="{59ED88A7-D0F8-1E89-3C15-CD2A2C8D70FC}"/>
+              </a:ext>
+            </a:extLst>
+          </p:cNvPr>
+          <p:cNvSpPr>
+            <a:spLocks noGrp="1"/>
+          </p:cNvSpPr>
+          <p:nvPr>
+            <p:ph sz="quarter" idx="17"/>
+          </p:nvPr>
+        </p:nvSpPr>
+        <p:spPr>
+          <a:xfrm>
+            <a:off x="766764" y="3429000"/>
+            <a:ext cx="4608512" cy="2663825"/>
+          </a:xfrm>
+        </p:spPr>
+        <p:txBody>
+          <a:bodyPr/>
+          <a:lstStyle/>
+          <a:p>
+            <a:endParaRPr lang="en-US"/>
+          </a:p>
+        </p:txBody>
+      </p:sp>
+      <p:pic>
+        <p:nvPicPr>
+          <p:cNvPr id="7" name="Picture 6">
+            <a:extLst>
+              <a:ext uri="{FF2B5EF4-FFF2-40B4-BE49-F238E27FC236}">
+                <a16:creationId xmlns:a16="http://schemas.microsoft.com/office/drawing/2014/main" id="{74D97502-D47D-04F4-DCCB-5F59A33B28E2}"/>
+              </a:ext>
+            </a:extLst>
+          </p:cNvPr>
+          <p:cNvPicPr>
+            <a:picLocks noChangeAspect="1"/>
+          </p:cNvPicPr>
+          <p:nvPr/>
+        </p:nvPicPr>
+        <p:blipFill>
+          <a:blip r:embed="rId3">
+            <a:extLst>
+              <a:ext uri="{28A0092B-C50C-407E-A947-70E740481C1C}">
+                <a14:useLocalDpi xmlns:a14="http://schemas.microsoft.com/office/drawing/2010/main" val="0"/>
+              </a:ext>
+            </a:extLst>
+          </a:blip>
+          <a:stretch/>
+        </p:blipFill>
+        <p:spPr>
+          <a:xfrm>
+            <a:off x="7020234" y="765174"/>
+            <a:ext cx="3517284" cy="5327651"/>
+          </a:xfrm>
+          <a:prstGeom prst="rect">
+            <a:avLst/>
+          </a:prstGeom>
+          <a:noFill/>
+        </p:spPr>
+      </p:pic>
+      <p:sp>
+        <p:nvSpPr>
+          <p:cNvPr id="4" name="Slide Number Placeholder 3">
+            <a:extLst>
+              <a:ext uri="{FF2B5EF4-FFF2-40B4-BE49-F238E27FC236}">
+                <a16:creationId xmlns:a16="http://schemas.microsoft.com/office/drawing/2014/main" id="{F1737872-E43A-B20D-93DB-66C8C2288FC7}"/>
               </a:ext>
             </a:extLst>
           </p:cNvPr>
@@ -31639,11 +34701,23 @@
           </a:xfrm>
         </p:spPr>
         <p:txBody>
-          <a:bodyPr/>
+          <a:bodyPr wrap="square" anchor="ctr">
+            <a:normAutofit/>
+          </a:bodyPr>
           <a:lstStyle/>
           <a:p>
+            <a:pPr>
+              <a:spcAft>
+                <a:spcPts val="600"/>
+              </a:spcAft>
+            </a:pPr>
             <a:fld id="{525A3C56-E491-49B2-93F3-63532DF516BC}" type="slidenum">
               <a:rPr lang="en-CA" smtClean="0"/>
+              <a:pPr>
+                <a:spcAft>
+                  <a:spcPts val="600"/>
+                </a:spcAft>
+              </a:pPr>
               <a:t>27</a:t>
             </a:fld>
             <a:endParaRPr lang="en-CA"/>
@@ -31653,7 +34727,7 @@
     </p:spTree>
     <p:extLst>
       <p:ext uri="{BB962C8B-B14F-4D97-AF65-F5344CB8AC3E}">
-        <p14:creationId xmlns:p14="http://schemas.microsoft.com/office/powerpoint/2010/main" val="131850773"/>
+        <p14:creationId xmlns:p14="http://schemas.microsoft.com/office/powerpoint/2010/main" val="4075439387"/>
       </p:ext>
     </p:extLst>
   </p:cSld>
@@ -31683,10 +34757,10 @@
       </p:grpSpPr>
       <p:sp>
         <p:nvSpPr>
-          <p:cNvPr id="2" name="Title 1">
-            <a:extLst>
-              <a:ext uri="{FF2B5EF4-FFF2-40B4-BE49-F238E27FC236}">
-                <a16:creationId xmlns:a16="http://schemas.microsoft.com/office/drawing/2014/main" id="{A098741F-C9DE-48BC-829B-6F985817EC3B}"/>
+          <p:cNvPr id="3" name="Title 2">
+            <a:extLst>
+              <a:ext uri="{FF2B5EF4-FFF2-40B4-BE49-F238E27FC236}">
+                <a16:creationId xmlns:a16="http://schemas.microsoft.com/office/drawing/2014/main" id="{A05407F2-4BE3-7A75-11A4-586E69A46FC8}"/>
               </a:ext>
             </a:extLst>
           </p:cNvPr>
@@ -31695,121 +34769,33 @@
           </p:cNvSpPr>
           <p:nvPr>
             <p:ph type="title"/>
-          </p:nvPr>
-        </p:nvSpPr>
-        <p:spPr/>
-        <p:txBody>
-          <a:bodyPr/>
-          <a:lstStyle/>
-          <a:p>
-            <a:r>
-              <a:rPr lang="nl-NL" dirty="0" err="1"/>
-              <a:t>What</a:t>
-            </a:r>
-            <a:r>
-              <a:rPr lang="nl-NL" dirty="0"/>
-              <a:t> is </a:t>
-            </a:r>
-            <a:r>
-              <a:rPr lang="nl-NL" dirty="0" err="1"/>
-              <a:t>Scalability</a:t>
-            </a:r>
-            <a:r>
-              <a:rPr lang="nl-NL" dirty="0"/>
-              <a:t>?</a:t>
-            </a:r>
-          </a:p>
-        </p:txBody>
-      </p:sp>
-      <p:sp>
-        <p:nvSpPr>
-          <p:cNvPr id="3" name="Content Placeholder 2">
-            <a:extLst>
-              <a:ext uri="{FF2B5EF4-FFF2-40B4-BE49-F238E27FC236}">
-                <a16:creationId xmlns:a16="http://schemas.microsoft.com/office/drawing/2014/main" id="{924D5ECF-0D33-4D03-9646-FE69E47A20AF}"/>
-              </a:ext>
-            </a:extLst>
-          </p:cNvPr>
-          <p:cNvSpPr>
-            <a:spLocks noGrp="1"/>
-          </p:cNvSpPr>
-          <p:nvPr>
-            <p:ph sz="quarter" idx="17"/>
           </p:nvPr>
         </p:nvSpPr>
         <p:spPr>
           <a:xfrm>
-            <a:off x="766763" y="1638513"/>
-            <a:ext cx="10658475" cy="4535487"/>
-          </a:xfrm>
-        </p:spPr>
-        <p:txBody>
-          <a:bodyPr/>
+            <a:off x="766763" y="684000"/>
+            <a:ext cx="10658475" cy="576262"/>
+          </a:xfrm>
+        </p:spPr>
+        <p:txBody>
+          <a:bodyPr anchor="t">
+            <a:normAutofit/>
+          </a:bodyPr>
           <a:lstStyle/>
           <a:p>
-            <a:endParaRPr lang="en-US" dirty="0"/>
-          </a:p>
-          <a:p>
-            <a:endParaRPr lang="nl-NL" dirty="0"/>
-          </a:p>
-          <a:p>
-            <a:endParaRPr lang="nl-NL" dirty="0"/>
-          </a:p>
-          <a:p>
-            <a:endParaRPr lang="nl-NL" dirty="0"/>
-          </a:p>
-          <a:p>
-            <a:endParaRPr lang="nl-NL" dirty="0"/>
-          </a:p>
-          <a:p>
-            <a:endParaRPr lang="nl-NL" dirty="0"/>
-          </a:p>
-          <a:p>
-            <a:endParaRPr lang="nl-NL" dirty="0"/>
-          </a:p>
-          <a:p>
-            <a:endParaRPr lang="nl-NL" dirty="0"/>
-          </a:p>
-          <a:p>
-            <a:endParaRPr lang="nl-NL" dirty="0"/>
-          </a:p>
-        </p:txBody>
-      </p:sp>
-      <p:sp>
-        <p:nvSpPr>
-          <p:cNvPr id="4" name="Slide Number Placeholder 3">
-            <a:extLst>
-              <a:ext uri="{FF2B5EF4-FFF2-40B4-BE49-F238E27FC236}">
-                <a16:creationId xmlns:a16="http://schemas.microsoft.com/office/drawing/2014/main" id="{942EDA24-9A2D-4314-B8D8-DB06F6DA18D8}"/>
-              </a:ext>
-            </a:extLst>
-          </p:cNvPr>
-          <p:cNvSpPr>
-            <a:spLocks noGrp="1"/>
-          </p:cNvSpPr>
-          <p:nvPr>
-            <p:ph type="sldNum" sz="quarter" idx="4"/>
-          </p:nvPr>
-        </p:nvSpPr>
-        <p:spPr/>
-        <p:txBody>
-          <a:bodyPr/>
-          <a:lstStyle/>
-          <a:p>
-            <a:fld id="{525A3C56-E491-49B2-93F3-63532DF516BC}" type="slidenum">
-              <a:rPr lang="en-CA" smtClean="0"/>
-              <a:t>28</a:t>
-            </a:fld>
-            <a:endParaRPr lang="en-CA"/>
+            <a:r>
+              <a:rPr lang="en-GB" dirty="0"/>
+              <a:t>What the exercise achieved</a:t>
+            </a:r>
           </a:p>
         </p:txBody>
       </p:sp>
       <p:pic>
         <p:nvPicPr>
-          <p:cNvPr id="8" name="Picture 7">
-            <a:extLst>
-              <a:ext uri="{FF2B5EF4-FFF2-40B4-BE49-F238E27FC236}">
-                <a16:creationId xmlns:a16="http://schemas.microsoft.com/office/drawing/2014/main" id="{29116C0D-3F43-4C10-AB49-0D71F54BA4AA}"/>
+          <p:cNvPr id="7" name="Picture 6">
+            <a:extLst>
+              <a:ext uri="{FF2B5EF4-FFF2-40B4-BE49-F238E27FC236}">
+                <a16:creationId xmlns:a16="http://schemas.microsoft.com/office/drawing/2014/main" id="{74D97502-D47D-04F4-DCCB-5F59A33B28E2}"/>
               </a:ext>
             </a:extLst>
           </p:cNvPr>
@@ -31826,24 +34812,69 @@
               </a:ext>
             </a:extLst>
           </a:blip>
-          <a:stretch>
-            <a:fillRect/>
-          </a:stretch>
+          <a:stretch/>
         </p:blipFill>
         <p:spPr>
           <a:xfrm>
-            <a:off x="3119437" y="1548205"/>
-            <a:ext cx="5953125" cy="2676525"/>
+            <a:off x="1537721" y="1557338"/>
+            <a:ext cx="9116558" cy="4535487"/>
           </a:xfrm>
           <a:prstGeom prst="rect">
             <a:avLst/>
           </a:prstGeom>
+          <a:noFill/>
         </p:spPr>
       </p:pic>
+      <p:sp>
+        <p:nvSpPr>
+          <p:cNvPr id="4" name="Slide Number Placeholder 3">
+            <a:extLst>
+              <a:ext uri="{FF2B5EF4-FFF2-40B4-BE49-F238E27FC236}">
+                <a16:creationId xmlns:a16="http://schemas.microsoft.com/office/drawing/2014/main" id="{F1737872-E43A-B20D-93DB-66C8C2288FC7}"/>
+              </a:ext>
+            </a:extLst>
+          </p:cNvPr>
+          <p:cNvSpPr>
+            <a:spLocks noGrp="1"/>
+          </p:cNvSpPr>
+          <p:nvPr>
+            <p:ph type="sldNum" sz="quarter" idx="4"/>
+          </p:nvPr>
+        </p:nvSpPr>
+        <p:spPr>
+          <a:xfrm>
+            <a:off x="11163034" y="6264308"/>
+            <a:ext cx="261660" cy="169200"/>
+          </a:xfrm>
+        </p:spPr>
+        <p:txBody>
+          <a:bodyPr wrap="square" anchor="ctr">
+            <a:normAutofit/>
+          </a:bodyPr>
+          <a:lstStyle/>
+          <a:p>
+            <a:pPr>
+              <a:spcAft>
+                <a:spcPts val="600"/>
+              </a:spcAft>
+            </a:pPr>
+            <a:fld id="{525A3C56-E491-49B2-93F3-63532DF516BC}" type="slidenum">
+              <a:rPr lang="en-CA" smtClean="0"/>
+              <a:pPr>
+                <a:spcAft>
+                  <a:spcPts val="600"/>
+                </a:spcAft>
+              </a:pPr>
+              <a:t>28</a:t>
+            </a:fld>
+            <a:endParaRPr lang="en-CA"/>
+          </a:p>
+        </p:txBody>
+      </p:sp>
     </p:spTree>
     <p:extLst>
       <p:ext uri="{BB962C8B-B14F-4D97-AF65-F5344CB8AC3E}">
-        <p14:creationId xmlns:p14="http://schemas.microsoft.com/office/powerpoint/2010/main" val="2846074028"/>
+        <p14:creationId xmlns:p14="http://schemas.microsoft.com/office/powerpoint/2010/main" val="180506046"/>
       </p:ext>
     </p:extLst>
   </p:cSld>
@@ -31873,35 +34904,10 @@
       </p:grpSpPr>
       <p:sp>
         <p:nvSpPr>
-          <p:cNvPr id="2" name="Subtitle 1">
-            <a:extLst>
-              <a:ext uri="{FF2B5EF4-FFF2-40B4-BE49-F238E27FC236}">
-                <a16:creationId xmlns:a16="http://schemas.microsoft.com/office/drawing/2014/main" id="{B1E751AD-B2C5-17B6-9AD5-258BBB03C444}"/>
-              </a:ext>
-            </a:extLst>
-          </p:cNvPr>
-          <p:cNvSpPr>
-            <a:spLocks noGrp="1"/>
-          </p:cNvSpPr>
-          <p:nvPr>
-            <p:ph type="subTitle" idx="1"/>
-          </p:nvPr>
-        </p:nvSpPr>
-        <p:spPr/>
-        <p:txBody>
-          <a:bodyPr/>
-          <a:lstStyle/>
-          <a:p>
-            <a:endParaRPr lang="en-GB"/>
-          </a:p>
-        </p:txBody>
-      </p:sp>
-      <p:sp>
-        <p:nvSpPr>
-          <p:cNvPr id="6" name="Titre 5">
-            <a:extLst>
-              <a:ext uri="{FF2B5EF4-FFF2-40B4-BE49-F238E27FC236}">
-                <a16:creationId xmlns:a16="http://schemas.microsoft.com/office/drawing/2014/main" id="{D8915DC9-D253-DC48-ADEE-A24C501319AA}"/>
+          <p:cNvPr id="3" name="Title 2">
+            <a:extLst>
+              <a:ext uri="{FF2B5EF4-FFF2-40B4-BE49-F238E27FC236}">
+                <a16:creationId xmlns:a16="http://schemas.microsoft.com/office/drawing/2014/main" id="{A05407F2-4BE3-7A75-11A4-586E69A46FC8}"/>
               </a:ext>
             </a:extLst>
           </p:cNvPr>
@@ -31912,26 +34918,66 @@
             <p:ph type="title"/>
           </p:nvPr>
         </p:nvSpPr>
-        <p:spPr/>
-        <p:txBody>
-          <a:bodyPr>
+        <p:spPr>
+          <a:xfrm>
+            <a:off x="766763" y="684000"/>
+            <a:ext cx="10658475" cy="576262"/>
+          </a:xfrm>
+        </p:spPr>
+        <p:txBody>
+          <a:bodyPr anchor="t">
             <a:normAutofit/>
           </a:bodyPr>
           <a:lstStyle/>
           <a:p>
             <a:r>
-              <a:rPr lang="en-CA" dirty="0"/>
-              <a:t>Exercise 2: Scaling your hello world program.</a:t>
-            </a:r>
-          </a:p>
-        </p:txBody>
-      </p:sp>
-      <p:sp>
-        <p:nvSpPr>
-          <p:cNvPr id="5" name="Espace réservé du numéro de diapositive 2">
-            <a:extLst>
-              <a:ext uri="{FF2B5EF4-FFF2-40B4-BE49-F238E27FC236}">
-                <a16:creationId xmlns:a16="http://schemas.microsoft.com/office/drawing/2014/main" id="{2DC9FD3B-E279-C240-9B66-4C6A7A3EC923}"/>
+              <a:rPr lang="en-GB" dirty="0"/>
+              <a:t>What the exercise achieved</a:t>
+            </a:r>
+          </a:p>
+        </p:txBody>
+      </p:sp>
+      <p:pic>
+        <p:nvPicPr>
+          <p:cNvPr id="7" name="Picture 6">
+            <a:extLst>
+              <a:ext uri="{FF2B5EF4-FFF2-40B4-BE49-F238E27FC236}">
+                <a16:creationId xmlns:a16="http://schemas.microsoft.com/office/drawing/2014/main" id="{74D97502-D47D-04F4-DCCB-5F59A33B28E2}"/>
+              </a:ext>
+            </a:extLst>
+          </p:cNvPr>
+          <p:cNvPicPr>
+            <a:picLocks noChangeAspect="1"/>
+          </p:cNvPicPr>
+          <p:nvPr/>
+        </p:nvPicPr>
+        <p:blipFill>
+          <a:blip r:embed="rId3">
+            <a:extLst>
+              <a:ext uri="{28A0092B-C50C-407E-A947-70E740481C1C}">
+                <a14:useLocalDpi xmlns:a14="http://schemas.microsoft.com/office/drawing/2010/main" val="0"/>
+              </a:ext>
+            </a:extLst>
+          </a:blip>
+          <a:stretch/>
+        </p:blipFill>
+        <p:spPr>
+          <a:xfrm>
+            <a:off x="4128734" y="1557338"/>
+            <a:ext cx="3934533" cy="4535487"/>
+          </a:xfrm>
+          <a:prstGeom prst="rect">
+            <a:avLst/>
+          </a:prstGeom>
+          <a:noFill/>
+        </p:spPr>
+      </p:pic>
+      <p:sp>
+        <p:nvSpPr>
+          <p:cNvPr id="4" name="Slide Number Placeholder 3">
+            <a:extLst>
+              <a:ext uri="{FF2B5EF4-FFF2-40B4-BE49-F238E27FC236}">
+                <a16:creationId xmlns:a16="http://schemas.microsoft.com/office/drawing/2014/main" id="{F1737872-E43A-B20D-93DB-66C8C2288FC7}"/>
               </a:ext>
             </a:extLst>
           </p:cNvPr>
@@ -31942,13 +34988,30 @@
             <p:ph type="sldNum" sz="quarter" idx="4"/>
           </p:nvPr>
         </p:nvSpPr>
-        <p:spPr/>
-        <p:txBody>
-          <a:bodyPr/>
+        <p:spPr>
+          <a:xfrm>
+            <a:off x="11163034" y="6264308"/>
+            <a:ext cx="261660" cy="169200"/>
+          </a:xfrm>
+        </p:spPr>
+        <p:txBody>
+          <a:bodyPr wrap="square" anchor="ctr">
+            <a:normAutofit/>
+          </a:bodyPr>
           <a:lstStyle/>
           <a:p>
+            <a:pPr>
+              <a:spcAft>
+                <a:spcPts val="600"/>
+              </a:spcAft>
+            </a:pPr>
             <a:fld id="{525A3C56-E491-49B2-93F3-63532DF516BC}" type="slidenum">
               <a:rPr lang="en-CA" smtClean="0"/>
+              <a:pPr>
+                <a:spcAft>
+                  <a:spcPts val="600"/>
+                </a:spcAft>
+              </a:pPr>
               <a:t>29</a:t>
             </a:fld>
             <a:endParaRPr lang="en-CA"/>
@@ -31958,7 +35021,7 @@
     </p:spTree>
     <p:extLst>
       <p:ext uri="{BB962C8B-B14F-4D97-AF65-F5344CB8AC3E}">
-        <p14:creationId xmlns:p14="http://schemas.microsoft.com/office/powerpoint/2010/main" val="1139663220"/>
+        <p14:creationId xmlns:p14="http://schemas.microsoft.com/office/powerpoint/2010/main" val="3216457413"/>
       </p:ext>
     </p:extLst>
   </p:cSld>
@@ -32189,10 +35252,10 @@
       </p:grpSpPr>
       <p:sp>
         <p:nvSpPr>
-          <p:cNvPr id="3" name="Title 2">
-            <a:extLst>
-              <a:ext uri="{FF2B5EF4-FFF2-40B4-BE49-F238E27FC236}">
-                <a16:creationId xmlns:a16="http://schemas.microsoft.com/office/drawing/2014/main" id="{A05407F2-4BE3-7A75-11A4-586E69A46FC8}"/>
+          <p:cNvPr id="6" name="Titre 5">
+            <a:extLst>
+              <a:ext uri="{FF2B5EF4-FFF2-40B4-BE49-F238E27FC236}">
+                <a16:creationId xmlns:a16="http://schemas.microsoft.com/office/drawing/2014/main" id="{D8915DC9-D253-DC48-ADEE-A24C501319AA}"/>
               </a:ext>
             </a:extLst>
           </p:cNvPr>
@@ -32203,24 +35266,39 @@
             <p:ph type="title"/>
           </p:nvPr>
         </p:nvSpPr>
-        <p:spPr/>
-        <p:txBody>
-          <a:bodyPr/>
+        <p:spPr>
+          <a:xfrm>
+            <a:off x="748799" y="635964"/>
+            <a:ext cx="6817413" cy="2226506"/>
+          </a:xfrm>
+        </p:spPr>
+        <p:txBody>
+          <a:bodyPr>
+            <a:normAutofit/>
+          </a:bodyPr>
           <a:lstStyle/>
           <a:p>
             <a:r>
-              <a:rPr lang="en-GB" dirty="0"/>
-              <a:t>What the exercise achieved</a:t>
-            </a:r>
-          </a:p>
-        </p:txBody>
-      </p:sp>
-      <p:sp>
-        <p:nvSpPr>
-          <p:cNvPr id="4" name="Slide Number Placeholder 3">
-            <a:extLst>
-              <a:ext uri="{FF2B5EF4-FFF2-40B4-BE49-F238E27FC236}">
-                <a16:creationId xmlns:a16="http://schemas.microsoft.com/office/drawing/2014/main" id="{F1737872-E43A-B20D-93DB-66C8C2288FC7}"/>
+              <a:rPr lang="en-CA" dirty="0"/>
+              <a:t>What is a </a:t>
+            </a:r>
+            <a:r>
+              <a:rPr lang="en-CA" dirty="0" err="1"/>
+              <a:t>loadbalancer</a:t>
+            </a:r>
+            <a:r>
+              <a:rPr lang="en-CA" dirty="0"/>
+              <a:t>?</a:t>
+            </a:r>
+          </a:p>
+        </p:txBody>
+      </p:sp>
+      <p:sp>
+        <p:nvSpPr>
+          <p:cNvPr id="5" name="Espace réservé du numéro de diapositive 2">
+            <a:extLst>
+              <a:ext uri="{FF2B5EF4-FFF2-40B4-BE49-F238E27FC236}">
+                <a16:creationId xmlns:a16="http://schemas.microsoft.com/office/drawing/2014/main" id="{2DC9FD3B-E279-C240-9B66-4C6A7A3EC923}"/>
               </a:ext>
             </a:extLst>
           </p:cNvPr>
@@ -32231,7 +35309,12 @@
             <p:ph type="sldNum" sz="quarter" idx="4"/>
           </p:nvPr>
         </p:nvSpPr>
-        <p:spPr/>
+        <p:spPr>
+          <a:xfrm>
+            <a:off x="11163034" y="6264308"/>
+            <a:ext cx="261660" cy="169200"/>
+          </a:xfrm>
+        </p:spPr>
         <p:txBody>
           <a:bodyPr/>
           <a:lstStyle/>
@@ -32244,45 +35327,10 @@
           </a:p>
         </p:txBody>
       </p:sp>
-      <p:pic>
-        <p:nvPicPr>
-          <p:cNvPr id="7" name="Picture 6">
-            <a:extLst>
-              <a:ext uri="{FF2B5EF4-FFF2-40B4-BE49-F238E27FC236}">
-                <a16:creationId xmlns:a16="http://schemas.microsoft.com/office/drawing/2014/main" id="{74D97502-D47D-04F4-DCCB-5F59A33B28E2}"/>
-              </a:ext>
-            </a:extLst>
-          </p:cNvPr>
-          <p:cNvPicPr>
-            <a:picLocks noChangeAspect="1"/>
-          </p:cNvPicPr>
-          <p:nvPr/>
-        </p:nvPicPr>
-        <p:blipFill>
-          <a:blip r:embed="rId3">
-            <a:extLst>
-              <a:ext uri="{28A0092B-C50C-407E-A947-70E740481C1C}">
-                <a14:useLocalDpi xmlns:a14="http://schemas.microsoft.com/office/drawing/2010/main" val="0"/>
-              </a:ext>
-            </a:extLst>
-          </a:blip>
-          <a:srcRect/>
-          <a:stretch/>
-        </p:blipFill>
-        <p:spPr>
-          <a:xfrm>
-            <a:off x="4140001" y="1549527"/>
-            <a:ext cx="3084763" cy="4672509"/>
-          </a:xfrm>
-          <a:prstGeom prst="rect">
-            <a:avLst/>
-          </a:prstGeom>
-        </p:spPr>
-      </p:pic>
     </p:spTree>
     <p:extLst>
       <p:ext uri="{BB962C8B-B14F-4D97-AF65-F5344CB8AC3E}">
-        <p14:creationId xmlns:p14="http://schemas.microsoft.com/office/powerpoint/2010/main" val="4075439387"/>
+        <p14:creationId xmlns:p14="http://schemas.microsoft.com/office/powerpoint/2010/main" val="2232124583"/>
       </p:ext>
     </p:extLst>
   </p:cSld>
@@ -32312,67 +35360,66 @@
       </p:grpSpPr>
       <p:sp>
         <p:nvSpPr>
-          <p:cNvPr id="3" name="Title 2">
-            <a:extLst>
-              <a:ext uri="{FF2B5EF4-FFF2-40B4-BE49-F238E27FC236}">
-                <a16:creationId xmlns:a16="http://schemas.microsoft.com/office/drawing/2014/main" id="{A05407F2-4BE3-7A75-11A4-586E69A46FC8}"/>
-              </a:ext>
-            </a:extLst>
-          </p:cNvPr>
-          <p:cNvSpPr>
-            <a:spLocks noGrp="1"/>
-          </p:cNvSpPr>
-          <p:nvPr>
-            <p:ph type="title"/>
-          </p:nvPr>
-        </p:nvSpPr>
-        <p:spPr/>
-        <p:txBody>
-          <a:bodyPr/>
+          <p:cNvPr id="3" name="Content Placeholder 2">
+            <a:extLst>
+              <a:ext uri="{FF2B5EF4-FFF2-40B4-BE49-F238E27FC236}">
+                <a16:creationId xmlns:a16="http://schemas.microsoft.com/office/drawing/2014/main" id="{924D5ECF-0D33-4D03-9646-FE69E47A20AF}"/>
+              </a:ext>
+            </a:extLst>
+          </p:cNvPr>
+          <p:cNvSpPr>
+            <a:spLocks noGrp="1"/>
+          </p:cNvSpPr>
+          <p:nvPr>
+            <p:ph idx="1"/>
+          </p:nvPr>
+        </p:nvSpPr>
+        <p:spPr>
+          <a:xfrm>
+            <a:off x="766763" y="1557338"/>
+            <a:ext cx="10658475" cy="347341"/>
+          </a:xfrm>
+        </p:spPr>
+        <p:txBody>
+          <a:bodyPr>
+            <a:normAutofit/>
+          </a:bodyPr>
           <a:lstStyle/>
           <a:p>
-            <a:r>
-              <a:rPr lang="en-GB" dirty="0"/>
-              <a:t>What the exercise achieved</a:t>
-            </a:r>
-          </a:p>
-        </p:txBody>
-      </p:sp>
-      <p:sp>
-        <p:nvSpPr>
-          <p:cNvPr id="4" name="Slide Number Placeholder 3">
-            <a:extLst>
-              <a:ext uri="{FF2B5EF4-FFF2-40B4-BE49-F238E27FC236}">
-                <a16:creationId xmlns:a16="http://schemas.microsoft.com/office/drawing/2014/main" id="{F1737872-E43A-B20D-93DB-66C8C2288FC7}"/>
-              </a:ext>
-            </a:extLst>
-          </p:cNvPr>
-          <p:cNvSpPr>
-            <a:spLocks noGrp="1"/>
-          </p:cNvSpPr>
-          <p:nvPr>
-            <p:ph type="sldNum" sz="quarter" idx="4"/>
-          </p:nvPr>
-        </p:nvSpPr>
-        <p:spPr/>
-        <p:txBody>
-          <a:bodyPr/>
-          <a:lstStyle/>
-          <a:p>
-            <a:fld id="{525A3C56-E491-49B2-93F3-63532DF516BC}" type="slidenum">
-              <a:rPr lang="en-CA" smtClean="0"/>
-              <a:t>31</a:t>
-            </a:fld>
-            <a:endParaRPr lang="en-CA"/>
+            <a:endParaRPr lang="en-US" dirty="0"/>
+          </a:p>
+          <a:p>
+            <a:endParaRPr lang="nl-NL" dirty="0"/>
+          </a:p>
+          <a:p>
+            <a:endParaRPr lang="nl-NL" dirty="0"/>
+          </a:p>
+          <a:p>
+            <a:endParaRPr lang="nl-NL" dirty="0"/>
+          </a:p>
+          <a:p>
+            <a:endParaRPr lang="nl-NL" dirty="0"/>
+          </a:p>
+          <a:p>
+            <a:endParaRPr lang="nl-NL" dirty="0"/>
+          </a:p>
+          <a:p>
+            <a:endParaRPr lang="nl-NL" dirty="0"/>
+          </a:p>
+          <a:p>
+            <a:endParaRPr lang="nl-NL" dirty="0"/>
+          </a:p>
+          <a:p>
+            <a:endParaRPr lang="nl-NL" dirty="0"/>
           </a:p>
         </p:txBody>
       </p:sp>
       <p:pic>
         <p:nvPicPr>
-          <p:cNvPr id="7" name="Picture 6">
-            <a:extLst>
-              <a:ext uri="{FF2B5EF4-FFF2-40B4-BE49-F238E27FC236}">
-                <a16:creationId xmlns:a16="http://schemas.microsoft.com/office/drawing/2014/main" id="{74D97502-D47D-04F4-DCCB-5F59A33B28E2}"/>
+          <p:cNvPr id="6" name="Picture 5">
+            <a:extLst>
+              <a:ext uri="{FF2B5EF4-FFF2-40B4-BE49-F238E27FC236}">
+                <a16:creationId xmlns:a16="http://schemas.microsoft.com/office/drawing/2014/main" id="{7F93C566-988B-42FA-BD21-F756E57548AE}"/>
               </a:ext>
             </a:extLst>
           </p:cNvPr>
@@ -32389,23 +35436,118 @@
               </a:ext>
             </a:extLst>
           </a:blip>
-          <a:srcRect/>
-          <a:stretch/>
+          <a:stretch>
+            <a:fillRect/>
+          </a:stretch>
         </p:blipFill>
         <p:spPr>
           <a:xfrm>
-            <a:off x="3026318" y="2164158"/>
-            <a:ext cx="6139363" cy="3050771"/>
+            <a:off x="3299749" y="2052242"/>
+            <a:ext cx="5592503" cy="4040584"/>
           </a:xfrm>
           <a:prstGeom prst="rect">
             <a:avLst/>
           </a:prstGeom>
+          <a:noFill/>
         </p:spPr>
       </p:pic>
+      <p:sp>
+        <p:nvSpPr>
+          <p:cNvPr id="2" name="Title 1">
+            <a:extLst>
+              <a:ext uri="{FF2B5EF4-FFF2-40B4-BE49-F238E27FC236}">
+                <a16:creationId xmlns:a16="http://schemas.microsoft.com/office/drawing/2014/main" id="{A098741F-C9DE-48BC-829B-6F985817EC3B}"/>
+              </a:ext>
+            </a:extLst>
+          </p:cNvPr>
+          <p:cNvSpPr>
+            <a:spLocks noGrp="1"/>
+          </p:cNvSpPr>
+          <p:nvPr>
+            <p:ph type="title"/>
+          </p:nvPr>
+        </p:nvSpPr>
+        <p:spPr>
+          <a:xfrm>
+            <a:off x="766763" y="684000"/>
+            <a:ext cx="10658475" cy="667068"/>
+          </a:xfrm>
+        </p:spPr>
+        <p:txBody>
+          <a:bodyPr anchor="t">
+            <a:normAutofit/>
+          </a:bodyPr>
+          <a:lstStyle/>
+          <a:p>
+            <a:r>
+              <a:rPr lang="nl-NL" dirty="0" err="1"/>
+              <a:t>What</a:t>
+            </a:r>
+            <a:r>
+              <a:rPr lang="nl-NL" dirty="0"/>
+              <a:t> is a </a:t>
+            </a:r>
+            <a:r>
+              <a:rPr lang="nl-NL" dirty="0" err="1"/>
+              <a:t>loadbalancer</a:t>
+            </a:r>
+            <a:r>
+              <a:rPr lang="nl-NL" dirty="0"/>
+              <a:t>?</a:t>
+            </a:r>
+          </a:p>
+        </p:txBody>
+      </p:sp>
+      <p:sp>
+        <p:nvSpPr>
+          <p:cNvPr id="4" name="Slide Number Placeholder 3">
+            <a:extLst>
+              <a:ext uri="{FF2B5EF4-FFF2-40B4-BE49-F238E27FC236}">
+                <a16:creationId xmlns:a16="http://schemas.microsoft.com/office/drawing/2014/main" id="{942EDA24-9A2D-4314-B8D8-DB06F6DA18D8}"/>
+              </a:ext>
+            </a:extLst>
+          </p:cNvPr>
+          <p:cNvSpPr>
+            <a:spLocks noGrp="1"/>
+          </p:cNvSpPr>
+          <p:nvPr>
+            <p:ph type="sldNum" sz="quarter" idx="4"/>
+          </p:nvPr>
+        </p:nvSpPr>
+        <p:spPr>
+          <a:xfrm>
+            <a:off x="11163034" y="6264308"/>
+            <a:ext cx="261660" cy="169200"/>
+          </a:xfrm>
+        </p:spPr>
+        <p:txBody>
+          <a:bodyPr wrap="square" anchor="ctr">
+            <a:normAutofit/>
+          </a:bodyPr>
+          <a:lstStyle/>
+          <a:p>
+            <a:pPr>
+              <a:spcAft>
+                <a:spcPts val="600"/>
+              </a:spcAft>
+            </a:pPr>
+            <a:fld id="{525A3C56-E491-49B2-93F3-63532DF516BC}" type="slidenum">
+              <a:rPr lang="en-CA" smtClean="0"/>
+              <a:pPr>
+                <a:spcAft>
+                  <a:spcPts val="600"/>
+                </a:spcAft>
+              </a:pPr>
+              <a:t>31</a:t>
+            </a:fld>
+            <a:endParaRPr lang="en-CA"/>
+          </a:p>
+        </p:txBody>
+      </p:sp>
     </p:spTree>
     <p:extLst>
       <p:ext uri="{BB962C8B-B14F-4D97-AF65-F5344CB8AC3E}">
-        <p14:creationId xmlns:p14="http://schemas.microsoft.com/office/powerpoint/2010/main" val="180506046"/>
+        <p14:creationId xmlns:p14="http://schemas.microsoft.com/office/powerpoint/2010/main" val="2857194881"/>
       </p:ext>
     </p:extLst>
   </p:cSld>
@@ -32435,10 +35577,10 @@
       </p:grpSpPr>
       <p:sp>
         <p:nvSpPr>
-          <p:cNvPr id="3" name="Title 2">
-            <a:extLst>
-              <a:ext uri="{FF2B5EF4-FFF2-40B4-BE49-F238E27FC236}">
-                <a16:creationId xmlns:a16="http://schemas.microsoft.com/office/drawing/2014/main" id="{A05407F2-4BE3-7A75-11A4-586E69A46FC8}"/>
+          <p:cNvPr id="6" name="Titre 5">
+            <a:extLst>
+              <a:ext uri="{FF2B5EF4-FFF2-40B4-BE49-F238E27FC236}">
+                <a16:creationId xmlns:a16="http://schemas.microsoft.com/office/drawing/2014/main" id="{D8915DC9-D253-DC48-ADEE-A24C501319AA}"/>
               </a:ext>
             </a:extLst>
           </p:cNvPr>
@@ -32450,134 +35592,6 @@
           </p:nvPr>
         </p:nvSpPr>
         <p:spPr/>
-        <p:txBody>
-          <a:bodyPr/>
-          <a:lstStyle/>
-          <a:p>
-            <a:r>
-              <a:rPr lang="en-GB" dirty="0"/>
-              <a:t>What the exercise achieved</a:t>
-            </a:r>
-          </a:p>
-        </p:txBody>
-      </p:sp>
-      <p:sp>
-        <p:nvSpPr>
-          <p:cNvPr id="4" name="Slide Number Placeholder 3">
-            <a:extLst>
-              <a:ext uri="{FF2B5EF4-FFF2-40B4-BE49-F238E27FC236}">
-                <a16:creationId xmlns:a16="http://schemas.microsoft.com/office/drawing/2014/main" id="{F1737872-E43A-B20D-93DB-66C8C2288FC7}"/>
-              </a:ext>
-            </a:extLst>
-          </p:cNvPr>
-          <p:cNvSpPr>
-            <a:spLocks noGrp="1"/>
-          </p:cNvSpPr>
-          <p:nvPr>
-            <p:ph type="sldNum" sz="quarter" idx="4"/>
-          </p:nvPr>
-        </p:nvSpPr>
-        <p:spPr/>
-        <p:txBody>
-          <a:bodyPr/>
-          <a:lstStyle/>
-          <a:p>
-            <a:fld id="{525A3C56-E491-49B2-93F3-63532DF516BC}" type="slidenum">
-              <a:rPr lang="en-CA" smtClean="0"/>
-              <a:t>32</a:t>
-            </a:fld>
-            <a:endParaRPr lang="en-CA"/>
-          </a:p>
-        </p:txBody>
-      </p:sp>
-      <p:pic>
-        <p:nvPicPr>
-          <p:cNvPr id="7" name="Picture 6">
-            <a:extLst>
-              <a:ext uri="{FF2B5EF4-FFF2-40B4-BE49-F238E27FC236}">
-                <a16:creationId xmlns:a16="http://schemas.microsoft.com/office/drawing/2014/main" id="{74D97502-D47D-04F4-DCCB-5F59A33B28E2}"/>
-              </a:ext>
-            </a:extLst>
-          </p:cNvPr>
-          <p:cNvPicPr>
-            <a:picLocks noChangeAspect="1"/>
-          </p:cNvPicPr>
-          <p:nvPr/>
-        </p:nvPicPr>
-        <p:blipFill>
-          <a:blip r:embed="rId3">
-            <a:extLst>
-              <a:ext uri="{28A0092B-C50C-407E-A947-70E740481C1C}">
-                <a14:useLocalDpi xmlns:a14="http://schemas.microsoft.com/office/drawing/2010/main" val="0"/>
-              </a:ext>
-            </a:extLst>
-          </a:blip>
-          <a:srcRect/>
-          <a:stretch/>
-        </p:blipFill>
-        <p:spPr>
-          <a:xfrm>
-            <a:off x="3759298" y="1385594"/>
-            <a:ext cx="4227639" cy="4878714"/>
-          </a:xfrm>
-          <a:prstGeom prst="rect">
-            <a:avLst/>
-          </a:prstGeom>
-        </p:spPr>
-      </p:pic>
-    </p:spTree>
-    <p:extLst>
-      <p:ext uri="{BB962C8B-B14F-4D97-AF65-F5344CB8AC3E}">
-        <p14:creationId xmlns:p14="http://schemas.microsoft.com/office/powerpoint/2010/main" val="3216457413"/>
-      </p:ext>
-    </p:extLst>
-  </p:cSld>
-  <p:clrMapOvr>
-    <a:masterClrMapping/>
-  </p:clrMapOvr>
-  <p:transition/>
-</p:sld>
-</file>
-
-<file path=ppt/slides/slide33.xml><?xml version="1.0" encoding="utf-8"?>
-<p:sld xmlns:a="http://schemas.openxmlformats.org/drawingml/2006/main" xmlns:r="http://schemas.openxmlformats.org/officeDocument/2006/relationships" xmlns:p="http://schemas.openxmlformats.org/presentationml/2006/main">
-  <p:cSld>
-    <p:spTree>
-      <p:nvGrpSpPr>
-        <p:cNvPr id="1" name=""/>
-        <p:cNvGrpSpPr/>
-        <p:nvPr/>
-      </p:nvGrpSpPr>
-      <p:grpSpPr>
-        <a:xfrm>
-          <a:off x="0" y="0"/>
-          <a:ext cx="0" cy="0"/>
-          <a:chOff x="0" y="0"/>
-          <a:chExt cx="0" cy="0"/>
-        </a:xfrm>
-      </p:grpSpPr>
-      <p:sp>
-        <p:nvSpPr>
-          <p:cNvPr id="6" name="Titre 5">
-            <a:extLst>
-              <a:ext uri="{FF2B5EF4-FFF2-40B4-BE49-F238E27FC236}">
-                <a16:creationId xmlns:a16="http://schemas.microsoft.com/office/drawing/2014/main" id="{D8915DC9-D253-DC48-ADEE-A24C501319AA}"/>
-              </a:ext>
-            </a:extLst>
-          </p:cNvPr>
-          <p:cNvSpPr>
-            <a:spLocks noGrp="1"/>
-          </p:cNvSpPr>
-          <p:nvPr>
-            <p:ph type="title"/>
-          </p:nvPr>
-        </p:nvSpPr>
-        <p:spPr>
-          <a:xfrm>
-            <a:off x="748799" y="635964"/>
-            <a:ext cx="6817413" cy="2226506"/>
-          </a:xfrm>
-        </p:spPr>
         <p:txBody>
           <a:bodyPr>
             <a:normAutofit/>
@@ -32586,15 +35600,15 @@
           <a:p>
             <a:r>
               <a:rPr lang="en-CA" dirty="0"/>
-              <a:t>What is a </a:t>
+              <a:t>Exercise 3: </a:t>
             </a:r>
             <a:r>
               <a:rPr lang="en-CA" dirty="0" err="1"/>
-              <a:t>loadbalancer</a:t>
+              <a:t>Loadbalancers</a:t>
             </a:r>
             <a:r>
               <a:rPr lang="en-CA" dirty="0"/>
-              <a:t>?</a:t>
+              <a:t>.</a:t>
             </a:r>
           </a:p>
         </p:txBody>
@@ -32615,307 +35629,14 @@
             <p:ph type="sldNum" sz="quarter" idx="4"/>
           </p:nvPr>
         </p:nvSpPr>
-        <p:spPr>
-          <a:xfrm>
-            <a:off x="11163034" y="6264308"/>
-            <a:ext cx="261660" cy="169200"/>
-          </a:xfrm>
-        </p:spPr>
+        <p:spPr/>
         <p:txBody>
           <a:bodyPr/>
           <a:lstStyle/>
           <a:p>
             <a:fld id="{525A3C56-E491-49B2-93F3-63532DF516BC}" type="slidenum">
               <a:rPr lang="en-CA" smtClean="0"/>
-              <a:t>33</a:t>
-            </a:fld>
-            <a:endParaRPr lang="en-CA"/>
-          </a:p>
-        </p:txBody>
-      </p:sp>
-    </p:spTree>
-    <p:extLst>
-      <p:ext uri="{BB962C8B-B14F-4D97-AF65-F5344CB8AC3E}">
-        <p14:creationId xmlns:p14="http://schemas.microsoft.com/office/powerpoint/2010/main" val="2232124583"/>
-      </p:ext>
-    </p:extLst>
-  </p:cSld>
-  <p:clrMapOvr>
-    <a:masterClrMapping/>
-  </p:clrMapOvr>
-  <p:transition/>
-</p:sld>
-</file>
-
-<file path=ppt/slides/slide34.xml><?xml version="1.0" encoding="utf-8"?>
-<p:sld xmlns:a="http://schemas.openxmlformats.org/drawingml/2006/main" xmlns:r="http://schemas.openxmlformats.org/officeDocument/2006/relationships" xmlns:p="http://schemas.openxmlformats.org/presentationml/2006/main">
-  <p:cSld>
-    <p:spTree>
-      <p:nvGrpSpPr>
-        <p:cNvPr id="1" name=""/>
-        <p:cNvGrpSpPr/>
-        <p:nvPr/>
-      </p:nvGrpSpPr>
-      <p:grpSpPr>
-        <a:xfrm>
-          <a:off x="0" y="0"/>
-          <a:ext cx="0" cy="0"/>
-          <a:chOff x="0" y="0"/>
-          <a:chExt cx="0" cy="0"/>
-        </a:xfrm>
-      </p:grpSpPr>
-      <p:sp>
-        <p:nvSpPr>
-          <p:cNvPr id="2" name="Title 1">
-            <a:extLst>
-              <a:ext uri="{FF2B5EF4-FFF2-40B4-BE49-F238E27FC236}">
-                <a16:creationId xmlns:a16="http://schemas.microsoft.com/office/drawing/2014/main" id="{A098741F-C9DE-48BC-829B-6F985817EC3B}"/>
-              </a:ext>
-            </a:extLst>
-          </p:cNvPr>
-          <p:cNvSpPr>
-            <a:spLocks noGrp="1"/>
-          </p:cNvSpPr>
-          <p:nvPr>
-            <p:ph type="title"/>
-          </p:nvPr>
-        </p:nvSpPr>
-        <p:spPr/>
-        <p:txBody>
-          <a:bodyPr/>
-          <a:lstStyle/>
-          <a:p>
-            <a:r>
-              <a:rPr lang="nl-NL" dirty="0" err="1"/>
-              <a:t>What</a:t>
-            </a:r>
-            <a:r>
-              <a:rPr lang="nl-NL" dirty="0"/>
-              <a:t> is a </a:t>
-            </a:r>
-            <a:r>
-              <a:rPr lang="nl-NL" dirty="0" err="1"/>
-              <a:t>loadbalancer</a:t>
-            </a:r>
-            <a:r>
-              <a:rPr lang="nl-NL" dirty="0"/>
-              <a:t>?</a:t>
-            </a:r>
-          </a:p>
-        </p:txBody>
-      </p:sp>
-      <p:sp>
-        <p:nvSpPr>
-          <p:cNvPr id="3" name="Content Placeholder 2">
-            <a:extLst>
-              <a:ext uri="{FF2B5EF4-FFF2-40B4-BE49-F238E27FC236}">
-                <a16:creationId xmlns:a16="http://schemas.microsoft.com/office/drawing/2014/main" id="{924D5ECF-0D33-4D03-9646-FE69E47A20AF}"/>
-              </a:ext>
-            </a:extLst>
-          </p:cNvPr>
-          <p:cNvSpPr>
-            <a:spLocks noGrp="1"/>
-          </p:cNvSpPr>
-          <p:nvPr>
-            <p:ph sz="quarter" idx="17"/>
-          </p:nvPr>
-        </p:nvSpPr>
-        <p:spPr>
-          <a:xfrm>
-            <a:off x="766763" y="1638513"/>
-            <a:ext cx="10658475" cy="4535487"/>
-          </a:xfrm>
-        </p:spPr>
-        <p:txBody>
-          <a:bodyPr/>
-          <a:lstStyle/>
-          <a:p>
-            <a:endParaRPr lang="en-US" dirty="0"/>
-          </a:p>
-          <a:p>
-            <a:endParaRPr lang="nl-NL" dirty="0"/>
-          </a:p>
-          <a:p>
-            <a:endParaRPr lang="nl-NL" dirty="0"/>
-          </a:p>
-          <a:p>
-            <a:endParaRPr lang="nl-NL" dirty="0"/>
-          </a:p>
-          <a:p>
-            <a:endParaRPr lang="nl-NL" dirty="0"/>
-          </a:p>
-          <a:p>
-            <a:endParaRPr lang="nl-NL" dirty="0"/>
-          </a:p>
-          <a:p>
-            <a:endParaRPr lang="nl-NL" dirty="0"/>
-          </a:p>
-          <a:p>
-            <a:endParaRPr lang="nl-NL" dirty="0"/>
-          </a:p>
-          <a:p>
-            <a:endParaRPr lang="nl-NL" dirty="0"/>
-          </a:p>
-        </p:txBody>
-      </p:sp>
-      <p:sp>
-        <p:nvSpPr>
-          <p:cNvPr id="4" name="Slide Number Placeholder 3">
-            <a:extLst>
-              <a:ext uri="{FF2B5EF4-FFF2-40B4-BE49-F238E27FC236}">
-                <a16:creationId xmlns:a16="http://schemas.microsoft.com/office/drawing/2014/main" id="{942EDA24-9A2D-4314-B8D8-DB06F6DA18D8}"/>
-              </a:ext>
-            </a:extLst>
-          </p:cNvPr>
-          <p:cNvSpPr>
-            <a:spLocks noGrp="1"/>
-          </p:cNvSpPr>
-          <p:nvPr>
-            <p:ph type="sldNum" sz="quarter" idx="4"/>
-          </p:nvPr>
-        </p:nvSpPr>
-        <p:spPr/>
-        <p:txBody>
-          <a:bodyPr/>
-          <a:lstStyle/>
-          <a:p>
-            <a:fld id="{525A3C56-E491-49B2-93F3-63532DF516BC}" type="slidenum">
-              <a:rPr lang="en-CA" smtClean="0"/>
-              <a:t>34</a:t>
-            </a:fld>
-            <a:endParaRPr lang="en-CA"/>
-          </a:p>
-        </p:txBody>
-      </p:sp>
-      <p:pic>
-        <p:nvPicPr>
-          <p:cNvPr id="6" name="Picture 5">
-            <a:extLst>
-              <a:ext uri="{FF2B5EF4-FFF2-40B4-BE49-F238E27FC236}">
-                <a16:creationId xmlns:a16="http://schemas.microsoft.com/office/drawing/2014/main" id="{7F93C566-988B-42FA-BD21-F756E57548AE}"/>
-              </a:ext>
-            </a:extLst>
-          </p:cNvPr>
-          <p:cNvPicPr>
-            <a:picLocks noChangeAspect="1"/>
-          </p:cNvPicPr>
-          <p:nvPr/>
-        </p:nvPicPr>
-        <p:blipFill>
-          <a:blip r:embed="rId3">
-            <a:extLst>
-              <a:ext uri="{28A0092B-C50C-407E-A947-70E740481C1C}">
-                <a14:useLocalDpi xmlns:a14="http://schemas.microsoft.com/office/drawing/2010/main" val="0"/>
-              </a:ext>
-            </a:extLst>
-          </a:blip>
-          <a:stretch>
-            <a:fillRect/>
-          </a:stretch>
-        </p:blipFill>
-        <p:spPr>
-          <a:xfrm>
-            <a:off x="766762" y="1260262"/>
-            <a:ext cx="5713038" cy="4128084"/>
-          </a:xfrm>
-          <a:prstGeom prst="rect">
-            <a:avLst/>
-          </a:prstGeom>
-        </p:spPr>
-      </p:pic>
-    </p:spTree>
-    <p:extLst>
-      <p:ext uri="{BB962C8B-B14F-4D97-AF65-F5344CB8AC3E}">
-        <p14:creationId xmlns:p14="http://schemas.microsoft.com/office/powerpoint/2010/main" val="2857194881"/>
-      </p:ext>
-    </p:extLst>
-  </p:cSld>
-  <p:clrMapOvr>
-    <a:masterClrMapping/>
-  </p:clrMapOvr>
-  <p:transition/>
-</p:sld>
-</file>
-
-<file path=ppt/slides/slide35.xml><?xml version="1.0" encoding="utf-8"?>
-<p:sld xmlns:a="http://schemas.openxmlformats.org/drawingml/2006/main" xmlns:r="http://schemas.openxmlformats.org/officeDocument/2006/relationships" xmlns:p="http://schemas.openxmlformats.org/presentationml/2006/main">
-  <p:cSld>
-    <p:spTree>
-      <p:nvGrpSpPr>
-        <p:cNvPr id="1" name=""/>
-        <p:cNvGrpSpPr/>
-        <p:nvPr/>
-      </p:nvGrpSpPr>
-      <p:grpSpPr>
-        <a:xfrm>
-          <a:off x="0" y="0"/>
-          <a:ext cx="0" cy="0"/>
-          <a:chOff x="0" y="0"/>
-          <a:chExt cx="0" cy="0"/>
-        </a:xfrm>
-      </p:grpSpPr>
-      <p:sp>
-        <p:nvSpPr>
-          <p:cNvPr id="6" name="Titre 5">
-            <a:extLst>
-              <a:ext uri="{FF2B5EF4-FFF2-40B4-BE49-F238E27FC236}">
-                <a16:creationId xmlns:a16="http://schemas.microsoft.com/office/drawing/2014/main" id="{D8915DC9-D253-DC48-ADEE-A24C501319AA}"/>
-              </a:ext>
-            </a:extLst>
-          </p:cNvPr>
-          <p:cNvSpPr>
-            <a:spLocks noGrp="1"/>
-          </p:cNvSpPr>
-          <p:nvPr>
-            <p:ph type="title"/>
-          </p:nvPr>
-        </p:nvSpPr>
-        <p:spPr/>
-        <p:txBody>
-          <a:bodyPr>
-            <a:normAutofit/>
-          </a:bodyPr>
-          <a:lstStyle/>
-          <a:p>
-            <a:r>
-              <a:rPr lang="en-CA" dirty="0"/>
-              <a:t>Exercise 3: </a:t>
-            </a:r>
-            <a:r>
-              <a:rPr lang="en-CA" dirty="0" err="1"/>
-              <a:t>Loadbalancers</a:t>
-            </a:r>
-            <a:r>
-              <a:rPr lang="en-CA" dirty="0"/>
-              <a:t>.</a:t>
-            </a:r>
-          </a:p>
-        </p:txBody>
-      </p:sp>
-      <p:sp>
-        <p:nvSpPr>
-          <p:cNvPr id="5" name="Espace réservé du numéro de diapositive 2">
-            <a:extLst>
-              <a:ext uri="{FF2B5EF4-FFF2-40B4-BE49-F238E27FC236}">
-                <a16:creationId xmlns:a16="http://schemas.microsoft.com/office/drawing/2014/main" id="{2DC9FD3B-E279-C240-9B66-4C6A7A3EC923}"/>
-              </a:ext>
-            </a:extLst>
-          </p:cNvPr>
-          <p:cNvSpPr>
-            <a:spLocks noGrp="1"/>
-          </p:cNvSpPr>
-          <p:nvPr>
-            <p:ph type="sldNum" sz="quarter" idx="4"/>
-          </p:nvPr>
-        </p:nvSpPr>
-        <p:spPr/>
-        <p:txBody>
-          <a:bodyPr/>
-          <a:lstStyle/>
-          <a:p>
-            <a:fld id="{525A3C56-E491-49B2-93F3-63532DF516BC}" type="slidenum">
-              <a:rPr lang="en-CA" smtClean="0"/>
-              <a:t>35</a:t>
+              <a:t>32</a:t>
             </a:fld>
             <a:endParaRPr lang="en-CA"/>
           </a:p>
@@ -35718,6 +38439,21 @@
 </file>
 
 <file path=customXml/item1.xml><?xml version="1.0" encoding="utf-8"?>
+<p:properties xmlns:p="http://schemas.microsoft.com/office/2006/metadata/properties" xmlns:xsi="http://www.w3.org/2001/XMLSchema-instance">
+  <documentManagement/>
+</p:properties>
+</file>
+
+<file path=customXml/item2.xml><?xml version="1.0" encoding="utf-8"?>
+<?mso-contentType ?>
+<FormTemplates xmlns="http://schemas.microsoft.com/sharepoint/v3/contenttype/forms">
+  <Display>DocumentLibraryForm</Display>
+  <Edit>DocumentLibraryForm</Edit>
+  <New>DocumentLibraryForm</New>
+</FormTemplates>
+</file>
+
+<file path=customXml/item3.xml><?xml version="1.0" encoding="utf-8"?>
 <ct:contentTypeSchema xmlns:ct="http://schemas.microsoft.com/office/2006/metadata/contentType" xmlns:ma="http://schemas.microsoft.com/office/2006/metadata/properties/metaAttributes" ct:_="" ma:_="" ma:contentTypeName="Document" ma:contentTypeID="0x010100D06D1DEF71246949A8BE690928B9FA92" ma:contentTypeVersion="12" ma:contentTypeDescription="Create a new document." ma:contentTypeScope="" ma:versionID="c7872194bb344b0e56a5c22949bcefbf">
   <xsd:schema xmlns:xsd="http://www.w3.org/2001/XMLSchema" xmlns:xs="http://www.w3.org/2001/XMLSchema" xmlns:p="http://schemas.microsoft.com/office/2006/metadata/properties" xmlns:ns2="e768024a-b060-4ad5-913a-bcfaadceb1f5" xmlns:ns3="cfa8ccd9-a380-472f-9e14-f384934d746f" targetNamespace="http://schemas.microsoft.com/office/2006/metadata/properties" ma:root="true" ma:fieldsID="9de53672cbd6c87e4c75c35c771fcd17" ns2:_="" ns3:_="">
     <xsd:import namespace="e768024a-b060-4ad5-913a-bcfaadceb1f5"/>
@@ -35934,36 +38670,7 @@
 </ct:contentTypeSchema>
 </file>
 
-<file path=customXml/item2.xml><?xml version="1.0" encoding="utf-8"?>
-<?mso-contentType ?>
-<FormTemplates xmlns="http://schemas.microsoft.com/sharepoint/v3/contenttype/forms">
-  <Display>DocumentLibraryForm</Display>
-  <Edit>DocumentLibraryForm</Edit>
-  <New>DocumentLibraryForm</New>
-</FormTemplates>
-</file>
-
-<file path=customXml/item3.xml><?xml version="1.0" encoding="utf-8"?>
-<p:properties xmlns:p="http://schemas.microsoft.com/office/2006/metadata/properties" xmlns:xsi="http://www.w3.org/2001/XMLSchema-instance">
-  <documentManagement/>
-</p:properties>
-</file>
-
 <file path=customXml/itemProps1.xml><?xml version="1.0" encoding="utf-8"?>
-<ds:datastoreItem xmlns:ds="http://schemas.openxmlformats.org/officeDocument/2006/customXml" ds:itemID="{91C7B255-3552-497C-B3C7-0572EE08EA37}">
-  <ds:schemaRefs/>
-</ds:datastoreItem>
-</file>
-
-<file path=customXml/itemProps2.xml><?xml version="1.0" encoding="utf-8"?>
-<ds:datastoreItem xmlns:ds="http://schemas.openxmlformats.org/officeDocument/2006/customXml" ds:itemID="{ADA5D674-9920-4D2F-B065-BC24FD29F86D}">
-  <ds:schemaRefs>
-    <ds:schemaRef ds:uri="http://schemas.microsoft.com/sharepoint/v3/contenttype/forms"/>
-  </ds:schemaRefs>
-</ds:datastoreItem>
-</file>
-
-<file path=customXml/itemProps3.xml><?xml version="1.0" encoding="utf-8"?>
 <ds:datastoreItem xmlns:ds="http://schemas.openxmlformats.org/officeDocument/2006/customXml" ds:itemID="{2F4C4F6A-F6A5-45C8-BAAA-52FB70E387C7}">
   <ds:schemaRefs>
     <ds:schemaRef ds:uri="http://www.w3.org/XML/1998/namespace"/>
@@ -35978,4 +38685,18 @@
     <ds:schemaRef ds:uri="e768024a-b060-4ad5-913a-bcfaadceb1f5"/>
   </ds:schemaRefs>
 </ds:datastoreItem>
+</file>
+
+<file path=customXml/itemProps2.xml><?xml version="1.0" encoding="utf-8"?>
+<ds:datastoreItem xmlns:ds="http://schemas.openxmlformats.org/officeDocument/2006/customXml" ds:itemID="{ADA5D674-9920-4D2F-B065-BC24FD29F86D}">
+  <ds:schemaRefs>
+    <ds:schemaRef ds:uri="http://schemas.microsoft.com/sharepoint/v3/contenttype/forms"/>
+  </ds:schemaRefs>
+</ds:datastoreItem>
+</file>
+
+<file path=customXml/itemProps3.xml><?xml version="1.0" encoding="utf-8"?>
+<ds:datastoreItem xmlns:ds="http://schemas.openxmlformats.org/officeDocument/2006/customXml" ds:itemID="{91C7B255-3552-497C-B3C7-0572EE08EA37}">
+  <ds:schemaRefs/>
+</ds:datastoreItem>
 </file>
--- a/containerization.pptx
+++ b/containerization.pptx
@@ -37066,67 +37066,70 @@
         </p:nvSpPr>
         <p:spPr>
           <a:xfrm>
-            <a:off x="748799" y="635964"/>
-            <a:ext cx="10414235" cy="2226506"/>
+            <a:off x="777224" y="619403"/>
+            <a:ext cx="4598051" cy="2508110"/>
+          </a:xfrm>
+        </p:spPr>
+        <p:txBody>
+          <a:bodyPr anchor="t">
+            <a:normAutofit/>
+          </a:bodyPr>
+          <a:lstStyle/>
+          <a:p>
+            <a:r>
+              <a:rPr lang="nl-NL" dirty="0" err="1"/>
+              <a:t>Our</a:t>
+            </a:r>
+            <a:r>
+              <a:rPr lang="nl-NL" dirty="0"/>
+              <a:t> </a:t>
+            </a:r>
+            <a:r>
+              <a:rPr lang="nl-NL" dirty="0" err="1"/>
+              <a:t>vision</a:t>
+            </a:r>
+            <a:r>
+              <a:rPr lang="nl-NL" dirty="0"/>
+              <a:t> on </a:t>
+            </a:r>
+            <a:r>
+              <a:rPr lang="nl-NL" dirty="0" err="1"/>
+              <a:t>this</a:t>
+            </a:r>
+            <a:r>
+              <a:rPr lang="nl-NL" dirty="0"/>
+              <a:t> course</a:t>
+            </a:r>
+          </a:p>
+        </p:txBody>
+      </p:sp>
+      <p:sp>
+        <p:nvSpPr>
+          <p:cNvPr id="12" name="Content Placeholder 2">
+            <a:extLst>
+              <a:ext uri="{FF2B5EF4-FFF2-40B4-BE49-F238E27FC236}">
+                <a16:creationId xmlns:a16="http://schemas.microsoft.com/office/drawing/2014/main" id="{AF7560E2-FA02-D413-3EDB-5D626BB9B6E8}"/>
+              </a:ext>
+            </a:extLst>
+          </p:cNvPr>
+          <p:cNvSpPr>
+            <a:spLocks noGrp="1"/>
+          </p:cNvSpPr>
+          <p:nvPr>
+            <p:ph sz="quarter" idx="17"/>
+          </p:nvPr>
+        </p:nvSpPr>
+        <p:spPr>
+          <a:xfrm>
+            <a:off x="766764" y="3429000"/>
+            <a:ext cx="4608512" cy="2663825"/>
           </a:xfrm>
         </p:spPr>
         <p:txBody>
           <a:bodyPr/>
           <a:lstStyle/>
           <a:p>
-            <a:r>
-              <a:rPr lang="nl-NL" dirty="0" err="1"/>
-              <a:t>Our</a:t>
-            </a:r>
-            <a:r>
-              <a:rPr lang="nl-NL" dirty="0"/>
-              <a:t> </a:t>
-            </a:r>
-            <a:r>
-              <a:rPr lang="nl-NL" dirty="0" err="1"/>
-              <a:t>vision</a:t>
-            </a:r>
-            <a:r>
-              <a:rPr lang="nl-NL" dirty="0"/>
-              <a:t> on </a:t>
-            </a:r>
-            <a:r>
-              <a:rPr lang="nl-NL" dirty="0" err="1"/>
-              <a:t>this</a:t>
-            </a:r>
-            <a:r>
-              <a:rPr lang="nl-NL" dirty="0"/>
-              <a:t> course</a:t>
-            </a:r>
-          </a:p>
-        </p:txBody>
-      </p:sp>
-      <p:sp>
-        <p:nvSpPr>
-          <p:cNvPr id="4" name="Slide Number Placeholder 3">
-            <a:extLst>
-              <a:ext uri="{FF2B5EF4-FFF2-40B4-BE49-F238E27FC236}">
-                <a16:creationId xmlns:a16="http://schemas.microsoft.com/office/drawing/2014/main" id="{53CC7475-D0FE-4406-84C3-A9140D1ECBF8}"/>
-              </a:ext>
-            </a:extLst>
-          </p:cNvPr>
-          <p:cNvSpPr>
-            <a:spLocks noGrp="1"/>
-          </p:cNvSpPr>
-          <p:nvPr>
-            <p:ph type="sldNum" sz="quarter" idx="4"/>
-          </p:nvPr>
-        </p:nvSpPr>
-        <p:spPr/>
-        <p:txBody>
-          <a:bodyPr/>
-          <a:lstStyle/>
-          <a:p>
-            <a:fld id="{525A3C56-E491-49B2-93F3-63532DF516BC}" type="slidenum">
-              <a:rPr lang="en-CA" smtClean="0"/>
-              <a:t>7</a:t>
-            </a:fld>
-            <a:endParaRPr lang="en-CA"/>
+            <a:endParaRPr lang="en-US"/>
           </a:p>
         </p:txBody>
       </p:sp>
@@ -37158,14 +37161,61 @@
         </p:blipFill>
         <p:spPr>
           <a:xfrm>
-            <a:off x="3784339" y="1557258"/>
-            <a:ext cx="4343154" cy="4317226"/>
+            <a:off x="6132513" y="798435"/>
+            <a:ext cx="5292726" cy="5261128"/>
           </a:xfrm>
           <a:prstGeom prst="rect">
             <a:avLst/>
           </a:prstGeom>
+          <a:noFill/>
         </p:spPr>
       </p:pic>
+      <p:sp>
+        <p:nvSpPr>
+          <p:cNvPr id="4" name="Slide Number Placeholder 3">
+            <a:extLst>
+              <a:ext uri="{FF2B5EF4-FFF2-40B4-BE49-F238E27FC236}">
+                <a16:creationId xmlns:a16="http://schemas.microsoft.com/office/drawing/2014/main" id="{53CC7475-D0FE-4406-84C3-A9140D1ECBF8}"/>
+              </a:ext>
+            </a:extLst>
+          </p:cNvPr>
+          <p:cNvSpPr>
+            <a:spLocks noGrp="1"/>
+          </p:cNvSpPr>
+          <p:nvPr>
+            <p:ph type="sldNum" sz="quarter" idx="4"/>
+          </p:nvPr>
+        </p:nvSpPr>
+        <p:spPr>
+          <a:xfrm>
+            <a:off x="11163034" y="6264308"/>
+            <a:ext cx="261660" cy="169200"/>
+          </a:xfrm>
+        </p:spPr>
+        <p:txBody>
+          <a:bodyPr wrap="square" anchor="ctr">
+            <a:normAutofit/>
+          </a:bodyPr>
+          <a:lstStyle/>
+          <a:p>
+            <a:pPr>
+              <a:spcAft>
+                <a:spcPts val="600"/>
+              </a:spcAft>
+            </a:pPr>
+            <a:fld id="{525A3C56-E491-49B2-93F3-63532DF516BC}" type="slidenum">
+              <a:rPr lang="en-CA" smtClean="0"/>
+              <a:pPr>
+                <a:spcAft>
+                  <a:spcPts val="600"/>
+                </a:spcAft>
+              </a:pPr>
+              <a:t>7</a:t>
+            </a:fld>
+            <a:endParaRPr lang="en-CA"/>
+          </a:p>
+        </p:txBody>
+      </p:sp>
     </p:spTree>
     <p:extLst>
       <p:ext uri="{BB962C8B-B14F-4D97-AF65-F5344CB8AC3E}">
